--- a/项目汇报.pptx
+++ b/项目汇报.pptx
@@ -6,7 +6,7 @@
     <p:sldMasterId id="2147483653" r:id="rId2"/>
   </p:sldMasterIdLst>
   <p:notesMasterIdLst>
-    <p:notesMasterId r:id="rId23"/>
+    <p:notesMasterId r:id="rId24"/>
   </p:notesMasterIdLst>
   <p:sldIdLst>
     <p:sldId id="458" r:id="rId3"/>
@@ -20,15 +20,16 @@
     <p:sldId id="268" r:id="rId11"/>
     <p:sldId id="462" r:id="rId12"/>
     <p:sldId id="471" r:id="rId13"/>
-    <p:sldId id="464" r:id="rId14"/>
-    <p:sldId id="478" r:id="rId15"/>
-    <p:sldId id="480" r:id="rId16"/>
-    <p:sldId id="482" r:id="rId17"/>
-    <p:sldId id="469" r:id="rId18"/>
-    <p:sldId id="481" r:id="rId19"/>
-    <p:sldId id="473" r:id="rId20"/>
-    <p:sldId id="474" r:id="rId21"/>
-    <p:sldId id="459" r:id="rId22"/>
+    <p:sldId id="484" r:id="rId14"/>
+    <p:sldId id="483" r:id="rId15"/>
+    <p:sldId id="478" r:id="rId16"/>
+    <p:sldId id="480" r:id="rId17"/>
+    <p:sldId id="482" r:id="rId18"/>
+    <p:sldId id="469" r:id="rId19"/>
+    <p:sldId id="481" r:id="rId20"/>
+    <p:sldId id="473" r:id="rId21"/>
+    <p:sldId id="474" r:id="rId22"/>
+    <p:sldId id="459" r:id="rId23"/>
   </p:sldIdLst>
   <p:sldSz cx="12192000" cy="6858000"/>
   <p:notesSz cx="6858000" cy="9144000"/>
@@ -147,7 +148,8 @@
             <p14:sldId id="268"/>
             <p14:sldId id="462"/>
             <p14:sldId id="471"/>
-            <p14:sldId id="464"/>
+            <p14:sldId id="484"/>
+            <p14:sldId id="483"/>
             <p14:sldId id="478"/>
             <p14:sldId id="480"/>
             <p14:sldId id="482"/>
@@ -860,7 +862,7 @@
     </p:spTree>
     <p:extLst>
       <p:ext uri="{BB962C8B-B14F-4D97-AF65-F5344CB8AC3E}">
-        <p14:creationId xmlns:p14="http://schemas.microsoft.com/office/powerpoint/2010/main" val="2874545309"/>
+        <p14:creationId xmlns:p14="http://schemas.microsoft.com/office/powerpoint/2010/main" val="2541897583"/>
       </p:ext>
     </p:extLst>
   </p:cSld>
@@ -944,7 +946,7 @@
     </p:spTree>
     <p:extLst>
       <p:ext uri="{BB962C8B-B14F-4D97-AF65-F5344CB8AC3E}">
-        <p14:creationId xmlns:p14="http://schemas.microsoft.com/office/powerpoint/2010/main" val="3294718428"/>
+        <p14:creationId xmlns:p14="http://schemas.microsoft.com/office/powerpoint/2010/main" val="3313297874"/>
       </p:ext>
     </p:extLst>
   </p:cSld>
@@ -1028,7 +1030,7 @@
     </p:spTree>
     <p:extLst>
       <p:ext uri="{BB962C8B-B14F-4D97-AF65-F5344CB8AC3E}">
-        <p14:creationId xmlns:p14="http://schemas.microsoft.com/office/powerpoint/2010/main" val="3902694199"/>
+        <p14:creationId xmlns:p14="http://schemas.microsoft.com/office/powerpoint/2010/main" val="3294718428"/>
       </p:ext>
     </p:extLst>
   </p:cSld>
@@ -1112,7 +1114,7 @@
     </p:spTree>
     <p:extLst>
       <p:ext uri="{BB962C8B-B14F-4D97-AF65-F5344CB8AC3E}">
-        <p14:creationId xmlns:p14="http://schemas.microsoft.com/office/powerpoint/2010/main" val="201113260"/>
+        <p14:creationId xmlns:p14="http://schemas.microsoft.com/office/powerpoint/2010/main" val="3902694199"/>
       </p:ext>
     </p:extLst>
   </p:cSld>
@@ -1196,7 +1198,7 @@
     </p:spTree>
     <p:extLst>
       <p:ext uri="{BB962C8B-B14F-4D97-AF65-F5344CB8AC3E}">
-        <p14:creationId xmlns:p14="http://schemas.microsoft.com/office/powerpoint/2010/main" val="4006988741"/>
+        <p14:creationId xmlns:p14="http://schemas.microsoft.com/office/powerpoint/2010/main" val="201113260"/>
       </p:ext>
     </p:extLst>
   </p:cSld>
@@ -1280,7 +1282,7 @@
     </p:spTree>
     <p:extLst>
       <p:ext uri="{BB962C8B-B14F-4D97-AF65-F5344CB8AC3E}">
-        <p14:creationId xmlns:p14="http://schemas.microsoft.com/office/powerpoint/2010/main" val="3979177323"/>
+        <p14:creationId xmlns:p14="http://schemas.microsoft.com/office/powerpoint/2010/main" val="4006988741"/>
       </p:ext>
     </p:extLst>
   </p:cSld>
@@ -1364,7 +1366,7 @@
     </p:spTree>
     <p:extLst>
       <p:ext uri="{BB962C8B-B14F-4D97-AF65-F5344CB8AC3E}">
-        <p14:creationId xmlns:p14="http://schemas.microsoft.com/office/powerpoint/2010/main" val="944788563"/>
+        <p14:creationId xmlns:p14="http://schemas.microsoft.com/office/powerpoint/2010/main" val="3979177323"/>
       </p:ext>
     </p:extLst>
   </p:cSld>
@@ -1448,7 +1450,7 @@
     </p:spTree>
     <p:extLst>
       <p:ext uri="{BB962C8B-B14F-4D97-AF65-F5344CB8AC3E}">
-        <p14:creationId xmlns:p14="http://schemas.microsoft.com/office/powerpoint/2010/main" val="2119586745"/>
+        <p14:creationId xmlns:p14="http://schemas.microsoft.com/office/powerpoint/2010/main" val="944788563"/>
       </p:ext>
     </p:extLst>
   </p:cSld>
@@ -1600,6 +1602,90 @@
           <a:bodyPr/>
           <a:lstStyle/>
           <a:p>
+            <a:fld id="{405C5C29-6204-48AC-85C8-7710F9DF9F98}" type="slidenum">
+              <a:rPr lang="zh-CN" altLang="en-US" smtClean="0"/>
+              <a:t>20</a:t>
+            </a:fld>
+            <a:endParaRPr lang="zh-CN" altLang="en-US"/>
+          </a:p>
+        </p:txBody>
+      </p:sp>
+    </p:spTree>
+    <p:extLst>
+      <p:ext uri="{BB962C8B-B14F-4D97-AF65-F5344CB8AC3E}">
+        <p14:creationId xmlns:p14="http://schemas.microsoft.com/office/powerpoint/2010/main" val="2119586745"/>
+      </p:ext>
+    </p:extLst>
+  </p:cSld>
+  <p:clrMapOvr>
+    <a:masterClrMapping/>
+  </p:clrMapOvr>
+</p:notes>
+</file>
+
+<file path=ppt/notesSlides/notesSlide21.xml><?xml version="1.0" encoding="utf-8"?>
+<p:notes xmlns:a="http://schemas.openxmlformats.org/drawingml/2006/main" xmlns:r="http://schemas.openxmlformats.org/officeDocument/2006/relationships" xmlns:p="http://schemas.openxmlformats.org/presentationml/2006/main">
+  <p:cSld>
+    <p:spTree>
+      <p:nvGrpSpPr>
+        <p:cNvPr id="1" name=""/>
+        <p:cNvGrpSpPr/>
+        <p:nvPr/>
+      </p:nvGrpSpPr>
+      <p:grpSpPr>
+        <a:xfrm>
+          <a:off x="0" y="0"/>
+          <a:ext cx="0" cy="0"/>
+          <a:chOff x="0" y="0"/>
+          <a:chExt cx="0" cy="0"/>
+        </a:xfrm>
+      </p:grpSpPr>
+      <p:sp>
+        <p:nvSpPr>
+          <p:cNvPr id="2" name="幻灯片图像占位符 1"/>
+          <p:cNvSpPr>
+            <a:spLocks noGrp="1" noRot="1" noChangeAspect="1"/>
+          </p:cNvSpPr>
+          <p:nvPr>
+            <p:ph type="sldImg"/>
+          </p:nvPr>
+        </p:nvSpPr>
+        <p:spPr/>
+      </p:sp>
+      <p:sp>
+        <p:nvSpPr>
+          <p:cNvPr id="3" name="备注占位符 2"/>
+          <p:cNvSpPr>
+            <a:spLocks noGrp="1"/>
+          </p:cNvSpPr>
+          <p:nvPr>
+            <p:ph type="body" idx="1"/>
+          </p:nvPr>
+        </p:nvSpPr>
+        <p:spPr/>
+        <p:txBody>
+          <a:bodyPr/>
+          <a:lstStyle/>
+          <a:p>
+            <a:endParaRPr lang="zh-CN" altLang="en-US"/>
+          </a:p>
+        </p:txBody>
+      </p:sp>
+      <p:sp>
+        <p:nvSpPr>
+          <p:cNvPr id="4" name="灯片编号占位符 3"/>
+          <p:cNvSpPr>
+            <a:spLocks noGrp="1"/>
+          </p:cNvSpPr>
+          <p:nvPr>
+            <p:ph type="sldNum" sz="quarter" idx="5"/>
+          </p:nvPr>
+        </p:nvSpPr>
+        <p:spPr/>
+        <p:txBody>
+          <a:bodyPr/>
+          <a:lstStyle/>
+          <a:p>
             <a:pPr marL="0" marR="0" lvl="0" indent="0" algn="r" defTabSz="914400" rtl="0" eaLnBrk="1" fontAlgn="auto" latinLnBrk="0" hangingPunct="1">
               <a:lnSpc>
                 <a:spcPct val="100000"/>
@@ -1631,7 +1717,7 @@
                 <a:ea typeface="等线" panose="02010600030101010101" charset="-122"/>
                 <a:cs typeface="+mn-cs"/>
               </a:rPr>
-              <a:t>20</a:t>
+              <a:t>21</a:t>
             </a:fld>
             <a:endParaRPr kumimoji="0" lang="zh-CN" altLang="en-US" sz="1200" b="0" i="0" u="none" strike="noStrike" kern="1200" cap="none" spc="0" normalizeH="0" baseline="0" noProof="0">
               <a:ln>
@@ -8283,6 +8369,1883 @@
       </p:grpSpPr>
       <p:sp>
         <p:nvSpPr>
+          <p:cNvPr id="2" name="文本框 1"/>
+          <p:cNvSpPr txBox="1"/>
+          <p:nvPr/>
+        </p:nvSpPr>
+        <p:spPr>
+          <a:xfrm>
+            <a:off x="823449" y="135317"/>
+            <a:ext cx="6632661" cy="678519"/>
+          </a:xfrm>
+          <a:prstGeom prst="rect">
+            <a:avLst/>
+          </a:prstGeom>
+          <a:noFill/>
+        </p:spPr>
+        <p:txBody>
+          <a:bodyPr wrap="square" rtlCol="0">
+            <a:spAutoFit/>
+          </a:bodyPr>
+          <a:lstStyle/>
+          <a:p>
+            <a:pPr>
+              <a:lnSpc>
+                <a:spcPct val="130000"/>
+              </a:lnSpc>
+            </a:pPr>
+            <a:r>
+              <a:rPr lang="zh-CN" altLang="en-US" sz="3200" b="1" dirty="0">
+                <a:ea typeface="微软雅黑" panose="020B0503020204020204" pitchFamily="34" charset="-122"/>
+              </a:rPr>
+              <a:t>后端</a:t>
+            </a:r>
+          </a:p>
+        </p:txBody>
+      </p:sp>
+      <p:sp>
+        <p:nvSpPr>
+          <p:cNvPr id="6" name="矩形 5"/>
+          <p:cNvSpPr/>
+          <p:nvPr/>
+        </p:nvSpPr>
+        <p:spPr>
+          <a:xfrm>
+            <a:off x="5346700" y="2462981"/>
+            <a:ext cx="6083300" cy="1988301"/>
+          </a:xfrm>
+          <a:prstGeom prst="rect">
+            <a:avLst/>
+          </a:prstGeom>
+        </p:spPr>
+        <p:txBody>
+          <a:bodyPr wrap="square">
+            <a:spAutoFit/>
+          </a:bodyPr>
+          <a:lstStyle/>
+          <a:p>
+            <a:pPr marL="285750" indent="-285750">
+              <a:lnSpc>
+                <a:spcPct val="125000"/>
+              </a:lnSpc>
+              <a:buFont typeface="Arial" panose="020B0604020202020204" pitchFamily="34" charset="0"/>
+              <a:buChar char="•"/>
+            </a:pPr>
+            <a:r>
+              <a:rPr lang="zh-CN" altLang="en-US" sz="2000" spc="100" dirty="0">
+                <a:ea typeface="微软雅黑" panose="020B0503020204020204" pitchFamily="34" charset="-122"/>
+              </a:rPr>
+              <a:t>问题分类模块</a:t>
+            </a:r>
+            <a:endParaRPr lang="en-US" altLang="zh-CN" sz="2000" spc="100" dirty="0">
+              <a:ea typeface="微软雅黑" panose="020B0503020204020204" pitchFamily="34" charset="-122"/>
+            </a:endParaRPr>
+          </a:p>
+          <a:p>
+            <a:pPr marL="285750" indent="-285750">
+              <a:lnSpc>
+                <a:spcPct val="125000"/>
+              </a:lnSpc>
+              <a:buFont typeface="Arial" panose="020B0604020202020204" pitchFamily="34" charset="0"/>
+              <a:buChar char="•"/>
+            </a:pPr>
+            <a:r>
+              <a:rPr lang="zh-CN" altLang="en-US" sz="2000" spc="100" dirty="0">
+                <a:ea typeface="微软雅黑" panose="020B0503020204020204" pitchFamily="34" charset="-122"/>
+              </a:rPr>
+              <a:t>查询语句生成模块</a:t>
+            </a:r>
+            <a:endParaRPr lang="en-US" altLang="zh-CN" sz="2000" spc="100" dirty="0">
+              <a:ea typeface="微软雅黑" panose="020B0503020204020204" pitchFamily="34" charset="-122"/>
+            </a:endParaRPr>
+          </a:p>
+          <a:p>
+            <a:pPr marL="285750" indent="-285750">
+              <a:lnSpc>
+                <a:spcPct val="125000"/>
+              </a:lnSpc>
+              <a:buFont typeface="Arial" panose="020B0604020202020204" pitchFamily="34" charset="0"/>
+              <a:buChar char="•"/>
+            </a:pPr>
+            <a:r>
+              <a:rPr lang="zh-CN" altLang="en-US" sz="2000" spc="100" dirty="0">
+                <a:ea typeface="微软雅黑" panose="020B0503020204020204" pitchFamily="34" charset="-122"/>
+              </a:rPr>
+              <a:t>回答语句生成模块</a:t>
+            </a:r>
+            <a:endParaRPr lang="en-US" altLang="zh-CN" sz="2000" spc="100" dirty="0">
+              <a:ea typeface="微软雅黑" panose="020B0503020204020204" pitchFamily="34" charset="-122"/>
+            </a:endParaRPr>
+          </a:p>
+          <a:p>
+            <a:pPr>
+              <a:lnSpc>
+                <a:spcPct val="125000"/>
+              </a:lnSpc>
+            </a:pPr>
+            <a:endParaRPr lang="en-US" altLang="zh-CN" sz="2000" spc="100" dirty="0">
+              <a:ea typeface="微软雅黑" panose="020B0503020204020204" pitchFamily="34" charset="-122"/>
+            </a:endParaRPr>
+          </a:p>
+          <a:p>
+            <a:pPr marL="285750" indent="-285750">
+              <a:lnSpc>
+                <a:spcPct val="125000"/>
+              </a:lnSpc>
+              <a:buFont typeface="Arial" panose="020B0604020202020204" pitchFamily="34" charset="0"/>
+              <a:buChar char="•"/>
+            </a:pPr>
+            <a:endParaRPr lang="en-US" altLang="zh-CN" sz="2000" spc="100" dirty="0">
+              <a:ea typeface="微软雅黑" panose="020B0503020204020204" pitchFamily="34" charset="-122"/>
+            </a:endParaRPr>
+          </a:p>
+        </p:txBody>
+      </p:sp>
+      <p:sp>
+        <p:nvSpPr>
+          <p:cNvPr id="7" name="文本框 6"/>
+          <p:cNvSpPr txBox="1"/>
+          <p:nvPr/>
+        </p:nvSpPr>
+        <p:spPr>
+          <a:xfrm>
+            <a:off x="5346700" y="1521393"/>
+            <a:ext cx="6306820" cy="534634"/>
+          </a:xfrm>
+          <a:prstGeom prst="rect">
+            <a:avLst/>
+          </a:prstGeom>
+          <a:noFill/>
+        </p:spPr>
+        <p:txBody>
+          <a:bodyPr wrap="square" rtlCol="0">
+            <a:spAutoFit/>
+          </a:bodyPr>
+          <a:lstStyle/>
+          <a:p>
+            <a:pPr>
+              <a:lnSpc>
+                <a:spcPct val="130000"/>
+              </a:lnSpc>
+            </a:pPr>
+            <a:r>
+              <a:rPr lang="en-US" altLang="zh-CN" sz="2400" b="1" dirty="0">
+                <a:solidFill>
+                  <a:srgbClr val="7E0C6E"/>
+                </a:solidFill>
+                <a:ea typeface="微软雅黑" panose="020B0503020204020204" pitchFamily="34" charset="-122"/>
+              </a:rPr>
+              <a:t>Chatbot.py</a:t>
+            </a:r>
+            <a:r>
+              <a:rPr lang="zh-CN" altLang="en-US" sz="2400" b="1" dirty="0">
+                <a:solidFill>
+                  <a:srgbClr val="7E0C6E"/>
+                </a:solidFill>
+                <a:ea typeface="微软雅黑" panose="020B0503020204020204" pitchFamily="34" charset="-122"/>
+              </a:rPr>
+              <a:t>结构</a:t>
+            </a:r>
+            <a:endParaRPr lang="en-US" altLang="zh-CN" sz="2400" b="1" dirty="0">
+              <a:solidFill>
+                <a:srgbClr val="7E0C6E"/>
+              </a:solidFill>
+              <a:ea typeface="微软雅黑" panose="020B0503020204020204" pitchFamily="34" charset="-122"/>
+            </a:endParaRPr>
+          </a:p>
+        </p:txBody>
+      </p:sp>
+      <p:cxnSp>
+        <p:nvCxnSpPr>
+          <p:cNvPr id="8" name="直接连接符 7"/>
+          <p:cNvCxnSpPr/>
+          <p:nvPr/>
+        </p:nvCxnSpPr>
+        <p:spPr>
+          <a:xfrm>
+            <a:off x="5422900" y="2183705"/>
+            <a:ext cx="1017142" cy="0"/>
+          </a:xfrm>
+          <a:prstGeom prst="line">
+            <a:avLst/>
+          </a:prstGeom>
+          <a:ln w="38100" cap="rnd">
+            <a:round/>
+          </a:ln>
+          <a:effectLst>
+            <a:outerShdw blurRad="50800" dist="38100" dir="2700000" algn="tl" rotWithShape="0">
+              <a:prstClr val="black">
+                <a:alpha val="40000"/>
+              </a:prstClr>
+            </a:outerShdw>
+          </a:effectLst>
+        </p:spPr>
+        <p:style>
+          <a:lnRef idx="1">
+            <a:schemeClr val="accent1"/>
+          </a:lnRef>
+          <a:fillRef idx="0">
+            <a:schemeClr val="accent1"/>
+          </a:fillRef>
+          <a:effectRef idx="0">
+            <a:schemeClr val="accent1"/>
+          </a:effectRef>
+          <a:fontRef idx="minor">
+            <a:schemeClr val="tx1"/>
+          </a:fontRef>
+        </p:style>
+      </p:cxnSp>
+      <p:grpSp>
+        <p:nvGrpSpPr>
+          <p:cNvPr id="9" name="组合 8"/>
+          <p:cNvGrpSpPr/>
+          <p:nvPr/>
+        </p:nvGrpSpPr>
+        <p:grpSpPr>
+          <a:xfrm>
+            <a:off x="-6350" y="-866151"/>
+            <a:ext cx="6904036" cy="685799"/>
+            <a:chOff x="0" y="-754379"/>
+            <a:chExt cx="6904036" cy="685799"/>
+          </a:xfrm>
+        </p:grpSpPr>
+        <p:grpSp>
+          <p:nvGrpSpPr>
+            <p:cNvPr id="10" name="组合 9"/>
+            <p:cNvGrpSpPr/>
+            <p:nvPr/>
+          </p:nvGrpSpPr>
+          <p:grpSpPr>
+            <a:xfrm>
+              <a:off x="0" y="-754379"/>
+              <a:ext cx="6904036" cy="685799"/>
+              <a:chOff x="1786550" y="-904875"/>
+              <a:chExt cx="6904036" cy="685799"/>
+            </a:xfrm>
+          </p:grpSpPr>
+          <p:sp>
+            <p:nvSpPr>
+              <p:cNvPr id="12" name="矩形 11"/>
+              <p:cNvSpPr/>
+              <p:nvPr/>
+            </p:nvSpPr>
+            <p:spPr>
+              <a:xfrm>
+                <a:off x="1786550" y="-904875"/>
+                <a:ext cx="6904036" cy="685799"/>
+              </a:xfrm>
+              <a:prstGeom prst="rect">
+                <a:avLst/>
+              </a:prstGeom>
+              <a:solidFill>
+                <a:schemeClr val="bg1"/>
+              </a:solidFill>
+              <a:ln>
+                <a:noFill/>
+              </a:ln>
+            </p:spPr>
+            <p:style>
+              <a:lnRef idx="2">
+                <a:schemeClr val="accent1">
+                  <a:shade val="50000"/>
+                </a:schemeClr>
+              </a:lnRef>
+              <a:fillRef idx="1">
+                <a:schemeClr val="accent1"/>
+              </a:fillRef>
+              <a:effectRef idx="0">
+                <a:schemeClr val="accent1"/>
+              </a:effectRef>
+              <a:fontRef idx="minor">
+                <a:schemeClr val="lt1"/>
+              </a:fontRef>
+            </p:style>
+            <p:txBody>
+              <a:bodyPr rtlCol="0" anchor="ctr"/>
+              <a:lstStyle/>
+              <a:p>
+                <a:pPr algn="ctr"/>
+                <a:endParaRPr lang="zh-CN" altLang="en-US">
+                  <a:ea typeface="微软雅黑" panose="020B0503020204020204" pitchFamily="34" charset="-122"/>
+                </a:endParaRPr>
+              </a:p>
+            </p:txBody>
+          </p:sp>
+          <p:sp>
+            <p:nvSpPr>
+              <p:cNvPr id="13" name="矩形 12"/>
+              <p:cNvSpPr/>
+              <p:nvPr/>
+            </p:nvSpPr>
+            <p:spPr>
+              <a:xfrm flipH="1">
+                <a:off x="1786550" y="-904875"/>
+                <a:ext cx="52388" cy="685799"/>
+              </a:xfrm>
+              <a:prstGeom prst="rect">
+                <a:avLst/>
+              </a:prstGeom>
+              <a:solidFill>
+                <a:schemeClr val="accent1"/>
+              </a:solidFill>
+              <a:ln>
+                <a:noFill/>
+              </a:ln>
+            </p:spPr>
+            <p:style>
+              <a:lnRef idx="2">
+                <a:schemeClr val="accent1">
+                  <a:shade val="50000"/>
+                </a:schemeClr>
+              </a:lnRef>
+              <a:fillRef idx="1">
+                <a:schemeClr val="accent1"/>
+              </a:fillRef>
+              <a:effectRef idx="0">
+                <a:schemeClr val="accent1"/>
+              </a:effectRef>
+              <a:fontRef idx="minor">
+                <a:schemeClr val="lt1"/>
+              </a:fontRef>
+            </p:style>
+            <p:txBody>
+              <a:bodyPr rtlCol="0" anchor="ctr"/>
+              <a:lstStyle/>
+              <a:p>
+                <a:pPr algn="ctr"/>
+                <a:endParaRPr lang="zh-CN" altLang="en-US">
+                  <a:ea typeface="微软雅黑" panose="020B0503020204020204" pitchFamily="34" charset="-122"/>
+                </a:endParaRPr>
+              </a:p>
+            </p:txBody>
+          </p:sp>
+          <p:grpSp>
+            <p:nvGrpSpPr>
+              <p:cNvPr id="14" name="组合 13"/>
+              <p:cNvGrpSpPr/>
+              <p:nvPr/>
+            </p:nvGrpSpPr>
+            <p:grpSpPr>
+              <a:xfrm>
+                <a:off x="1943430" y="-776742"/>
+                <a:ext cx="364639" cy="429532"/>
+                <a:chOff x="202990" y="7474403"/>
+                <a:chExt cx="364639" cy="429532"/>
+              </a:xfrm>
+            </p:grpSpPr>
+            <p:sp>
+              <p:nvSpPr>
+                <p:cNvPr id="18" name="椭圆 17"/>
+                <p:cNvSpPr/>
+                <p:nvPr/>
+              </p:nvSpPr>
+              <p:spPr>
+                <a:xfrm>
+                  <a:off x="267138" y="7538114"/>
+                  <a:ext cx="236342" cy="236342"/>
+                </a:xfrm>
+                <a:prstGeom prst="ellipse">
+                  <a:avLst/>
+                </a:prstGeom>
+                <a:solidFill>
+                  <a:srgbClr val="FED16E"/>
+                </a:solidFill>
+                <a:ln>
+                  <a:noFill/>
+                </a:ln>
+              </p:spPr>
+              <p:style>
+                <a:lnRef idx="2">
+                  <a:schemeClr val="accent1">
+                    <a:shade val="50000"/>
+                  </a:schemeClr>
+                </a:lnRef>
+                <a:fillRef idx="1">
+                  <a:schemeClr val="accent1"/>
+                </a:fillRef>
+                <a:effectRef idx="0">
+                  <a:schemeClr val="accent1"/>
+                </a:effectRef>
+                <a:fontRef idx="minor">
+                  <a:schemeClr val="lt1"/>
+                </a:fontRef>
+              </p:style>
+              <p:txBody>
+                <a:bodyPr rtlCol="0" anchor="ctr"/>
+                <a:lstStyle/>
+                <a:p>
+                  <a:pPr algn="ctr"/>
+                  <a:endParaRPr lang="zh-CN" altLang="en-US">
+                    <a:ea typeface="微软雅黑" panose="020B0503020204020204" pitchFamily="34" charset="-122"/>
+                  </a:endParaRPr>
+                </a:p>
+              </p:txBody>
+            </p:sp>
+            <p:sp>
+              <p:nvSpPr>
+                <p:cNvPr id="19" name="Oval 7"/>
+                <p:cNvSpPr/>
+                <p:nvPr/>
+              </p:nvSpPr>
+              <p:spPr>
+                <a:xfrm>
+                  <a:off x="202990" y="7474403"/>
+                  <a:ext cx="364639" cy="429532"/>
+                </a:xfrm>
+                <a:custGeom>
+                  <a:avLst/>
+                  <a:gdLst>
+                    <a:gd name="connsiteX0" fmla="*/ 204373 w 514281"/>
+                    <a:gd name="connsiteY0" fmla="*/ 530626 h 605804"/>
+                    <a:gd name="connsiteX1" fmla="*/ 204373 w 514281"/>
+                    <a:gd name="connsiteY1" fmla="*/ 556952 h 605804"/>
+                    <a:gd name="connsiteX2" fmla="*/ 311229 w 514281"/>
+                    <a:gd name="connsiteY2" fmla="*/ 556952 h 605804"/>
+                    <a:gd name="connsiteX3" fmla="*/ 311229 w 514281"/>
+                    <a:gd name="connsiteY3" fmla="*/ 530626 h 605804"/>
+                    <a:gd name="connsiteX4" fmla="*/ 204373 w 514281"/>
+                    <a:gd name="connsiteY4" fmla="*/ 479178 h 605804"/>
+                    <a:gd name="connsiteX5" fmla="*/ 204373 w 514281"/>
+                    <a:gd name="connsiteY5" fmla="*/ 504299 h 605804"/>
+                    <a:gd name="connsiteX6" fmla="*/ 311229 w 514281"/>
+                    <a:gd name="connsiteY6" fmla="*/ 504299 h 605804"/>
+                    <a:gd name="connsiteX7" fmla="*/ 311229 w 514281"/>
+                    <a:gd name="connsiteY7" fmla="*/ 479178 h 605804"/>
+                    <a:gd name="connsiteX8" fmla="*/ 458958 w 514281"/>
+                    <a:gd name="connsiteY8" fmla="*/ 243592 h 605804"/>
+                    <a:gd name="connsiteX9" fmla="*/ 514281 w 514281"/>
+                    <a:gd name="connsiteY9" fmla="*/ 243592 h 605804"/>
+                    <a:gd name="connsiteX10" fmla="*/ 514281 w 514281"/>
+                    <a:gd name="connsiteY10" fmla="*/ 269913 h 605804"/>
+                    <a:gd name="connsiteX11" fmla="*/ 458958 w 514281"/>
+                    <a:gd name="connsiteY11" fmla="*/ 269913 h 605804"/>
+                    <a:gd name="connsiteX12" fmla="*/ 0 w 514281"/>
+                    <a:gd name="connsiteY12" fmla="*/ 243592 h 605804"/>
+                    <a:gd name="connsiteX13" fmla="*/ 55323 w 514281"/>
+                    <a:gd name="connsiteY13" fmla="*/ 243592 h 605804"/>
+                    <a:gd name="connsiteX14" fmla="*/ 55323 w 514281"/>
+                    <a:gd name="connsiteY14" fmla="*/ 269913 h 605804"/>
+                    <a:gd name="connsiteX15" fmla="*/ 0 w 514281"/>
+                    <a:gd name="connsiteY15" fmla="*/ 269913 h 605804"/>
+                    <a:gd name="connsiteX16" fmla="*/ 263695 w 514281"/>
+                    <a:gd name="connsiteY16" fmla="*/ 202846 h 605804"/>
+                    <a:gd name="connsiteX17" fmla="*/ 192467 w 514281"/>
+                    <a:gd name="connsiteY17" fmla="*/ 273946 h 605804"/>
+                    <a:gd name="connsiteX18" fmla="*/ 237321 w 514281"/>
+                    <a:gd name="connsiteY18" fmla="*/ 273946 h 605804"/>
+                    <a:gd name="connsiteX19" fmla="*/ 250601 w 514281"/>
+                    <a:gd name="connsiteY19" fmla="*/ 288407 h 605804"/>
+                    <a:gd name="connsiteX20" fmla="*/ 246608 w 514281"/>
+                    <a:gd name="connsiteY20" fmla="*/ 326599 h 605804"/>
+                    <a:gd name="connsiteX21" fmla="*/ 320436 w 514281"/>
+                    <a:gd name="connsiteY21" fmla="*/ 252904 h 605804"/>
+                    <a:gd name="connsiteX22" fmla="*/ 275582 w 514281"/>
+                    <a:gd name="connsiteY22" fmla="*/ 252904 h 605804"/>
+                    <a:gd name="connsiteX23" fmla="*/ 262302 w 514281"/>
+                    <a:gd name="connsiteY23" fmla="*/ 239648 h 605804"/>
+                    <a:gd name="connsiteX24" fmla="*/ 283673 w 514281"/>
+                    <a:gd name="connsiteY24" fmla="*/ 156984 h 605804"/>
+                    <a:gd name="connsiteX25" fmla="*/ 291462 w 514281"/>
+                    <a:gd name="connsiteY25" fmla="*/ 168641 h 605804"/>
+                    <a:gd name="connsiteX26" fmla="*/ 290071 w 514281"/>
+                    <a:gd name="connsiteY26" fmla="*/ 225094 h 605804"/>
+                    <a:gd name="connsiteX27" fmla="*/ 290069 w 514281"/>
+                    <a:gd name="connsiteY27" fmla="*/ 225094 h 605804"/>
+                    <a:gd name="connsiteX28" fmla="*/ 290069 w 514281"/>
+                    <a:gd name="connsiteY28" fmla="*/ 225187 h 605804"/>
+                    <a:gd name="connsiteX29" fmla="*/ 290071 w 514281"/>
+                    <a:gd name="connsiteY29" fmla="*/ 225094 h 605804"/>
+                    <a:gd name="connsiteX30" fmla="*/ 353496 w 514281"/>
+                    <a:gd name="connsiteY30" fmla="*/ 225094 h 605804"/>
+                    <a:gd name="connsiteX31" fmla="*/ 362783 w 514281"/>
+                    <a:gd name="connsiteY31" fmla="*/ 247435 h 605804"/>
+                    <a:gd name="connsiteX32" fmla="*/ 240014 w 514281"/>
+                    <a:gd name="connsiteY32" fmla="*/ 369982 h 605804"/>
+                    <a:gd name="connsiteX33" fmla="*/ 217634 w 514281"/>
+                    <a:gd name="connsiteY33" fmla="*/ 359414 h 605804"/>
+                    <a:gd name="connsiteX34" fmla="*/ 222927 w 514281"/>
+                    <a:gd name="connsiteY34" fmla="*/ 298882 h 605804"/>
+                    <a:gd name="connsiteX35" fmla="*/ 160893 w 514281"/>
+                    <a:gd name="connsiteY35" fmla="*/ 298882 h 605804"/>
+                    <a:gd name="connsiteX36" fmla="*/ 151606 w 514281"/>
+                    <a:gd name="connsiteY36" fmla="*/ 276542 h 605804"/>
+                    <a:gd name="connsiteX37" fmla="*/ 268988 w 514281"/>
+                    <a:gd name="connsiteY37" fmla="*/ 159371 h 605804"/>
+                    <a:gd name="connsiteX38" fmla="*/ 283673 w 514281"/>
+                    <a:gd name="connsiteY38" fmla="*/ 156984 h 605804"/>
+                    <a:gd name="connsiteX39" fmla="*/ 250606 w 514281"/>
+                    <a:gd name="connsiteY39" fmla="*/ 114503 h 605804"/>
+                    <a:gd name="connsiteX40" fmla="*/ 114784 w 514281"/>
+                    <a:gd name="connsiteY40" fmla="*/ 244837 h 605804"/>
+                    <a:gd name="connsiteX41" fmla="*/ 159624 w 514281"/>
+                    <a:gd name="connsiteY41" fmla="*/ 362007 h 605804"/>
+                    <a:gd name="connsiteX42" fmla="*/ 204001 w 514281"/>
+                    <a:gd name="connsiteY42" fmla="*/ 452852 h 605804"/>
+                    <a:gd name="connsiteX43" fmla="*/ 311322 w 514281"/>
+                    <a:gd name="connsiteY43" fmla="*/ 452852 h 605804"/>
+                    <a:gd name="connsiteX44" fmla="*/ 354678 w 514281"/>
+                    <a:gd name="connsiteY44" fmla="*/ 362007 h 605804"/>
+                    <a:gd name="connsiteX45" fmla="*/ 400819 w 514281"/>
+                    <a:gd name="connsiteY45" fmla="*/ 258000 h 605804"/>
+                    <a:gd name="connsiteX46" fmla="*/ 250606 w 514281"/>
+                    <a:gd name="connsiteY46" fmla="*/ 114503 h 605804"/>
+                    <a:gd name="connsiteX47" fmla="*/ 249213 w 514281"/>
+                    <a:gd name="connsiteY47" fmla="*/ 88269 h 605804"/>
+                    <a:gd name="connsiteX48" fmla="*/ 427556 w 514281"/>
+                    <a:gd name="connsiteY48" fmla="*/ 258092 h 605804"/>
+                    <a:gd name="connsiteX49" fmla="*/ 373524 w 514281"/>
+                    <a:gd name="connsiteY49" fmla="*/ 381845 h 605804"/>
+                    <a:gd name="connsiteX50" fmla="*/ 337874 w 514281"/>
+                    <a:gd name="connsiteY50" fmla="*/ 460824 h 605804"/>
+                    <a:gd name="connsiteX51" fmla="*/ 337874 w 514281"/>
+                    <a:gd name="connsiteY51" fmla="*/ 571413 h 605804"/>
+                    <a:gd name="connsiteX52" fmla="*/ 324598 w 514281"/>
+                    <a:gd name="connsiteY52" fmla="*/ 583278 h 605804"/>
+                    <a:gd name="connsiteX53" fmla="*/ 270473 w 514281"/>
+                    <a:gd name="connsiteY53" fmla="*/ 583278 h 605804"/>
+                    <a:gd name="connsiteX54" fmla="*/ 270473 w 514281"/>
+                    <a:gd name="connsiteY54" fmla="*/ 592548 h 605804"/>
+                    <a:gd name="connsiteX55" fmla="*/ 257290 w 514281"/>
+                    <a:gd name="connsiteY55" fmla="*/ 605804 h 605804"/>
+                    <a:gd name="connsiteX56" fmla="*/ 244014 w 514281"/>
+                    <a:gd name="connsiteY56" fmla="*/ 592548 h 605804"/>
+                    <a:gd name="connsiteX57" fmla="*/ 244014 w 514281"/>
+                    <a:gd name="connsiteY57" fmla="*/ 583278 h 605804"/>
+                    <a:gd name="connsiteX58" fmla="*/ 189890 w 514281"/>
+                    <a:gd name="connsiteY58" fmla="*/ 583278 h 605804"/>
+                    <a:gd name="connsiteX59" fmla="*/ 176707 w 514281"/>
+                    <a:gd name="connsiteY59" fmla="*/ 570023 h 605804"/>
+                    <a:gd name="connsiteX60" fmla="*/ 176707 w 514281"/>
+                    <a:gd name="connsiteY60" fmla="*/ 460824 h 605804"/>
+                    <a:gd name="connsiteX61" fmla="*/ 139757 w 514281"/>
+                    <a:gd name="connsiteY61" fmla="*/ 380454 h 605804"/>
+                    <a:gd name="connsiteX62" fmla="*/ 87025 w 514281"/>
+                    <a:gd name="connsiteY62" fmla="*/ 242241 h 605804"/>
+                    <a:gd name="connsiteX63" fmla="*/ 249213 w 514281"/>
+                    <a:gd name="connsiteY63" fmla="*/ 88269 h 605804"/>
+                    <a:gd name="connsiteX64" fmla="*/ 429815 w 514281"/>
+                    <a:gd name="connsiteY64" fmla="*/ 66120 h 605804"/>
+                    <a:gd name="connsiteX65" fmla="*/ 448444 w 514281"/>
+                    <a:gd name="connsiteY65" fmla="*/ 84608 h 605804"/>
+                    <a:gd name="connsiteX66" fmla="*/ 409280 w 514281"/>
+                    <a:gd name="connsiteY66" fmla="*/ 123772 h 605804"/>
+                    <a:gd name="connsiteX67" fmla="*/ 390721 w 514281"/>
+                    <a:gd name="connsiteY67" fmla="*/ 105143 h 605804"/>
+                    <a:gd name="connsiteX68" fmla="*/ 84820 w 514281"/>
+                    <a:gd name="connsiteY68" fmla="*/ 66120 h 605804"/>
+                    <a:gd name="connsiteX69" fmla="*/ 123843 w 514281"/>
+                    <a:gd name="connsiteY69" fmla="*/ 105143 h 605804"/>
+                    <a:gd name="connsiteX70" fmla="*/ 105284 w 514281"/>
+                    <a:gd name="connsiteY70" fmla="*/ 123772 h 605804"/>
+                    <a:gd name="connsiteX71" fmla="*/ 66120 w 514281"/>
+                    <a:gd name="connsiteY71" fmla="*/ 84749 h 605804"/>
+                    <a:gd name="connsiteX72" fmla="*/ 243945 w 514281"/>
+                    <a:gd name="connsiteY72" fmla="*/ 0 h 605804"/>
+                    <a:gd name="connsiteX73" fmla="*/ 270266 w 514281"/>
+                    <a:gd name="connsiteY73" fmla="*/ 0 h 605804"/>
+                    <a:gd name="connsiteX74" fmla="*/ 270266 w 514281"/>
+                    <a:gd name="connsiteY74" fmla="*/ 55253 h 605804"/>
+                    <a:gd name="connsiteX75" fmla="*/ 243945 w 514281"/>
+                    <a:gd name="connsiteY75" fmla="*/ 55253 h 605804"/>
+                  </a:gdLst>
+                  <a:ahLst/>
+                  <a:cxnLst>
+                    <a:cxn ang="0">
+                      <a:pos x="connsiteX0" y="connsiteY0"/>
+                    </a:cxn>
+                    <a:cxn ang="0">
+                      <a:pos x="connsiteX1" y="connsiteY1"/>
+                    </a:cxn>
+                    <a:cxn ang="0">
+                      <a:pos x="connsiteX2" y="connsiteY2"/>
+                    </a:cxn>
+                    <a:cxn ang="0">
+                      <a:pos x="connsiteX3" y="connsiteY3"/>
+                    </a:cxn>
+                    <a:cxn ang="0">
+                      <a:pos x="connsiteX4" y="connsiteY4"/>
+                    </a:cxn>
+                    <a:cxn ang="0">
+                      <a:pos x="connsiteX5" y="connsiteY5"/>
+                    </a:cxn>
+                    <a:cxn ang="0">
+                      <a:pos x="connsiteX6" y="connsiteY6"/>
+                    </a:cxn>
+                    <a:cxn ang="0">
+                      <a:pos x="connsiteX7" y="connsiteY7"/>
+                    </a:cxn>
+                    <a:cxn ang="0">
+                      <a:pos x="connsiteX8" y="connsiteY8"/>
+                    </a:cxn>
+                    <a:cxn ang="0">
+                      <a:pos x="connsiteX9" y="connsiteY9"/>
+                    </a:cxn>
+                    <a:cxn ang="0">
+                      <a:pos x="connsiteX10" y="connsiteY10"/>
+                    </a:cxn>
+                    <a:cxn ang="0">
+                      <a:pos x="connsiteX11" y="connsiteY11"/>
+                    </a:cxn>
+                    <a:cxn ang="0">
+                      <a:pos x="connsiteX12" y="connsiteY12"/>
+                    </a:cxn>
+                    <a:cxn ang="0">
+                      <a:pos x="connsiteX13" y="connsiteY13"/>
+                    </a:cxn>
+                    <a:cxn ang="0">
+                      <a:pos x="connsiteX14" y="connsiteY14"/>
+                    </a:cxn>
+                    <a:cxn ang="0">
+                      <a:pos x="connsiteX15" y="connsiteY15"/>
+                    </a:cxn>
+                    <a:cxn ang="0">
+                      <a:pos x="connsiteX16" y="connsiteY16"/>
+                    </a:cxn>
+                    <a:cxn ang="0">
+                      <a:pos x="connsiteX17" y="connsiteY17"/>
+                    </a:cxn>
+                    <a:cxn ang="0">
+                      <a:pos x="connsiteX18" y="connsiteY18"/>
+                    </a:cxn>
+                    <a:cxn ang="0">
+                      <a:pos x="connsiteX19" y="connsiteY19"/>
+                    </a:cxn>
+                    <a:cxn ang="0">
+                      <a:pos x="connsiteX20" y="connsiteY20"/>
+                    </a:cxn>
+                    <a:cxn ang="0">
+                      <a:pos x="connsiteX21" y="connsiteY21"/>
+                    </a:cxn>
+                    <a:cxn ang="0">
+                      <a:pos x="connsiteX22" y="connsiteY22"/>
+                    </a:cxn>
+                    <a:cxn ang="0">
+                      <a:pos x="connsiteX23" y="connsiteY23"/>
+                    </a:cxn>
+                    <a:cxn ang="0">
+                      <a:pos x="connsiteX24" y="connsiteY24"/>
+                    </a:cxn>
+                    <a:cxn ang="0">
+                      <a:pos x="connsiteX25" y="connsiteY25"/>
+                    </a:cxn>
+                    <a:cxn ang="0">
+                      <a:pos x="connsiteX26" y="connsiteY26"/>
+                    </a:cxn>
+                    <a:cxn ang="0">
+                      <a:pos x="connsiteX27" y="connsiteY27"/>
+                    </a:cxn>
+                    <a:cxn ang="0">
+                      <a:pos x="connsiteX28" y="connsiteY28"/>
+                    </a:cxn>
+                    <a:cxn ang="0">
+                      <a:pos x="connsiteX29" y="connsiteY29"/>
+                    </a:cxn>
+                    <a:cxn ang="0">
+                      <a:pos x="connsiteX30" y="connsiteY30"/>
+                    </a:cxn>
+                    <a:cxn ang="0">
+                      <a:pos x="connsiteX31" y="connsiteY31"/>
+                    </a:cxn>
+                    <a:cxn ang="0">
+                      <a:pos x="connsiteX32" y="connsiteY32"/>
+                    </a:cxn>
+                    <a:cxn ang="0">
+                      <a:pos x="connsiteX33" y="connsiteY33"/>
+                    </a:cxn>
+                    <a:cxn ang="0">
+                      <a:pos x="connsiteX34" y="connsiteY34"/>
+                    </a:cxn>
+                    <a:cxn ang="0">
+                      <a:pos x="connsiteX35" y="connsiteY35"/>
+                    </a:cxn>
+                    <a:cxn ang="0">
+                      <a:pos x="connsiteX36" y="connsiteY36"/>
+                    </a:cxn>
+                    <a:cxn ang="0">
+                      <a:pos x="connsiteX37" y="connsiteY37"/>
+                    </a:cxn>
+                    <a:cxn ang="0">
+                      <a:pos x="connsiteX38" y="connsiteY38"/>
+                    </a:cxn>
+                    <a:cxn ang="0">
+                      <a:pos x="connsiteX39" y="connsiteY39"/>
+                    </a:cxn>
+                    <a:cxn ang="0">
+                      <a:pos x="connsiteX40" y="connsiteY40"/>
+                    </a:cxn>
+                    <a:cxn ang="0">
+                      <a:pos x="connsiteX41" y="connsiteY41"/>
+                    </a:cxn>
+                    <a:cxn ang="0">
+                      <a:pos x="connsiteX42" y="connsiteY42"/>
+                    </a:cxn>
+                    <a:cxn ang="0">
+                      <a:pos x="connsiteX43" y="connsiteY43"/>
+                    </a:cxn>
+                    <a:cxn ang="0">
+                      <a:pos x="connsiteX44" y="connsiteY44"/>
+                    </a:cxn>
+                    <a:cxn ang="0">
+                      <a:pos x="connsiteX45" y="connsiteY45"/>
+                    </a:cxn>
+                    <a:cxn ang="0">
+                      <a:pos x="connsiteX46" y="connsiteY46"/>
+                    </a:cxn>
+                    <a:cxn ang="0">
+                      <a:pos x="connsiteX47" y="connsiteY47"/>
+                    </a:cxn>
+                    <a:cxn ang="0">
+                      <a:pos x="connsiteX48" y="connsiteY48"/>
+                    </a:cxn>
+                    <a:cxn ang="0">
+                      <a:pos x="connsiteX49" y="connsiteY49"/>
+                    </a:cxn>
+                    <a:cxn ang="0">
+                      <a:pos x="connsiteX50" y="connsiteY50"/>
+                    </a:cxn>
+                    <a:cxn ang="0">
+                      <a:pos x="connsiteX51" y="connsiteY51"/>
+                    </a:cxn>
+                    <a:cxn ang="0">
+                      <a:pos x="connsiteX52" y="connsiteY52"/>
+                    </a:cxn>
+                    <a:cxn ang="0">
+                      <a:pos x="connsiteX53" y="connsiteY53"/>
+                    </a:cxn>
+                    <a:cxn ang="0">
+                      <a:pos x="connsiteX54" y="connsiteY54"/>
+                    </a:cxn>
+                    <a:cxn ang="0">
+                      <a:pos x="connsiteX55" y="connsiteY55"/>
+                    </a:cxn>
+                    <a:cxn ang="0">
+                      <a:pos x="connsiteX56" y="connsiteY56"/>
+                    </a:cxn>
+                    <a:cxn ang="0">
+                      <a:pos x="connsiteX57" y="connsiteY57"/>
+                    </a:cxn>
+                    <a:cxn ang="0">
+                      <a:pos x="connsiteX58" y="connsiteY58"/>
+                    </a:cxn>
+                    <a:cxn ang="0">
+                      <a:pos x="connsiteX59" y="connsiteY59"/>
+                    </a:cxn>
+                    <a:cxn ang="0">
+                      <a:pos x="connsiteX60" y="connsiteY60"/>
+                    </a:cxn>
+                    <a:cxn ang="0">
+                      <a:pos x="connsiteX61" y="connsiteY61"/>
+                    </a:cxn>
+                    <a:cxn ang="0">
+                      <a:pos x="connsiteX62" y="connsiteY62"/>
+                    </a:cxn>
+                    <a:cxn ang="0">
+                      <a:pos x="connsiteX63" y="connsiteY63"/>
+                    </a:cxn>
+                    <a:cxn ang="0">
+                      <a:pos x="connsiteX64" y="connsiteY64"/>
+                    </a:cxn>
+                    <a:cxn ang="0">
+                      <a:pos x="connsiteX65" y="connsiteY65"/>
+                    </a:cxn>
+                    <a:cxn ang="0">
+                      <a:pos x="connsiteX66" y="connsiteY66"/>
+                    </a:cxn>
+                    <a:cxn ang="0">
+                      <a:pos x="connsiteX67" y="connsiteY67"/>
+                    </a:cxn>
+                    <a:cxn ang="0">
+                      <a:pos x="connsiteX68" y="connsiteY68"/>
+                    </a:cxn>
+                    <a:cxn ang="0">
+                      <a:pos x="connsiteX69" y="connsiteY69"/>
+                    </a:cxn>
+                    <a:cxn ang="0">
+                      <a:pos x="connsiteX70" y="connsiteY70"/>
+                    </a:cxn>
+                    <a:cxn ang="0">
+                      <a:pos x="connsiteX71" y="connsiteY71"/>
+                    </a:cxn>
+                    <a:cxn ang="0">
+                      <a:pos x="connsiteX72" y="connsiteY72"/>
+                    </a:cxn>
+                    <a:cxn ang="0">
+                      <a:pos x="connsiteX73" y="connsiteY73"/>
+                    </a:cxn>
+                    <a:cxn ang="0">
+                      <a:pos x="connsiteX74" y="connsiteY74"/>
+                    </a:cxn>
+                    <a:cxn ang="0">
+                      <a:pos x="connsiteX75" y="connsiteY75"/>
+                    </a:cxn>
+                  </a:cxnLst>
+                  <a:rect l="l" t="t" r="r" b="b"/>
+                  <a:pathLst>
+                    <a:path w="514281" h="605804">
+                      <a:moveTo>
+                        <a:pt x="204373" y="530626"/>
+                      </a:moveTo>
+                      <a:lnTo>
+                        <a:pt x="204373" y="556952"/>
+                      </a:lnTo>
+                      <a:lnTo>
+                        <a:pt x="311229" y="556952"/>
+                      </a:lnTo>
+                      <a:lnTo>
+                        <a:pt x="311229" y="530626"/>
+                      </a:lnTo>
+                      <a:close/>
+                      <a:moveTo>
+                        <a:pt x="204373" y="479178"/>
+                      </a:moveTo>
+                      <a:lnTo>
+                        <a:pt x="204373" y="504299"/>
+                      </a:lnTo>
+                      <a:lnTo>
+                        <a:pt x="311229" y="504299"/>
+                      </a:lnTo>
+                      <a:lnTo>
+                        <a:pt x="311229" y="479178"/>
+                      </a:lnTo>
+                      <a:close/>
+                      <a:moveTo>
+                        <a:pt x="458958" y="243592"/>
+                      </a:moveTo>
+                      <a:lnTo>
+                        <a:pt x="514281" y="243592"/>
+                      </a:lnTo>
+                      <a:lnTo>
+                        <a:pt x="514281" y="269913"/>
+                      </a:lnTo>
+                      <a:lnTo>
+                        <a:pt x="458958" y="269913"/>
+                      </a:lnTo>
+                      <a:close/>
+                      <a:moveTo>
+                        <a:pt x="0" y="243592"/>
+                      </a:moveTo>
+                      <a:lnTo>
+                        <a:pt x="55323" y="243592"/>
+                      </a:lnTo>
+                      <a:lnTo>
+                        <a:pt x="55323" y="269913"/>
+                      </a:lnTo>
+                      <a:lnTo>
+                        <a:pt x="0" y="269913"/>
+                      </a:lnTo>
+                      <a:close/>
+                      <a:moveTo>
+                        <a:pt x="263695" y="202846"/>
+                      </a:moveTo>
+                      <a:lnTo>
+                        <a:pt x="192467" y="273946"/>
+                      </a:lnTo>
+                      <a:lnTo>
+                        <a:pt x="237321" y="273946"/>
+                      </a:lnTo>
+                      <a:cubicBezTo>
+                        <a:pt x="248001" y="273946"/>
+                        <a:pt x="251530" y="280991"/>
+                        <a:pt x="250601" y="288407"/>
+                      </a:cubicBezTo>
+                      <a:lnTo>
+                        <a:pt x="246608" y="326599"/>
+                      </a:lnTo>
+                      <a:lnTo>
+                        <a:pt x="320436" y="252904"/>
+                      </a:lnTo>
+                      <a:lnTo>
+                        <a:pt x="275582" y="252904"/>
+                      </a:lnTo>
+                      <a:cubicBezTo>
+                        <a:pt x="270010" y="252904"/>
+                        <a:pt x="262302" y="250586"/>
+                        <a:pt x="262302" y="239648"/>
+                      </a:cubicBezTo>
+                      <a:close/>
+                      <a:moveTo>
+                        <a:pt x="283673" y="156984"/>
+                      </a:moveTo>
+                      <a:cubicBezTo>
+                        <a:pt x="288142" y="159139"/>
+                        <a:pt x="291462" y="163635"/>
+                        <a:pt x="291462" y="168641"/>
+                      </a:cubicBezTo>
+                      <a:lnTo>
+                        <a:pt x="290071" y="225094"/>
+                      </a:lnTo>
+                      <a:lnTo>
+                        <a:pt x="290069" y="225094"/>
+                      </a:lnTo>
+                      <a:lnTo>
+                        <a:pt x="290069" y="225187"/>
+                      </a:lnTo>
+                      <a:lnTo>
+                        <a:pt x="290071" y="225094"/>
+                      </a:lnTo>
+                      <a:lnTo>
+                        <a:pt x="353496" y="225094"/>
+                      </a:lnTo>
+                      <a:cubicBezTo>
+                        <a:pt x="367798" y="225094"/>
+                        <a:pt x="370398" y="240946"/>
+                        <a:pt x="362783" y="247435"/>
+                      </a:cubicBezTo>
+                      <a:lnTo>
+                        <a:pt x="240014" y="369982"/>
+                      </a:lnTo>
+                      <a:cubicBezTo>
+                        <a:pt x="231378" y="376749"/>
+                        <a:pt x="217634" y="373041"/>
+                        <a:pt x="217634" y="359414"/>
+                      </a:cubicBezTo>
+                      <a:lnTo>
+                        <a:pt x="222927" y="298882"/>
+                      </a:lnTo>
+                      <a:lnTo>
+                        <a:pt x="160893" y="298882"/>
+                      </a:lnTo>
+                      <a:cubicBezTo>
+                        <a:pt x="148077" y="298882"/>
+                        <a:pt x="141484" y="286646"/>
+                        <a:pt x="151606" y="276542"/>
+                      </a:cubicBezTo>
+                      <a:lnTo>
+                        <a:pt x="268988" y="159371"/>
+                      </a:lnTo>
+                      <a:cubicBezTo>
+                        <a:pt x="273585" y="155014"/>
+                        <a:pt x="279204" y="154829"/>
+                        <a:pt x="283673" y="156984"/>
+                      </a:cubicBezTo>
+                      <a:close/>
+                      <a:moveTo>
+                        <a:pt x="250606" y="114503"/>
+                      </a:moveTo>
+                      <a:cubicBezTo>
+                        <a:pt x="179399" y="118396"/>
+                        <a:pt x="121375" y="173830"/>
+                        <a:pt x="114784" y="244837"/>
+                      </a:cubicBezTo>
+                      <a:cubicBezTo>
+                        <a:pt x="110792" y="289610"/>
+                        <a:pt x="126667" y="331788"/>
+                        <a:pt x="159624" y="362007"/>
+                      </a:cubicBezTo>
+                      <a:cubicBezTo>
+                        <a:pt x="186083" y="387407"/>
+                        <a:pt x="201680" y="419388"/>
+                        <a:pt x="204001" y="452852"/>
+                      </a:cubicBezTo>
+                      <a:lnTo>
+                        <a:pt x="311322" y="452852"/>
+                      </a:lnTo>
+                      <a:cubicBezTo>
+                        <a:pt x="313086" y="418553"/>
+                        <a:pt x="328683" y="386758"/>
+                        <a:pt x="354678" y="362007"/>
+                      </a:cubicBezTo>
+                      <a:cubicBezTo>
+                        <a:pt x="383736" y="334476"/>
+                        <a:pt x="400819" y="297489"/>
+                        <a:pt x="400819" y="258000"/>
+                      </a:cubicBezTo>
+                      <a:cubicBezTo>
+                        <a:pt x="400819" y="176425"/>
+                        <a:pt x="332304" y="110517"/>
+                        <a:pt x="250606" y="114503"/>
+                      </a:cubicBezTo>
+                      <a:close/>
+                      <a:moveTo>
+                        <a:pt x="249213" y="88269"/>
+                      </a:moveTo>
+                      <a:cubicBezTo>
+                        <a:pt x="346786" y="82985"/>
+                        <a:pt x="427185" y="161964"/>
+                        <a:pt x="427556" y="258092"/>
+                      </a:cubicBezTo>
+                      <a:cubicBezTo>
+                        <a:pt x="427556" y="304164"/>
+                        <a:pt x="407782" y="350142"/>
+                        <a:pt x="373524" y="381845"/>
+                      </a:cubicBezTo>
+                      <a:cubicBezTo>
+                        <a:pt x="351057" y="402795"/>
+                        <a:pt x="337874" y="430511"/>
+                        <a:pt x="337874" y="460824"/>
+                      </a:cubicBezTo>
+                      <a:lnTo>
+                        <a:pt x="337874" y="571413"/>
+                      </a:lnTo>
+                      <a:cubicBezTo>
+                        <a:pt x="337874" y="577995"/>
+                        <a:pt x="331190" y="583278"/>
+                        <a:pt x="324598" y="583278"/>
+                      </a:cubicBezTo>
+                      <a:lnTo>
+                        <a:pt x="270473" y="583278"/>
+                      </a:lnTo>
+                      <a:lnTo>
+                        <a:pt x="270473" y="592548"/>
+                      </a:lnTo>
+                      <a:cubicBezTo>
+                        <a:pt x="270473" y="600428"/>
+                        <a:pt x="265182" y="605804"/>
+                        <a:pt x="257290" y="605804"/>
+                      </a:cubicBezTo>
+                      <a:cubicBezTo>
+                        <a:pt x="249306" y="605804"/>
+                        <a:pt x="244014" y="600428"/>
+                        <a:pt x="244014" y="592548"/>
+                      </a:cubicBezTo>
+                      <a:lnTo>
+                        <a:pt x="244014" y="583278"/>
+                      </a:lnTo>
+                      <a:lnTo>
+                        <a:pt x="189890" y="583278"/>
+                      </a:lnTo>
+                      <a:cubicBezTo>
+                        <a:pt x="181999" y="583278"/>
+                        <a:pt x="176707" y="577995"/>
+                        <a:pt x="176707" y="570023"/>
+                      </a:cubicBezTo>
+                      <a:lnTo>
+                        <a:pt x="176707" y="460824"/>
+                      </a:lnTo>
+                      <a:cubicBezTo>
+                        <a:pt x="176707" y="430511"/>
+                        <a:pt x="163524" y="402795"/>
+                        <a:pt x="139757" y="380454"/>
+                      </a:cubicBezTo>
+                      <a:cubicBezTo>
+                        <a:pt x="101508" y="344951"/>
+                        <a:pt x="83126" y="293596"/>
+                        <a:pt x="87025" y="242241"/>
+                      </a:cubicBezTo>
+                      <a:cubicBezTo>
+                        <a:pt x="95009" y="158071"/>
+                        <a:pt x="164823" y="92255"/>
+                        <a:pt x="249213" y="88269"/>
+                      </a:cubicBezTo>
+                      <a:close/>
+                      <a:moveTo>
+                        <a:pt x="429815" y="66120"/>
+                      </a:moveTo>
+                      <a:lnTo>
+                        <a:pt x="448444" y="84608"/>
+                      </a:lnTo>
+                      <a:lnTo>
+                        <a:pt x="409280" y="123772"/>
+                      </a:lnTo>
+                      <a:lnTo>
+                        <a:pt x="390721" y="105143"/>
+                      </a:lnTo>
+                      <a:close/>
+                      <a:moveTo>
+                        <a:pt x="84820" y="66120"/>
+                      </a:moveTo>
+                      <a:lnTo>
+                        <a:pt x="123843" y="105143"/>
+                      </a:lnTo>
+                      <a:lnTo>
+                        <a:pt x="105284" y="123772"/>
+                      </a:lnTo>
+                      <a:lnTo>
+                        <a:pt x="66120" y="84749"/>
+                      </a:lnTo>
+                      <a:close/>
+                      <a:moveTo>
+                        <a:pt x="243945" y="0"/>
+                      </a:moveTo>
+                      <a:lnTo>
+                        <a:pt x="270266" y="0"/>
+                      </a:lnTo>
+                      <a:lnTo>
+                        <a:pt x="270266" y="55253"/>
+                      </a:lnTo>
+                      <a:lnTo>
+                        <a:pt x="243945" y="55253"/>
+                      </a:lnTo>
+                      <a:close/>
+                    </a:path>
+                  </a:pathLst>
+                </a:custGeom>
+                <a:solidFill>
+                  <a:schemeClr val="accent1"/>
+                </a:solidFill>
+                <a:ln>
+                  <a:noFill/>
+                </a:ln>
+              </p:spPr>
+              <p:style>
+                <a:lnRef idx="2">
+                  <a:schemeClr val="accent1">
+                    <a:shade val="50000"/>
+                  </a:schemeClr>
+                </a:lnRef>
+                <a:fillRef idx="1">
+                  <a:schemeClr val="accent1"/>
+                </a:fillRef>
+                <a:effectRef idx="0">
+                  <a:schemeClr val="accent1"/>
+                </a:effectRef>
+                <a:fontRef idx="minor">
+                  <a:schemeClr val="lt1"/>
+                </a:fontRef>
+              </p:style>
+              <p:txBody>
+                <a:bodyPr rot="0" spcFirstLastPara="0" vert="horz" wrap="square" lIns="91440" tIns="45720" rIns="91440" bIns="45720" numCol="1" spcCol="0" rtlCol="0" fromWordArt="0" anchor="ctr" anchorCtr="0" forceAA="0" compatLnSpc="1">
+                  <a:noAutofit/>
+                </a:bodyPr>
+                <a:lstStyle>
+                  <a:defPPr>
+                    <a:defRPr lang="zh-CN"/>
+                  </a:defPPr>
+                  <a:lvl1pPr marL="0" algn="l" defTabSz="914400" rtl="0" eaLnBrk="1" latinLnBrk="0" hangingPunct="1">
+                    <a:defRPr sz="1800" kern="1200">
+                      <a:solidFill>
+                        <a:schemeClr val="lt1"/>
+                      </a:solidFill>
+                      <a:latin typeface="+mn-lt"/>
+                      <a:ea typeface="+mn-ea"/>
+                      <a:cs typeface="+mn-cs"/>
+                    </a:defRPr>
+                  </a:lvl1pPr>
+                  <a:lvl2pPr marL="457200" algn="l" defTabSz="914400" rtl="0" eaLnBrk="1" latinLnBrk="0" hangingPunct="1">
+                    <a:defRPr sz="1800" kern="1200">
+                      <a:solidFill>
+                        <a:schemeClr val="lt1"/>
+                      </a:solidFill>
+                      <a:latin typeface="+mn-lt"/>
+                      <a:ea typeface="+mn-ea"/>
+                      <a:cs typeface="+mn-cs"/>
+                    </a:defRPr>
+                  </a:lvl2pPr>
+                  <a:lvl3pPr marL="914400" algn="l" defTabSz="914400" rtl="0" eaLnBrk="1" latinLnBrk="0" hangingPunct="1">
+                    <a:defRPr sz="1800" kern="1200">
+                      <a:solidFill>
+                        <a:schemeClr val="lt1"/>
+                      </a:solidFill>
+                      <a:latin typeface="+mn-lt"/>
+                      <a:ea typeface="+mn-ea"/>
+                      <a:cs typeface="+mn-cs"/>
+                    </a:defRPr>
+                  </a:lvl3pPr>
+                  <a:lvl4pPr marL="1371600" algn="l" defTabSz="914400" rtl="0" eaLnBrk="1" latinLnBrk="0" hangingPunct="1">
+                    <a:defRPr sz="1800" kern="1200">
+                      <a:solidFill>
+                        <a:schemeClr val="lt1"/>
+                      </a:solidFill>
+                      <a:latin typeface="+mn-lt"/>
+                      <a:ea typeface="+mn-ea"/>
+                      <a:cs typeface="+mn-cs"/>
+                    </a:defRPr>
+                  </a:lvl4pPr>
+                  <a:lvl5pPr marL="1828800" algn="l" defTabSz="914400" rtl="0" eaLnBrk="1" latinLnBrk="0" hangingPunct="1">
+                    <a:defRPr sz="1800" kern="1200">
+                      <a:solidFill>
+                        <a:schemeClr val="lt1"/>
+                      </a:solidFill>
+                      <a:latin typeface="+mn-lt"/>
+                      <a:ea typeface="+mn-ea"/>
+                      <a:cs typeface="+mn-cs"/>
+                    </a:defRPr>
+                  </a:lvl5pPr>
+                  <a:lvl6pPr marL="2286000" algn="l" defTabSz="914400" rtl="0" eaLnBrk="1" latinLnBrk="0" hangingPunct="1">
+                    <a:defRPr sz="1800" kern="1200">
+                      <a:solidFill>
+                        <a:schemeClr val="lt1"/>
+                      </a:solidFill>
+                      <a:latin typeface="+mn-lt"/>
+                      <a:ea typeface="+mn-ea"/>
+                      <a:cs typeface="+mn-cs"/>
+                    </a:defRPr>
+                  </a:lvl6pPr>
+                  <a:lvl7pPr marL="2743200" algn="l" defTabSz="914400" rtl="0" eaLnBrk="1" latinLnBrk="0" hangingPunct="1">
+                    <a:defRPr sz="1800" kern="1200">
+                      <a:solidFill>
+                        <a:schemeClr val="lt1"/>
+                      </a:solidFill>
+                      <a:latin typeface="+mn-lt"/>
+                      <a:ea typeface="+mn-ea"/>
+                      <a:cs typeface="+mn-cs"/>
+                    </a:defRPr>
+                  </a:lvl7pPr>
+                  <a:lvl8pPr marL="3200400" algn="l" defTabSz="914400" rtl="0" eaLnBrk="1" latinLnBrk="0" hangingPunct="1">
+                    <a:defRPr sz="1800" kern="1200">
+                      <a:solidFill>
+                        <a:schemeClr val="lt1"/>
+                      </a:solidFill>
+                      <a:latin typeface="+mn-lt"/>
+                      <a:ea typeface="+mn-ea"/>
+                      <a:cs typeface="+mn-cs"/>
+                    </a:defRPr>
+                  </a:lvl8pPr>
+                  <a:lvl9pPr marL="3657600" algn="l" defTabSz="914400" rtl="0" eaLnBrk="1" latinLnBrk="0" hangingPunct="1">
+                    <a:defRPr sz="1800" kern="1200">
+                      <a:solidFill>
+                        <a:schemeClr val="lt1"/>
+                      </a:solidFill>
+                      <a:latin typeface="+mn-lt"/>
+                      <a:ea typeface="+mn-ea"/>
+                      <a:cs typeface="+mn-cs"/>
+                    </a:defRPr>
+                  </a:lvl9pPr>
+                </a:lstStyle>
+                <a:p>
+                  <a:pPr algn="ctr"/>
+                  <a:endParaRPr lang="zh-CN" altLang="en-US">
+                    <a:ea typeface="微软雅黑" panose="020B0503020204020204" pitchFamily="34" charset="-122"/>
+                  </a:endParaRPr>
+                </a:p>
+              </p:txBody>
+            </p:sp>
+          </p:grpSp>
+          <p:cxnSp>
+            <p:nvCxnSpPr>
+              <p:cNvPr id="15" name="直接连接符 14"/>
+              <p:cNvCxnSpPr/>
+              <p:nvPr/>
+            </p:nvCxnSpPr>
+            <p:spPr>
+              <a:xfrm>
+                <a:off x="2446950" y="-776742"/>
+                <a:ext cx="0" cy="429532"/>
+              </a:xfrm>
+              <a:prstGeom prst="line">
+                <a:avLst/>
+              </a:prstGeom>
+              <a:ln>
+                <a:prstDash val="dash"/>
+              </a:ln>
+            </p:spPr>
+            <p:style>
+              <a:lnRef idx="1">
+                <a:schemeClr val="accent1"/>
+              </a:lnRef>
+              <a:fillRef idx="0">
+                <a:schemeClr val="accent1"/>
+              </a:fillRef>
+              <a:effectRef idx="0">
+                <a:schemeClr val="accent1"/>
+              </a:effectRef>
+              <a:fontRef idx="minor">
+                <a:schemeClr val="tx1"/>
+              </a:fontRef>
+            </p:style>
+          </p:cxnSp>
+          <p:sp>
+            <p:nvSpPr>
+              <p:cNvPr id="16" name="等腰三角形 15"/>
+              <p:cNvSpPr/>
+              <p:nvPr/>
+            </p:nvSpPr>
+            <p:spPr>
+              <a:xfrm rot="5400000">
+                <a:off x="2443292" y="-584836"/>
+                <a:ext cx="53036" cy="45720"/>
+              </a:xfrm>
+              <a:prstGeom prst="triangle">
+                <a:avLst/>
+              </a:prstGeom>
+              <a:solidFill>
+                <a:schemeClr val="accent2"/>
+              </a:solidFill>
+              <a:ln>
+                <a:noFill/>
+              </a:ln>
+            </p:spPr>
+            <p:style>
+              <a:lnRef idx="2">
+                <a:schemeClr val="accent1">
+                  <a:shade val="50000"/>
+                </a:schemeClr>
+              </a:lnRef>
+              <a:fillRef idx="1">
+                <a:schemeClr val="accent1"/>
+              </a:fillRef>
+              <a:effectRef idx="0">
+                <a:schemeClr val="accent1"/>
+              </a:effectRef>
+              <a:fontRef idx="minor">
+                <a:schemeClr val="lt1"/>
+              </a:fontRef>
+            </p:style>
+            <p:txBody>
+              <a:bodyPr rtlCol="0" anchor="ctr"/>
+              <a:lstStyle/>
+              <a:p>
+                <a:pPr algn="ctr"/>
+                <a:endParaRPr lang="zh-CN" altLang="en-US">
+                  <a:ea typeface="微软雅黑" panose="020B0503020204020204" pitchFamily="34" charset="-122"/>
+                </a:endParaRPr>
+              </a:p>
+            </p:txBody>
+          </p:sp>
+          <p:sp>
+            <p:nvSpPr>
+              <p:cNvPr id="17" name="文本框 16"/>
+              <p:cNvSpPr txBox="1"/>
+              <p:nvPr/>
+            </p:nvSpPr>
+            <p:spPr>
+              <a:xfrm>
+                <a:off x="2492670" y="-746642"/>
+                <a:ext cx="5803849" cy="369332"/>
+              </a:xfrm>
+              <a:prstGeom prst="rect">
+                <a:avLst/>
+              </a:prstGeom>
+              <a:noFill/>
+            </p:spPr>
+            <p:txBody>
+              <a:bodyPr wrap="square" rtlCol="0">
+                <a:spAutoFit/>
+              </a:bodyPr>
+              <a:lstStyle/>
+              <a:p>
+                <a:pPr lvl="0" algn="ctr"/>
+                <a:r>
+                  <a:rPr lang="zh-CN" altLang="en-US" dirty="0">
+                    <a:ea typeface="微软雅黑" panose="020B0503020204020204" pitchFamily="34" charset="-122"/>
+                  </a:rPr>
+                  <a:t>选中图片</a:t>
+                </a:r>
+                <a:r>
+                  <a:rPr lang="en-US" altLang="zh-CN" dirty="0">
+                    <a:ea typeface="微软雅黑" panose="020B0503020204020204" pitchFamily="34" charset="-122"/>
+                  </a:rPr>
+                  <a:t>Delete</a:t>
+                </a:r>
+                <a:r>
+                  <a:rPr lang="zh-CN" altLang="en-US" dirty="0">
+                    <a:ea typeface="微软雅黑" panose="020B0503020204020204" pitchFamily="34" charset="-122"/>
+                  </a:rPr>
+                  <a:t>，点击中间图标即可插入新图片</a:t>
+                </a:r>
+              </a:p>
+            </p:txBody>
+          </p:sp>
+        </p:grpSp>
+        <p:sp>
+          <p:nvSpPr>
+            <p:cNvPr id="11" name="文本框 10"/>
+            <p:cNvSpPr txBox="1"/>
+            <p:nvPr/>
+          </p:nvSpPr>
+          <p:spPr>
+            <a:xfrm>
+              <a:off x="6582625" y="-626246"/>
+              <a:ext cx="188305" cy="425834"/>
+            </a:xfrm>
+            <a:custGeom>
+              <a:avLst/>
+              <a:gdLst/>
+              <a:ahLst/>
+              <a:cxnLst/>
+              <a:rect l="l" t="t" r="r" b="b"/>
+              <a:pathLst>
+                <a:path w="188305" h="425834">
+                  <a:moveTo>
+                    <a:pt x="137517" y="318455"/>
+                  </a:moveTo>
+                  <a:cubicBezTo>
+                    <a:pt x="151358" y="318455"/>
+                    <a:pt x="161479" y="320222"/>
+                    <a:pt x="167878" y="323757"/>
+                  </a:cubicBezTo>
+                  <a:cubicBezTo>
+                    <a:pt x="174278" y="327291"/>
+                    <a:pt x="179282" y="333003"/>
+                    <a:pt x="182891" y="340890"/>
+                  </a:cubicBezTo>
+                  <a:cubicBezTo>
+                    <a:pt x="186500" y="348778"/>
+                    <a:pt x="188305" y="358303"/>
+                    <a:pt x="188305" y="369465"/>
+                  </a:cubicBezTo>
+                  <a:cubicBezTo>
+                    <a:pt x="188305" y="381669"/>
+                    <a:pt x="186333" y="392069"/>
+                    <a:pt x="182389" y="400664"/>
+                  </a:cubicBezTo>
+                  <a:cubicBezTo>
+                    <a:pt x="178445" y="409258"/>
+                    <a:pt x="173478" y="414951"/>
+                    <a:pt x="167488" y="417742"/>
+                  </a:cubicBezTo>
+                  <a:cubicBezTo>
+                    <a:pt x="161497" y="420532"/>
+                    <a:pt x="151321" y="421927"/>
+                    <a:pt x="136959" y="421927"/>
+                  </a:cubicBezTo>
+                  <a:lnTo>
+                    <a:pt x="129815" y="421927"/>
+                  </a:lnTo>
+                  <a:lnTo>
+                    <a:pt x="129815" y="378283"/>
+                  </a:lnTo>
+                  <a:lnTo>
+                    <a:pt x="143210" y="378283"/>
+                  </a:lnTo>
+                  <a:cubicBezTo>
+                    <a:pt x="149461" y="378283"/>
+                    <a:pt x="153442" y="377725"/>
+                    <a:pt x="155153" y="376609"/>
+                  </a:cubicBezTo>
+                  <a:cubicBezTo>
+                    <a:pt x="156865" y="375493"/>
+                    <a:pt x="157721" y="373633"/>
+                    <a:pt x="157721" y="371028"/>
+                  </a:cubicBezTo>
+                  <a:cubicBezTo>
+                    <a:pt x="157721" y="368200"/>
+                    <a:pt x="156566" y="366061"/>
+                    <a:pt x="154258" y="364610"/>
+                  </a:cubicBezTo>
+                  <a:cubicBezTo>
+                    <a:pt x="151949" y="363159"/>
+                    <a:pt x="148449" y="362433"/>
+                    <a:pt x="143758" y="362433"/>
+                  </a:cubicBezTo>
+                  <a:cubicBezTo>
+                    <a:pt x="137727" y="362433"/>
+                    <a:pt x="133184" y="363249"/>
+                    <a:pt x="130131" y="364880"/>
+                  </a:cubicBezTo>
+                  <a:cubicBezTo>
+                    <a:pt x="127078" y="366438"/>
+                    <a:pt x="123395" y="370865"/>
+                    <a:pt x="119082" y="378160"/>
+                  </a:cubicBezTo>
+                  <a:cubicBezTo>
+                    <a:pt x="106667" y="399078"/>
+                    <a:pt x="96478" y="412254"/>
+                    <a:pt x="88516" y="417686"/>
+                  </a:cubicBezTo>
+                  <a:cubicBezTo>
+                    <a:pt x="80553" y="423118"/>
+                    <a:pt x="67717" y="425834"/>
+                    <a:pt x="50006" y="425834"/>
+                  </a:cubicBezTo>
+                  <a:cubicBezTo>
+                    <a:pt x="37133" y="425834"/>
+                    <a:pt x="27645" y="424327"/>
+                    <a:pt x="21543" y="421313"/>
+                  </a:cubicBezTo>
+                  <a:cubicBezTo>
+                    <a:pt x="15441" y="418300"/>
+                    <a:pt x="10325" y="412477"/>
+                    <a:pt x="6195" y="403845"/>
+                  </a:cubicBezTo>
+                  <a:cubicBezTo>
+                    <a:pt x="2065" y="395213"/>
+                    <a:pt x="0" y="385167"/>
+                    <a:pt x="0" y="373707"/>
+                  </a:cubicBezTo>
+                  <a:cubicBezTo>
+                    <a:pt x="0" y="361131"/>
+                    <a:pt x="2381" y="350397"/>
+                    <a:pt x="7144" y="341504"/>
+                  </a:cubicBezTo>
+                  <a:cubicBezTo>
+                    <a:pt x="11906" y="332612"/>
+                    <a:pt x="17971" y="326789"/>
+                    <a:pt x="25338" y="324036"/>
+                  </a:cubicBezTo>
+                  <a:cubicBezTo>
+                    <a:pt x="32705" y="321282"/>
+                    <a:pt x="43160" y="319906"/>
+                    <a:pt x="56704" y="319906"/>
+                  </a:cubicBezTo>
+                  <a:lnTo>
+                    <a:pt x="68535" y="319906"/>
+                  </a:lnTo>
+                  <a:lnTo>
+                    <a:pt x="68535" y="363549"/>
+                  </a:lnTo>
+                  <a:lnTo>
+                    <a:pt x="46546" y="363549"/>
+                  </a:lnTo>
+                  <a:cubicBezTo>
+                    <a:pt x="39774" y="363549"/>
+                    <a:pt x="35421" y="364163"/>
+                    <a:pt x="33486" y="365391"/>
+                  </a:cubicBezTo>
+                  <a:cubicBezTo>
+                    <a:pt x="31552" y="366619"/>
+                    <a:pt x="30584" y="368796"/>
+                    <a:pt x="30584" y="371921"/>
+                  </a:cubicBezTo>
+                  <a:cubicBezTo>
+                    <a:pt x="30584" y="375046"/>
+                    <a:pt x="31812" y="377372"/>
+                    <a:pt x="34268" y="378897"/>
+                  </a:cubicBezTo>
+                  <a:cubicBezTo>
+                    <a:pt x="36723" y="380423"/>
+                    <a:pt x="40370" y="381186"/>
+                    <a:pt x="45207" y="381186"/>
+                  </a:cubicBezTo>
+                  <a:cubicBezTo>
+                    <a:pt x="55848" y="381186"/>
+                    <a:pt x="62806" y="379735"/>
+                    <a:pt x="66080" y="376832"/>
+                  </a:cubicBezTo>
+                  <a:cubicBezTo>
+                    <a:pt x="69354" y="373856"/>
+                    <a:pt x="74823" y="366526"/>
+                    <a:pt x="82488" y="354843"/>
+                  </a:cubicBezTo>
+                  <a:cubicBezTo>
+                    <a:pt x="90227" y="343160"/>
+                    <a:pt x="95845" y="335421"/>
+                    <a:pt x="99343" y="331626"/>
+                  </a:cubicBezTo>
+                  <a:cubicBezTo>
+                    <a:pt x="102840" y="327831"/>
+                    <a:pt x="107677" y="324687"/>
+                    <a:pt x="113854" y="322194"/>
+                  </a:cubicBezTo>
+                  <a:cubicBezTo>
+                    <a:pt x="120030" y="319701"/>
+                    <a:pt x="127918" y="318455"/>
+                    <a:pt x="137517" y="318455"/>
+                  </a:cubicBezTo>
+                  <a:close/>
+                  <a:moveTo>
+                    <a:pt x="107603" y="245529"/>
+                  </a:moveTo>
+                  <a:cubicBezTo>
+                    <a:pt x="107528" y="246868"/>
+                    <a:pt x="107491" y="248022"/>
+                    <a:pt x="107491" y="248989"/>
+                  </a:cubicBezTo>
+                  <a:cubicBezTo>
+                    <a:pt x="107491" y="253305"/>
+                    <a:pt x="108552" y="256300"/>
+                    <a:pt x="110672" y="257975"/>
+                  </a:cubicBezTo>
+                  <a:cubicBezTo>
+                    <a:pt x="112793" y="259649"/>
+                    <a:pt x="117202" y="260486"/>
+                    <a:pt x="123900" y="260486"/>
+                  </a:cubicBezTo>
+                  <a:lnTo>
+                    <a:pt x="138745" y="260486"/>
+                  </a:lnTo>
+                  <a:cubicBezTo>
+                    <a:pt x="144922" y="260486"/>
+                    <a:pt x="148940" y="259519"/>
+                    <a:pt x="150800" y="257584"/>
+                  </a:cubicBezTo>
+                  <a:cubicBezTo>
+                    <a:pt x="152661" y="255649"/>
+                    <a:pt x="153591" y="251631"/>
+                    <a:pt x="153591" y="245529"/>
+                  </a:cubicBezTo>
+                  <a:close/>
+                  <a:moveTo>
+                    <a:pt x="3795" y="198536"/>
+                  </a:moveTo>
+                  <a:lnTo>
+                    <a:pt x="184510" y="198536"/>
+                  </a:lnTo>
+                  <a:lnTo>
+                    <a:pt x="184510" y="245864"/>
+                  </a:lnTo>
+                  <a:cubicBezTo>
+                    <a:pt x="184510" y="258663"/>
+                    <a:pt x="183505" y="268504"/>
+                    <a:pt x="181496" y="275387"/>
+                  </a:cubicBezTo>
+                  <a:cubicBezTo>
+                    <a:pt x="179487" y="282271"/>
+                    <a:pt x="176585" y="287443"/>
+                    <a:pt x="172790" y="290903"/>
+                  </a:cubicBezTo>
+                  <a:cubicBezTo>
+                    <a:pt x="168994" y="294363"/>
+                    <a:pt x="164399" y="296707"/>
+                    <a:pt x="159004" y="297935"/>
+                  </a:cubicBezTo>
+                  <a:cubicBezTo>
+                    <a:pt x="153609" y="299163"/>
+                    <a:pt x="145256" y="299777"/>
+                    <a:pt x="133945" y="299777"/>
+                  </a:cubicBezTo>
+                  <a:lnTo>
+                    <a:pt x="118207" y="299777"/>
+                  </a:lnTo>
+                  <a:cubicBezTo>
+                    <a:pt x="106673" y="299777"/>
+                    <a:pt x="98264" y="298586"/>
+                    <a:pt x="92981" y="296205"/>
+                  </a:cubicBezTo>
+                  <a:cubicBezTo>
+                    <a:pt x="87697" y="293824"/>
+                    <a:pt x="83642" y="289452"/>
+                    <a:pt x="80814" y="283089"/>
+                  </a:cubicBezTo>
+                  <a:cubicBezTo>
+                    <a:pt x="77986" y="276727"/>
+                    <a:pt x="76572" y="268411"/>
+                    <a:pt x="76572" y="258142"/>
+                  </a:cubicBezTo>
+                  <a:lnTo>
+                    <a:pt x="76572" y="245529"/>
+                  </a:lnTo>
+                  <a:lnTo>
+                    <a:pt x="3795" y="245529"/>
+                  </a:lnTo>
+                  <a:close/>
+                  <a:moveTo>
+                    <a:pt x="3795" y="122336"/>
+                  </a:moveTo>
+                  <a:lnTo>
+                    <a:pt x="184510" y="122336"/>
+                  </a:lnTo>
+                  <a:lnTo>
+                    <a:pt x="184510" y="169329"/>
+                  </a:lnTo>
+                  <a:lnTo>
+                    <a:pt x="3795" y="169329"/>
+                  </a:lnTo>
+                  <a:close/>
+                  <a:moveTo>
+                    <a:pt x="148345" y="0"/>
+                  </a:moveTo>
+                  <a:lnTo>
+                    <a:pt x="184510" y="0"/>
+                  </a:lnTo>
+                  <a:lnTo>
+                    <a:pt x="184510" y="102691"/>
+                  </a:lnTo>
+                  <a:lnTo>
+                    <a:pt x="148345" y="102691"/>
+                  </a:lnTo>
+                  <a:lnTo>
+                    <a:pt x="148345" y="74786"/>
+                  </a:lnTo>
+                  <a:lnTo>
+                    <a:pt x="3795" y="74786"/>
+                  </a:lnTo>
+                  <a:lnTo>
+                    <a:pt x="3795" y="27793"/>
+                  </a:lnTo>
+                  <a:lnTo>
+                    <a:pt x="148345" y="27793"/>
+                  </a:lnTo>
+                  <a:close/>
+                </a:path>
+              </a:pathLst>
+            </a:custGeom>
+            <a:solidFill>
+              <a:schemeClr val="accent1"/>
+            </a:solidFill>
+            <a:ln>
+              <a:noFill/>
+            </a:ln>
+            <a:effectLst/>
+          </p:spPr>
+          <p:txBody>
+            <a:bodyPr rot="0" spcFirstLastPara="0" vertOverflow="overflow" horzOverflow="overflow" vert="horz" wrap="square" lIns="91440" tIns="45720" rIns="91440" bIns="45720" numCol="1" spcCol="0" rtlCol="0" fromWordArt="0" anchor="t" anchorCtr="0" forceAA="0" compatLnSpc="1">
+              <a:noAutofit/>
+            </a:bodyPr>
+            <a:lstStyle/>
+            <a:p>
+              <a:pPr algn="ctr">
+                <a:lnSpc>
+                  <a:spcPct val="130000"/>
+                </a:lnSpc>
+              </a:pPr>
+              <a:endParaRPr lang="zh-CN" altLang="en-US" spc="100" dirty="0">
+                <a:solidFill>
+                  <a:schemeClr val="tx1">
+                    <a:lumMod val="65000"/>
+                    <a:lumOff val="35000"/>
+                  </a:schemeClr>
+                </a:solidFill>
+                <a:ea typeface="微软雅黑" panose="020B0503020204020204" pitchFamily="34" charset="-122"/>
+              </a:endParaRPr>
+            </a:p>
+          </p:txBody>
+        </p:sp>
+      </p:grpSp>
+      <p:sp>
+        <p:nvSpPr>
+          <p:cNvPr id="22" name="半闭框 21"/>
+          <p:cNvSpPr/>
+          <p:nvPr userDrawn="1"/>
+        </p:nvSpPr>
+        <p:spPr>
+          <a:xfrm>
+            <a:off x="1253787" y="766347"/>
+            <a:ext cx="1092200" cy="1193800"/>
+          </a:xfrm>
+          <a:prstGeom prst="halfFrame">
+            <a:avLst>
+              <a:gd name="adj1" fmla="val 12402"/>
+              <a:gd name="adj2" fmla="val 11240"/>
+            </a:avLst>
+          </a:prstGeom>
+          <a:solidFill>
+            <a:schemeClr val="accent1">
+              <a:alpha val="55000"/>
+            </a:schemeClr>
+          </a:solidFill>
+          <a:ln>
+            <a:noFill/>
+          </a:ln>
+        </p:spPr>
+        <p:style>
+          <a:lnRef idx="2">
+            <a:schemeClr val="accent1">
+              <a:shade val="50000"/>
+            </a:schemeClr>
+          </a:lnRef>
+          <a:fillRef idx="1">
+            <a:schemeClr val="accent1"/>
+          </a:fillRef>
+          <a:effectRef idx="0">
+            <a:schemeClr val="accent1"/>
+          </a:effectRef>
+          <a:fontRef idx="minor">
+            <a:schemeClr val="lt1"/>
+          </a:fontRef>
+        </p:style>
+        <p:txBody>
+          <a:bodyPr rtlCol="0" anchor="ctr"/>
+          <a:lstStyle/>
+          <a:p>
+            <a:pPr algn="ctr"/>
+            <a:endParaRPr lang="zh-CN" altLang="en-US">
+              <a:solidFill>
+                <a:schemeClr val="tx1"/>
+              </a:solidFill>
+              <a:ea typeface="微软雅黑" panose="020B0503020204020204" pitchFamily="34" charset="-122"/>
+            </a:endParaRPr>
+          </a:p>
+        </p:txBody>
+      </p:sp>
+      <p:sp>
+        <p:nvSpPr>
+          <p:cNvPr id="23" name="半闭框 22"/>
+          <p:cNvSpPr/>
+          <p:nvPr userDrawn="1"/>
+        </p:nvSpPr>
+        <p:spPr>
+          <a:xfrm rot="10800000">
+            <a:off x="2817992" y="5249197"/>
+            <a:ext cx="1092200" cy="1193800"/>
+          </a:xfrm>
+          <a:prstGeom prst="halfFrame">
+            <a:avLst>
+              <a:gd name="adj1" fmla="val 12402"/>
+              <a:gd name="adj2" fmla="val 11240"/>
+            </a:avLst>
+          </a:prstGeom>
+          <a:solidFill>
+            <a:schemeClr val="accent1">
+              <a:alpha val="55000"/>
+            </a:schemeClr>
+          </a:solidFill>
+          <a:ln>
+            <a:noFill/>
+          </a:ln>
+        </p:spPr>
+        <p:style>
+          <a:lnRef idx="2">
+            <a:schemeClr val="accent1">
+              <a:shade val="50000"/>
+            </a:schemeClr>
+          </a:lnRef>
+          <a:fillRef idx="1">
+            <a:schemeClr val="accent1"/>
+          </a:fillRef>
+          <a:effectRef idx="0">
+            <a:schemeClr val="accent1"/>
+          </a:effectRef>
+          <a:fontRef idx="minor">
+            <a:schemeClr val="lt1"/>
+          </a:fontRef>
+        </p:style>
+        <p:txBody>
+          <a:bodyPr rtlCol="0" anchor="ctr"/>
+          <a:lstStyle/>
+          <a:p>
+            <a:pPr algn="ctr"/>
+            <a:endParaRPr lang="zh-CN" altLang="en-US">
+              <a:solidFill>
+                <a:schemeClr val="tx1"/>
+              </a:solidFill>
+              <a:ea typeface="微软雅黑" panose="020B0503020204020204" pitchFamily="34" charset="-122"/>
+            </a:endParaRPr>
+          </a:p>
+        </p:txBody>
+      </p:sp>
+      <p:pic>
+        <p:nvPicPr>
+          <p:cNvPr id="24" name="图片 23">
+            <a:extLst>
+              <a:ext uri="{FF2B5EF4-FFF2-40B4-BE49-F238E27FC236}">
+                <a16:creationId xmlns:a16="http://schemas.microsoft.com/office/drawing/2014/main" id="{624C45F9-151D-DE15-29B6-4CE87478AE57}"/>
+              </a:ext>
+            </a:extLst>
+          </p:cNvPr>
+          <p:cNvPicPr>
+            <a:picLocks noChangeAspect="1"/>
+          </p:cNvPicPr>
+          <p:nvPr/>
+        </p:nvPicPr>
+        <p:blipFill>
+          <a:blip r:embed="rId3"/>
+          <a:stretch>
+            <a:fillRect/>
+          </a:stretch>
+        </p:blipFill>
+        <p:spPr>
+          <a:xfrm>
+            <a:off x="1379380" y="911113"/>
+            <a:ext cx="2405219" cy="5386460"/>
+          </a:xfrm>
+          <a:prstGeom prst="rect">
+            <a:avLst/>
+          </a:prstGeom>
+        </p:spPr>
+      </p:pic>
+    </p:spTree>
+    <p:extLst>
+      <p:ext uri="{BB962C8B-B14F-4D97-AF65-F5344CB8AC3E}">
+        <p14:creationId xmlns:p14="http://schemas.microsoft.com/office/powerpoint/2010/main" val="2988814063"/>
+      </p:ext>
+    </p:extLst>
+  </p:cSld>
+  <p:clrMapOvr>
+    <a:masterClrMapping/>
+  </p:clrMapOvr>
+</p:sld>
+</file>
+
+<file path=ppt/slides/slide13.xml><?xml version="1.0" encoding="utf-8"?>
+<p:sld xmlns:a="http://schemas.openxmlformats.org/drawingml/2006/main" xmlns:r="http://schemas.openxmlformats.org/officeDocument/2006/relationships" xmlns:p="http://schemas.openxmlformats.org/presentationml/2006/main">
+  <p:cSld>
+    <p:spTree>
+      <p:nvGrpSpPr>
+        <p:cNvPr id="1" name=""/>
+        <p:cNvGrpSpPr/>
+        <p:nvPr/>
+      </p:nvGrpSpPr>
+      <p:grpSpPr>
+        <a:xfrm>
+          <a:off x="0" y="0"/>
+          <a:ext cx="0" cy="0"/>
+          <a:chOff x="0" y="0"/>
+          <a:chExt cx="0" cy="0"/>
+        </a:xfrm>
+      </p:grpSpPr>
+      <p:sp>
+        <p:nvSpPr>
           <p:cNvPr id="6" name="矩形: 圆角 5"/>
           <p:cNvSpPr/>
           <p:nvPr/>
@@ -8572,7 +10535,7 @@
     </p:spTree>
     <p:extLst>
       <p:ext uri="{BB962C8B-B14F-4D97-AF65-F5344CB8AC3E}">
-        <p14:creationId xmlns:p14="http://schemas.microsoft.com/office/powerpoint/2010/main" val="1117788747"/>
+        <p14:creationId xmlns:p14="http://schemas.microsoft.com/office/powerpoint/2010/main" val="1970525748"/>
       </p:ext>
     </p:extLst>
   </p:cSld>
@@ -8582,7 +10545,7 @@
 </p:sld>
 </file>
 
-<file path=ppt/slides/slide13.xml><?xml version="1.0" encoding="utf-8"?>
+<file path=ppt/slides/slide14.xml><?xml version="1.0" encoding="utf-8"?>
 <p:sld xmlns:a="http://schemas.openxmlformats.org/drawingml/2006/main" xmlns:r="http://schemas.openxmlformats.org/officeDocument/2006/relationships" xmlns:p="http://schemas.openxmlformats.org/presentationml/2006/main">
   <p:cSld>
     <p:spTree>
@@ -8838,7 +10801,7 @@
 </p:sld>
 </file>
 
-<file path=ppt/slides/slide14.xml><?xml version="1.0" encoding="utf-8"?>
+<file path=ppt/slides/slide15.xml><?xml version="1.0" encoding="utf-8"?>
 <p:sld xmlns:a="http://schemas.openxmlformats.org/drawingml/2006/main" xmlns:r="http://schemas.openxmlformats.org/officeDocument/2006/relationships" xmlns:p="http://schemas.openxmlformats.org/presentationml/2006/main">
   <p:cSld>
     <p:spTree>
@@ -10869,7 +12832,7 @@
 </p:sld>
 </file>
 
-<file path=ppt/slides/slide15.xml><?xml version="1.0" encoding="utf-8"?>
+<file path=ppt/slides/slide16.xml><?xml version="1.0" encoding="utf-8"?>
 <p:sld xmlns:a="http://schemas.openxmlformats.org/drawingml/2006/main" xmlns:r="http://schemas.openxmlformats.org/officeDocument/2006/relationships" xmlns:p="http://schemas.openxmlformats.org/presentationml/2006/main">
   <p:cSld>
     <p:spTree>
@@ -11024,7 +12987,7 @@
 </p:sld>
 </file>
 
-<file path=ppt/slides/slide16.xml><?xml version="1.0" encoding="utf-8"?>
+<file path=ppt/slides/slide17.xml><?xml version="1.0" encoding="utf-8"?>
 <p:sld xmlns:a="http://schemas.openxmlformats.org/drawingml/2006/main" xmlns:r="http://schemas.openxmlformats.org/officeDocument/2006/relationships" xmlns:p="http://schemas.openxmlformats.org/presentationml/2006/main">
   <p:cSld>
     <p:spTree>
@@ -11149,7 +13112,7 @@
 </p:sld>
 </file>
 
-<file path=ppt/slides/slide17.xml><?xml version="1.0" encoding="utf-8"?>
+<file path=ppt/slides/slide18.xml><?xml version="1.0" encoding="utf-8"?>
 <p:sld xmlns:a="http://schemas.openxmlformats.org/drawingml/2006/main" xmlns:r="http://schemas.openxmlformats.org/officeDocument/2006/relationships" xmlns:p="http://schemas.openxmlformats.org/presentationml/2006/main">
   <p:cSld>
     <p:spTree>
@@ -11265,7 +13228,7 @@
 </p:sld>
 </file>
 
-<file path=ppt/slides/slide18.xml><?xml version="1.0" encoding="utf-8"?>
+<file path=ppt/slides/slide19.xml><?xml version="1.0" encoding="utf-8"?>
 <p:sld xmlns:a="http://schemas.openxmlformats.org/drawingml/2006/main" xmlns:r="http://schemas.openxmlformats.org/officeDocument/2006/relationships" xmlns:p="http://schemas.openxmlformats.org/presentationml/2006/main">
   <p:cSld>
     <p:spTree>
@@ -11608,271 +13571,6 @@
     <p:extLst>
       <p:ext uri="{BB962C8B-B14F-4D97-AF65-F5344CB8AC3E}">
         <p14:creationId xmlns:p14="http://schemas.microsoft.com/office/powerpoint/2010/main" val="97136207"/>
-      </p:ext>
-    </p:extLst>
-  </p:cSld>
-  <p:clrMapOvr>
-    <a:masterClrMapping/>
-  </p:clrMapOvr>
-</p:sld>
-</file>
-
-<file path=ppt/slides/slide19.xml><?xml version="1.0" encoding="utf-8"?>
-<p:sld xmlns:a="http://schemas.openxmlformats.org/drawingml/2006/main" xmlns:r="http://schemas.openxmlformats.org/officeDocument/2006/relationships" xmlns:p="http://schemas.openxmlformats.org/presentationml/2006/main">
-  <p:cSld>
-    <p:spTree>
-      <p:nvGrpSpPr>
-        <p:cNvPr id="1" name=""/>
-        <p:cNvGrpSpPr/>
-        <p:nvPr/>
-      </p:nvGrpSpPr>
-      <p:grpSpPr>
-        <a:xfrm>
-          <a:off x="0" y="0"/>
-          <a:ext cx="0" cy="0"/>
-          <a:chOff x="0" y="0"/>
-          <a:chExt cx="0" cy="0"/>
-        </a:xfrm>
-      </p:grpSpPr>
-      <p:sp>
-        <p:nvSpPr>
-          <p:cNvPr id="6" name="矩形: 圆角 5"/>
-          <p:cNvSpPr/>
-          <p:nvPr/>
-        </p:nvSpPr>
-        <p:spPr>
-          <a:xfrm>
-            <a:off x="1127760" y="1381760"/>
-            <a:ext cx="9936480" cy="4752340"/>
-          </a:xfrm>
-          <a:prstGeom prst="roundRect">
-            <a:avLst>
-              <a:gd name="adj" fmla="val 1496"/>
-            </a:avLst>
-          </a:prstGeom>
-          <a:solidFill>
-            <a:schemeClr val="bg1"/>
-          </a:solidFill>
-          <a:ln w="38100">
-            <a:solidFill>
-              <a:schemeClr val="accent1"/>
-            </a:solidFill>
-          </a:ln>
-          <a:effectLst>
-            <a:outerShdw blurRad="381000" algn="ctr" rotWithShape="0">
-              <a:prstClr val="black">
-                <a:alpha val="20000"/>
-              </a:prstClr>
-            </a:outerShdw>
-          </a:effectLst>
-        </p:spPr>
-        <p:style>
-          <a:lnRef idx="2">
-            <a:schemeClr val="accent1">
-              <a:shade val="50000"/>
-            </a:schemeClr>
-          </a:lnRef>
-          <a:fillRef idx="1">
-            <a:schemeClr val="accent1"/>
-          </a:fillRef>
-          <a:effectRef idx="0">
-            <a:schemeClr val="accent1"/>
-          </a:effectRef>
-          <a:fontRef idx="minor">
-            <a:schemeClr val="lt1"/>
-          </a:fontRef>
-        </p:style>
-        <p:txBody>
-          <a:bodyPr rtlCol="0" anchor="ctr"/>
-          <a:lstStyle/>
-          <a:p>
-            <a:pPr algn="ctr"/>
-            <a:endParaRPr lang="zh-CN" altLang="en-US">
-              <a:ea typeface="微软雅黑" panose="020B0503020204020204" pitchFamily="34" charset="-122"/>
-            </a:endParaRPr>
-          </a:p>
-        </p:txBody>
-      </p:sp>
-      <p:sp>
-        <p:nvSpPr>
-          <p:cNvPr id="10" name="文本框 9"/>
-          <p:cNvSpPr txBox="1"/>
-          <p:nvPr/>
-        </p:nvSpPr>
-        <p:spPr>
-          <a:xfrm>
-            <a:off x="823449" y="135317"/>
-            <a:ext cx="6632661" cy="1322221"/>
-          </a:xfrm>
-          <a:prstGeom prst="rect">
-            <a:avLst/>
-          </a:prstGeom>
-          <a:noFill/>
-        </p:spPr>
-        <p:txBody>
-          <a:bodyPr wrap="square" rtlCol="0">
-            <a:spAutoFit/>
-          </a:bodyPr>
-          <a:lstStyle/>
-          <a:p>
-            <a:pPr>
-              <a:lnSpc>
-                <a:spcPct val="130000"/>
-              </a:lnSpc>
-            </a:pPr>
-            <a:r>
-              <a:rPr lang="zh-CN" altLang="en-US" sz="3200" b="1" dirty="0">
-                <a:ea typeface="微软雅黑" panose="020B0503020204020204" pitchFamily="34" charset="-122"/>
-              </a:rPr>
-              <a:t>思考</a:t>
-            </a:r>
-            <a:r>
-              <a:rPr lang="en-US" altLang="zh-CN" sz="3200" b="1" dirty="0">
-                <a:ea typeface="微软雅黑" panose="020B0503020204020204" pitchFamily="34" charset="-122"/>
-              </a:rPr>
-              <a:t>——</a:t>
-            </a:r>
-            <a:r>
-              <a:rPr lang="zh-CN" altLang="en-US" sz="3200" b="1" dirty="0">
-                <a:ea typeface="微软雅黑" panose="020B0503020204020204" pitchFamily="34" charset="-122"/>
-              </a:rPr>
-              <a:t>基于模板匹配的问答系统</a:t>
-            </a:r>
-          </a:p>
-          <a:p>
-            <a:pPr>
-              <a:lnSpc>
-                <a:spcPct val="130000"/>
-              </a:lnSpc>
-            </a:pPr>
-            <a:endParaRPr lang="zh-CN" altLang="en-US" sz="3200" b="1" dirty="0">
-              <a:ea typeface="微软雅黑" panose="020B0503020204020204" pitchFamily="34" charset="-122"/>
-            </a:endParaRPr>
-          </a:p>
-        </p:txBody>
-      </p:sp>
-      <p:sp>
-        <p:nvSpPr>
-          <p:cNvPr id="13" name="矩形 12"/>
-          <p:cNvSpPr/>
-          <p:nvPr/>
-        </p:nvSpPr>
-        <p:spPr>
-          <a:xfrm>
-            <a:off x="1350893" y="1486410"/>
-            <a:ext cx="9490214" cy="4018985"/>
-          </a:xfrm>
-          <a:prstGeom prst="rect">
-            <a:avLst/>
-          </a:prstGeom>
-        </p:spPr>
-        <p:txBody>
-          <a:bodyPr wrap="square">
-            <a:spAutoFit/>
-          </a:bodyPr>
-          <a:lstStyle/>
-          <a:p>
-            <a:pPr marL="342900" indent="-342900">
-              <a:lnSpc>
-                <a:spcPct val="150000"/>
-              </a:lnSpc>
-              <a:spcBef>
-                <a:spcPts val="600"/>
-              </a:spcBef>
-              <a:buFont typeface="Arial" panose="020B0604020202020204" pitchFamily="34" charset="0"/>
-              <a:buChar char="•"/>
-            </a:pPr>
-            <a:r>
-              <a:rPr lang="zh-CN" altLang="en-US" b="1" spc="100" dirty="0">
-                <a:ea typeface="微软雅黑" panose="020B0503020204020204" pitchFamily="34" charset="-122"/>
-              </a:rPr>
-              <a:t>缺乏灵活性</a:t>
-            </a:r>
-            <a:r>
-              <a:rPr lang="zh-CN" altLang="en-US" spc="100" dirty="0">
-                <a:ea typeface="微软雅黑" panose="020B0503020204020204" pitchFamily="34" charset="-122"/>
-              </a:rPr>
-              <a:t>：模板的问答系统通常是基于预先定义的固定模板，因此只能回答事先设定的问题，对于未知或新颖的问题无法进行有效回应。这限制了其适用范围，无法应对复杂或多样化的查询。</a:t>
-            </a:r>
-          </a:p>
-          <a:p>
-            <a:pPr marL="342900" indent="-342900">
-              <a:lnSpc>
-                <a:spcPct val="150000"/>
-              </a:lnSpc>
-              <a:spcBef>
-                <a:spcPts val="600"/>
-              </a:spcBef>
-              <a:buFont typeface="Arial" panose="020B0604020202020204" pitchFamily="34" charset="0"/>
-              <a:buChar char="•"/>
-            </a:pPr>
-            <a:r>
-              <a:rPr lang="zh-CN" altLang="en-US" b="1" spc="100" dirty="0">
-                <a:ea typeface="微软雅黑" panose="020B0503020204020204" pitchFamily="34" charset="-122"/>
-              </a:rPr>
-              <a:t>难以扩展</a:t>
-            </a:r>
-            <a:r>
-              <a:rPr lang="zh-CN" altLang="en-US" spc="100" dirty="0">
-                <a:ea typeface="微软雅黑" panose="020B0503020204020204" pitchFamily="34" charset="-122"/>
-              </a:rPr>
-              <a:t>：由于模板问答系统是静态的，要添加新的问题或支持更多的话题，需要手动编辑和更新模板，而且随着问题数量增加，维护模板会变得繁琐和耗时。</a:t>
-            </a:r>
-          </a:p>
-          <a:p>
-            <a:pPr marL="342900" indent="-342900">
-              <a:lnSpc>
-                <a:spcPct val="150000"/>
-              </a:lnSpc>
-              <a:spcBef>
-                <a:spcPts val="600"/>
-              </a:spcBef>
-              <a:buFont typeface="Arial" panose="020B0604020202020204" pitchFamily="34" charset="0"/>
-              <a:buChar char="•"/>
-            </a:pPr>
-            <a:r>
-              <a:rPr lang="zh-CN" altLang="en-US" b="1" spc="100" dirty="0">
-                <a:ea typeface="微软雅黑" panose="020B0503020204020204" pitchFamily="34" charset="-122"/>
-              </a:rPr>
-              <a:t>语义理解有限</a:t>
-            </a:r>
-            <a:r>
-              <a:rPr lang="zh-CN" altLang="en-US" spc="100" dirty="0">
-                <a:ea typeface="微软雅黑" panose="020B0503020204020204" pitchFamily="34" charset="-122"/>
-              </a:rPr>
-              <a:t>：模板问答系统通常是基于关键词匹配，缺乏深层语义理解。这导致系统对于复杂问题的理解能力有限，容易出现错误的匹配和回答，降低了用户体验。</a:t>
-            </a:r>
-          </a:p>
-          <a:p>
-            <a:pPr marL="342900" indent="-342900">
-              <a:lnSpc>
-                <a:spcPct val="150000"/>
-              </a:lnSpc>
-              <a:spcBef>
-                <a:spcPts val="600"/>
-              </a:spcBef>
-              <a:buFont typeface="Arial" panose="020B0604020202020204" pitchFamily="34" charset="0"/>
-              <a:buChar char="•"/>
-            </a:pPr>
-            <a:r>
-              <a:rPr lang="zh-CN" altLang="en-US" b="1" spc="100" dirty="0">
-                <a:ea typeface="微软雅黑" panose="020B0503020204020204" pitchFamily="34" charset="-122"/>
-              </a:rPr>
-              <a:t>上下文处理困难</a:t>
-            </a:r>
-            <a:r>
-              <a:rPr lang="zh-CN" altLang="en-US" spc="100" dirty="0">
-                <a:ea typeface="微软雅黑" panose="020B0503020204020204" pitchFamily="34" charset="-122"/>
-              </a:rPr>
-              <a:t>：模板问答系统很难进行上下文的持续理解，不能根据之前的对话内容进行准确回答。这在复杂对话场景下表现不佳，无法提供连贯的交互体验。</a:t>
-            </a:r>
-          </a:p>
-        </p:txBody>
-      </p:sp>
-    </p:spTree>
-    <p:extLst>
-      <p:ext uri="{BB962C8B-B14F-4D97-AF65-F5344CB8AC3E}">
-        <p14:creationId xmlns:p14="http://schemas.microsoft.com/office/powerpoint/2010/main" val="363813986"/>
       </p:ext>
     </p:extLst>
   </p:cSld>
@@ -12756,6 +14454,271 @@
 </file>
 
 <file path=ppt/slides/slide20.xml><?xml version="1.0" encoding="utf-8"?>
+<p:sld xmlns:a="http://schemas.openxmlformats.org/drawingml/2006/main" xmlns:r="http://schemas.openxmlformats.org/officeDocument/2006/relationships" xmlns:p="http://schemas.openxmlformats.org/presentationml/2006/main">
+  <p:cSld>
+    <p:spTree>
+      <p:nvGrpSpPr>
+        <p:cNvPr id="1" name=""/>
+        <p:cNvGrpSpPr/>
+        <p:nvPr/>
+      </p:nvGrpSpPr>
+      <p:grpSpPr>
+        <a:xfrm>
+          <a:off x="0" y="0"/>
+          <a:ext cx="0" cy="0"/>
+          <a:chOff x="0" y="0"/>
+          <a:chExt cx="0" cy="0"/>
+        </a:xfrm>
+      </p:grpSpPr>
+      <p:sp>
+        <p:nvSpPr>
+          <p:cNvPr id="6" name="矩形: 圆角 5"/>
+          <p:cNvSpPr/>
+          <p:nvPr/>
+        </p:nvSpPr>
+        <p:spPr>
+          <a:xfrm>
+            <a:off x="1127760" y="1381760"/>
+            <a:ext cx="9936480" cy="4752340"/>
+          </a:xfrm>
+          <a:prstGeom prst="roundRect">
+            <a:avLst>
+              <a:gd name="adj" fmla="val 1496"/>
+            </a:avLst>
+          </a:prstGeom>
+          <a:solidFill>
+            <a:schemeClr val="bg1"/>
+          </a:solidFill>
+          <a:ln w="38100">
+            <a:solidFill>
+              <a:schemeClr val="accent1"/>
+            </a:solidFill>
+          </a:ln>
+          <a:effectLst>
+            <a:outerShdw blurRad="381000" algn="ctr" rotWithShape="0">
+              <a:prstClr val="black">
+                <a:alpha val="20000"/>
+              </a:prstClr>
+            </a:outerShdw>
+          </a:effectLst>
+        </p:spPr>
+        <p:style>
+          <a:lnRef idx="2">
+            <a:schemeClr val="accent1">
+              <a:shade val="50000"/>
+            </a:schemeClr>
+          </a:lnRef>
+          <a:fillRef idx="1">
+            <a:schemeClr val="accent1"/>
+          </a:fillRef>
+          <a:effectRef idx="0">
+            <a:schemeClr val="accent1"/>
+          </a:effectRef>
+          <a:fontRef idx="minor">
+            <a:schemeClr val="lt1"/>
+          </a:fontRef>
+        </p:style>
+        <p:txBody>
+          <a:bodyPr rtlCol="0" anchor="ctr"/>
+          <a:lstStyle/>
+          <a:p>
+            <a:pPr algn="ctr"/>
+            <a:endParaRPr lang="zh-CN" altLang="en-US">
+              <a:ea typeface="微软雅黑" panose="020B0503020204020204" pitchFamily="34" charset="-122"/>
+            </a:endParaRPr>
+          </a:p>
+        </p:txBody>
+      </p:sp>
+      <p:sp>
+        <p:nvSpPr>
+          <p:cNvPr id="10" name="文本框 9"/>
+          <p:cNvSpPr txBox="1"/>
+          <p:nvPr/>
+        </p:nvSpPr>
+        <p:spPr>
+          <a:xfrm>
+            <a:off x="823449" y="135317"/>
+            <a:ext cx="6632661" cy="1322221"/>
+          </a:xfrm>
+          <a:prstGeom prst="rect">
+            <a:avLst/>
+          </a:prstGeom>
+          <a:noFill/>
+        </p:spPr>
+        <p:txBody>
+          <a:bodyPr wrap="square" rtlCol="0">
+            <a:spAutoFit/>
+          </a:bodyPr>
+          <a:lstStyle/>
+          <a:p>
+            <a:pPr>
+              <a:lnSpc>
+                <a:spcPct val="130000"/>
+              </a:lnSpc>
+            </a:pPr>
+            <a:r>
+              <a:rPr lang="zh-CN" altLang="en-US" sz="3200" b="1" dirty="0">
+                <a:ea typeface="微软雅黑" panose="020B0503020204020204" pitchFamily="34" charset="-122"/>
+              </a:rPr>
+              <a:t>思考</a:t>
+            </a:r>
+            <a:r>
+              <a:rPr lang="en-US" altLang="zh-CN" sz="3200" b="1" dirty="0">
+                <a:ea typeface="微软雅黑" panose="020B0503020204020204" pitchFamily="34" charset="-122"/>
+              </a:rPr>
+              <a:t>——</a:t>
+            </a:r>
+            <a:r>
+              <a:rPr lang="zh-CN" altLang="en-US" sz="3200" b="1" dirty="0">
+                <a:ea typeface="微软雅黑" panose="020B0503020204020204" pitchFamily="34" charset="-122"/>
+              </a:rPr>
+              <a:t>基于模板匹配的问答系统</a:t>
+            </a:r>
+          </a:p>
+          <a:p>
+            <a:pPr>
+              <a:lnSpc>
+                <a:spcPct val="130000"/>
+              </a:lnSpc>
+            </a:pPr>
+            <a:endParaRPr lang="zh-CN" altLang="en-US" sz="3200" b="1" dirty="0">
+              <a:ea typeface="微软雅黑" panose="020B0503020204020204" pitchFamily="34" charset="-122"/>
+            </a:endParaRPr>
+          </a:p>
+        </p:txBody>
+      </p:sp>
+      <p:sp>
+        <p:nvSpPr>
+          <p:cNvPr id="13" name="矩形 12"/>
+          <p:cNvSpPr/>
+          <p:nvPr/>
+        </p:nvSpPr>
+        <p:spPr>
+          <a:xfrm>
+            <a:off x="1350893" y="1486410"/>
+            <a:ext cx="9490214" cy="4018985"/>
+          </a:xfrm>
+          <a:prstGeom prst="rect">
+            <a:avLst/>
+          </a:prstGeom>
+        </p:spPr>
+        <p:txBody>
+          <a:bodyPr wrap="square">
+            <a:spAutoFit/>
+          </a:bodyPr>
+          <a:lstStyle/>
+          <a:p>
+            <a:pPr marL="342900" indent="-342900">
+              <a:lnSpc>
+                <a:spcPct val="150000"/>
+              </a:lnSpc>
+              <a:spcBef>
+                <a:spcPts val="600"/>
+              </a:spcBef>
+              <a:buFont typeface="Arial" panose="020B0604020202020204" pitchFamily="34" charset="0"/>
+              <a:buChar char="•"/>
+            </a:pPr>
+            <a:r>
+              <a:rPr lang="zh-CN" altLang="en-US" b="1" spc="100" dirty="0">
+                <a:ea typeface="微软雅黑" panose="020B0503020204020204" pitchFamily="34" charset="-122"/>
+              </a:rPr>
+              <a:t>缺乏灵活性</a:t>
+            </a:r>
+            <a:r>
+              <a:rPr lang="zh-CN" altLang="en-US" spc="100" dirty="0">
+                <a:ea typeface="微软雅黑" panose="020B0503020204020204" pitchFamily="34" charset="-122"/>
+              </a:rPr>
+              <a:t>：模板的问答系统通常是基于预先定义的固定模板，因此只能回答事先设定的问题，对于未知或新颖的问题无法进行有效回应。这限制了其适用范围，无法应对复杂或多样化的查询。</a:t>
+            </a:r>
+          </a:p>
+          <a:p>
+            <a:pPr marL="342900" indent="-342900">
+              <a:lnSpc>
+                <a:spcPct val="150000"/>
+              </a:lnSpc>
+              <a:spcBef>
+                <a:spcPts val="600"/>
+              </a:spcBef>
+              <a:buFont typeface="Arial" panose="020B0604020202020204" pitchFamily="34" charset="0"/>
+              <a:buChar char="•"/>
+            </a:pPr>
+            <a:r>
+              <a:rPr lang="zh-CN" altLang="en-US" b="1" spc="100" dirty="0">
+                <a:ea typeface="微软雅黑" panose="020B0503020204020204" pitchFamily="34" charset="-122"/>
+              </a:rPr>
+              <a:t>难以扩展</a:t>
+            </a:r>
+            <a:r>
+              <a:rPr lang="zh-CN" altLang="en-US" spc="100" dirty="0">
+                <a:ea typeface="微软雅黑" panose="020B0503020204020204" pitchFamily="34" charset="-122"/>
+              </a:rPr>
+              <a:t>：由于模板问答系统是静态的，要添加新的问题或支持更多的话题，需要手动编辑和更新模板，而且随着问题数量增加，维护模板会变得繁琐和耗时。</a:t>
+            </a:r>
+          </a:p>
+          <a:p>
+            <a:pPr marL="342900" indent="-342900">
+              <a:lnSpc>
+                <a:spcPct val="150000"/>
+              </a:lnSpc>
+              <a:spcBef>
+                <a:spcPts val="600"/>
+              </a:spcBef>
+              <a:buFont typeface="Arial" panose="020B0604020202020204" pitchFamily="34" charset="0"/>
+              <a:buChar char="•"/>
+            </a:pPr>
+            <a:r>
+              <a:rPr lang="zh-CN" altLang="en-US" b="1" spc="100" dirty="0">
+                <a:ea typeface="微软雅黑" panose="020B0503020204020204" pitchFamily="34" charset="-122"/>
+              </a:rPr>
+              <a:t>语义理解有限</a:t>
+            </a:r>
+            <a:r>
+              <a:rPr lang="zh-CN" altLang="en-US" spc="100" dirty="0">
+                <a:ea typeface="微软雅黑" panose="020B0503020204020204" pitchFamily="34" charset="-122"/>
+              </a:rPr>
+              <a:t>：模板问答系统通常是基于关键词匹配，缺乏深层语义理解。这导致系统对于复杂问题的理解能力有限，容易出现错误的匹配和回答，降低了用户体验。</a:t>
+            </a:r>
+          </a:p>
+          <a:p>
+            <a:pPr marL="342900" indent="-342900">
+              <a:lnSpc>
+                <a:spcPct val="150000"/>
+              </a:lnSpc>
+              <a:spcBef>
+                <a:spcPts val="600"/>
+              </a:spcBef>
+              <a:buFont typeface="Arial" panose="020B0604020202020204" pitchFamily="34" charset="0"/>
+              <a:buChar char="•"/>
+            </a:pPr>
+            <a:r>
+              <a:rPr lang="zh-CN" altLang="en-US" b="1" spc="100" dirty="0">
+                <a:ea typeface="微软雅黑" panose="020B0503020204020204" pitchFamily="34" charset="-122"/>
+              </a:rPr>
+              <a:t>上下文处理困难</a:t>
+            </a:r>
+            <a:r>
+              <a:rPr lang="zh-CN" altLang="en-US" spc="100" dirty="0">
+                <a:ea typeface="微软雅黑" panose="020B0503020204020204" pitchFamily="34" charset="-122"/>
+              </a:rPr>
+              <a:t>：模板问答系统很难进行上下文的持续理解，不能根据之前的对话内容进行准确回答。这在复杂对话场景下表现不佳，无法提供连贯的交互体验。</a:t>
+            </a:r>
+          </a:p>
+        </p:txBody>
+      </p:sp>
+    </p:spTree>
+    <p:extLst>
+      <p:ext uri="{BB962C8B-B14F-4D97-AF65-F5344CB8AC3E}">
+        <p14:creationId xmlns:p14="http://schemas.microsoft.com/office/powerpoint/2010/main" val="363813986"/>
+      </p:ext>
+    </p:extLst>
+  </p:cSld>
+  <p:clrMapOvr>
+    <a:masterClrMapping/>
+  </p:clrMapOvr>
+</p:sld>
+</file>
+
+<file path=ppt/slides/slide21.xml><?xml version="1.0" encoding="utf-8"?>
 <p:sld xmlns:a="http://schemas.openxmlformats.org/drawingml/2006/main" xmlns:r="http://schemas.openxmlformats.org/officeDocument/2006/relationships" xmlns:p="http://schemas.openxmlformats.org/presentationml/2006/main">
   <p:cSld>
     <p:spTree>

--- a/项目汇报.pptx
+++ b/项目汇报.pptx
@@ -6,30 +6,31 @@
     <p:sldMasterId id="2147483653" r:id="rId2"/>
   </p:sldMasterIdLst>
   <p:notesMasterIdLst>
-    <p:notesMasterId r:id="rId24"/>
+    <p:notesMasterId r:id="rId25"/>
   </p:notesMasterIdLst>
   <p:sldIdLst>
     <p:sldId id="458" r:id="rId3"/>
-    <p:sldId id="260" r:id="rId4"/>
-    <p:sldId id="475" r:id="rId5"/>
-    <p:sldId id="476" r:id="rId6"/>
-    <p:sldId id="477" r:id="rId7"/>
-    <p:sldId id="257" r:id="rId8"/>
-    <p:sldId id="266" r:id="rId9"/>
-    <p:sldId id="261" r:id="rId10"/>
-    <p:sldId id="268" r:id="rId11"/>
-    <p:sldId id="462" r:id="rId12"/>
-    <p:sldId id="471" r:id="rId13"/>
-    <p:sldId id="484" r:id="rId14"/>
-    <p:sldId id="483" r:id="rId15"/>
-    <p:sldId id="478" r:id="rId16"/>
-    <p:sldId id="480" r:id="rId17"/>
-    <p:sldId id="482" r:id="rId18"/>
-    <p:sldId id="469" r:id="rId19"/>
-    <p:sldId id="481" r:id="rId20"/>
-    <p:sldId id="473" r:id="rId21"/>
-    <p:sldId id="474" r:id="rId22"/>
-    <p:sldId id="459" r:id="rId23"/>
+    <p:sldId id="485" r:id="rId4"/>
+    <p:sldId id="260" r:id="rId5"/>
+    <p:sldId id="475" r:id="rId6"/>
+    <p:sldId id="476" r:id="rId7"/>
+    <p:sldId id="477" r:id="rId8"/>
+    <p:sldId id="257" r:id="rId9"/>
+    <p:sldId id="266" r:id="rId10"/>
+    <p:sldId id="261" r:id="rId11"/>
+    <p:sldId id="268" r:id="rId12"/>
+    <p:sldId id="462" r:id="rId13"/>
+    <p:sldId id="471" r:id="rId14"/>
+    <p:sldId id="484" r:id="rId15"/>
+    <p:sldId id="483" r:id="rId16"/>
+    <p:sldId id="478" r:id="rId17"/>
+    <p:sldId id="480" r:id="rId18"/>
+    <p:sldId id="482" r:id="rId19"/>
+    <p:sldId id="469" r:id="rId20"/>
+    <p:sldId id="481" r:id="rId21"/>
+    <p:sldId id="473" r:id="rId22"/>
+    <p:sldId id="474" r:id="rId23"/>
+    <p:sldId id="459" r:id="rId24"/>
   </p:sldIdLst>
   <p:sldSz cx="12192000" cy="6858000"/>
   <p:notesSz cx="6858000" cy="9144000"/>
@@ -134,6 +135,7 @@
         <p14:section name="封面目录" id="{6339581E-F421-4D11-A4E1-57EB2E7D9730}">
           <p14:sldIdLst>
             <p14:sldId id="458"/>
+            <p14:sldId id="485"/>
             <p14:sldId id="260"/>
           </p14:sldIdLst>
         </p14:section>
@@ -692,11 +694,6 @@
         </p:txBody>
       </p:sp>
     </p:spTree>
-    <p:extLst>
-      <p:ext uri="{BB962C8B-B14F-4D97-AF65-F5344CB8AC3E}">
-        <p14:creationId xmlns:p14="http://schemas.microsoft.com/office/powerpoint/2010/main" val="513136690"/>
-      </p:ext>
-    </p:extLst>
   </p:cSld>
   <p:clrMapOvr>
     <a:masterClrMapping/>
@@ -778,7 +775,7 @@
     </p:spTree>
     <p:extLst>
       <p:ext uri="{BB962C8B-B14F-4D97-AF65-F5344CB8AC3E}">
-        <p14:creationId xmlns:p14="http://schemas.microsoft.com/office/powerpoint/2010/main" val="575691568"/>
+        <p14:creationId xmlns:p14="http://schemas.microsoft.com/office/powerpoint/2010/main" val="513136690"/>
       </p:ext>
     </p:extLst>
   </p:cSld>
@@ -862,7 +859,7 @@
     </p:spTree>
     <p:extLst>
       <p:ext uri="{BB962C8B-B14F-4D97-AF65-F5344CB8AC3E}">
-        <p14:creationId xmlns:p14="http://schemas.microsoft.com/office/powerpoint/2010/main" val="2541897583"/>
+        <p14:creationId xmlns:p14="http://schemas.microsoft.com/office/powerpoint/2010/main" val="575691568"/>
       </p:ext>
     </p:extLst>
   </p:cSld>
@@ -946,7 +943,7 @@
     </p:spTree>
     <p:extLst>
       <p:ext uri="{BB962C8B-B14F-4D97-AF65-F5344CB8AC3E}">
-        <p14:creationId xmlns:p14="http://schemas.microsoft.com/office/powerpoint/2010/main" val="3313297874"/>
+        <p14:creationId xmlns:p14="http://schemas.microsoft.com/office/powerpoint/2010/main" val="2541897583"/>
       </p:ext>
     </p:extLst>
   </p:cSld>
@@ -1030,7 +1027,7 @@
     </p:spTree>
     <p:extLst>
       <p:ext uri="{BB962C8B-B14F-4D97-AF65-F5344CB8AC3E}">
-        <p14:creationId xmlns:p14="http://schemas.microsoft.com/office/powerpoint/2010/main" val="3294718428"/>
+        <p14:creationId xmlns:p14="http://schemas.microsoft.com/office/powerpoint/2010/main" val="3313297874"/>
       </p:ext>
     </p:extLst>
   </p:cSld>
@@ -1114,7 +1111,7 @@
     </p:spTree>
     <p:extLst>
       <p:ext uri="{BB962C8B-B14F-4D97-AF65-F5344CB8AC3E}">
-        <p14:creationId xmlns:p14="http://schemas.microsoft.com/office/powerpoint/2010/main" val="3902694199"/>
+        <p14:creationId xmlns:p14="http://schemas.microsoft.com/office/powerpoint/2010/main" val="3294718428"/>
       </p:ext>
     </p:extLst>
   </p:cSld>
@@ -1198,7 +1195,7 @@
     </p:spTree>
     <p:extLst>
       <p:ext uri="{BB962C8B-B14F-4D97-AF65-F5344CB8AC3E}">
-        <p14:creationId xmlns:p14="http://schemas.microsoft.com/office/powerpoint/2010/main" val="201113260"/>
+        <p14:creationId xmlns:p14="http://schemas.microsoft.com/office/powerpoint/2010/main" val="3902694199"/>
       </p:ext>
     </p:extLst>
   </p:cSld>
@@ -1282,7 +1279,7 @@
     </p:spTree>
     <p:extLst>
       <p:ext uri="{BB962C8B-B14F-4D97-AF65-F5344CB8AC3E}">
-        <p14:creationId xmlns:p14="http://schemas.microsoft.com/office/powerpoint/2010/main" val="4006988741"/>
+        <p14:creationId xmlns:p14="http://schemas.microsoft.com/office/powerpoint/2010/main" val="201113260"/>
       </p:ext>
     </p:extLst>
   </p:cSld>
@@ -1366,7 +1363,7 @@
     </p:spTree>
     <p:extLst>
       <p:ext uri="{BB962C8B-B14F-4D97-AF65-F5344CB8AC3E}">
-        <p14:creationId xmlns:p14="http://schemas.microsoft.com/office/powerpoint/2010/main" val="3979177323"/>
+        <p14:creationId xmlns:p14="http://schemas.microsoft.com/office/powerpoint/2010/main" val="4006988741"/>
       </p:ext>
     </p:extLst>
   </p:cSld>
@@ -1450,7 +1447,7 @@
     </p:spTree>
     <p:extLst>
       <p:ext uri="{BB962C8B-B14F-4D97-AF65-F5344CB8AC3E}">
-        <p14:creationId xmlns:p14="http://schemas.microsoft.com/office/powerpoint/2010/main" val="944788563"/>
+        <p14:creationId xmlns:p14="http://schemas.microsoft.com/office/powerpoint/2010/main" val="3979177323"/>
       </p:ext>
     </p:extLst>
   </p:cSld>
@@ -1532,6 +1529,11 @@
         </p:txBody>
       </p:sp>
     </p:spTree>
+    <p:extLst>
+      <p:ext uri="{BB962C8B-B14F-4D97-AF65-F5344CB8AC3E}">
+        <p14:creationId xmlns:p14="http://schemas.microsoft.com/office/powerpoint/2010/main" val="2380818472"/>
+      </p:ext>
+    </p:extLst>
   </p:cSld>
   <p:clrMapOvr>
     <a:masterClrMapping/>
@@ -1613,6 +1615,90 @@
     </p:spTree>
     <p:extLst>
       <p:ext uri="{BB962C8B-B14F-4D97-AF65-F5344CB8AC3E}">
+        <p14:creationId xmlns:p14="http://schemas.microsoft.com/office/powerpoint/2010/main" val="944788563"/>
+      </p:ext>
+    </p:extLst>
+  </p:cSld>
+  <p:clrMapOvr>
+    <a:masterClrMapping/>
+  </p:clrMapOvr>
+</p:notes>
+</file>
+
+<file path=ppt/notesSlides/notesSlide21.xml><?xml version="1.0" encoding="utf-8"?>
+<p:notes xmlns:a="http://schemas.openxmlformats.org/drawingml/2006/main" xmlns:r="http://schemas.openxmlformats.org/officeDocument/2006/relationships" xmlns:p="http://schemas.openxmlformats.org/presentationml/2006/main">
+  <p:cSld>
+    <p:spTree>
+      <p:nvGrpSpPr>
+        <p:cNvPr id="1" name=""/>
+        <p:cNvGrpSpPr/>
+        <p:nvPr/>
+      </p:nvGrpSpPr>
+      <p:grpSpPr>
+        <a:xfrm>
+          <a:off x="0" y="0"/>
+          <a:ext cx="0" cy="0"/>
+          <a:chOff x="0" y="0"/>
+          <a:chExt cx="0" cy="0"/>
+        </a:xfrm>
+      </p:grpSpPr>
+      <p:sp>
+        <p:nvSpPr>
+          <p:cNvPr id="2" name="幻灯片图像占位符 1"/>
+          <p:cNvSpPr>
+            <a:spLocks noGrp="1" noRot="1" noChangeAspect="1"/>
+          </p:cNvSpPr>
+          <p:nvPr>
+            <p:ph type="sldImg"/>
+          </p:nvPr>
+        </p:nvSpPr>
+        <p:spPr/>
+      </p:sp>
+      <p:sp>
+        <p:nvSpPr>
+          <p:cNvPr id="3" name="备注占位符 2"/>
+          <p:cNvSpPr>
+            <a:spLocks noGrp="1"/>
+          </p:cNvSpPr>
+          <p:nvPr>
+            <p:ph type="body" idx="1"/>
+          </p:nvPr>
+        </p:nvSpPr>
+        <p:spPr/>
+        <p:txBody>
+          <a:bodyPr/>
+          <a:lstStyle/>
+          <a:p>
+            <a:endParaRPr lang="zh-CN" altLang="en-US"/>
+          </a:p>
+        </p:txBody>
+      </p:sp>
+      <p:sp>
+        <p:nvSpPr>
+          <p:cNvPr id="4" name="灯片编号占位符 3"/>
+          <p:cNvSpPr>
+            <a:spLocks noGrp="1"/>
+          </p:cNvSpPr>
+          <p:nvPr>
+            <p:ph type="sldNum" sz="quarter" idx="5"/>
+          </p:nvPr>
+        </p:nvSpPr>
+        <p:spPr/>
+        <p:txBody>
+          <a:bodyPr/>
+          <a:lstStyle/>
+          <a:p>
+            <a:fld id="{405C5C29-6204-48AC-85C8-7710F9DF9F98}" type="slidenum">
+              <a:rPr lang="zh-CN" altLang="en-US" smtClean="0"/>
+              <a:t>21</a:t>
+            </a:fld>
+            <a:endParaRPr lang="zh-CN" altLang="en-US"/>
+          </a:p>
+        </p:txBody>
+      </p:sp>
+    </p:spTree>
+    <p:extLst>
+      <p:ext uri="{BB962C8B-B14F-4D97-AF65-F5344CB8AC3E}">
         <p14:creationId xmlns:p14="http://schemas.microsoft.com/office/powerpoint/2010/main" val="2119586745"/>
       </p:ext>
     </p:extLst>
@@ -1623,7 +1709,7 @@
 </p:notes>
 </file>
 
-<file path=ppt/notesSlides/notesSlide21.xml><?xml version="1.0" encoding="utf-8"?>
+<file path=ppt/notesSlides/notesSlide22.xml><?xml version="1.0" encoding="utf-8"?>
 <p:notes xmlns:a="http://schemas.openxmlformats.org/drawingml/2006/main" xmlns:r="http://schemas.openxmlformats.org/officeDocument/2006/relationships" xmlns:p="http://schemas.openxmlformats.org/presentationml/2006/main">
   <p:cSld>
     <p:spTree>
@@ -1717,7 +1803,7 @@
                 <a:ea typeface="等线" panose="02010600030101010101" charset="-122"/>
                 <a:cs typeface="+mn-cs"/>
               </a:rPr>
-              <a:t>21</a:t>
+              <a:t>22</a:t>
             </a:fld>
             <a:endParaRPr kumimoji="0" lang="zh-CN" altLang="en-US" sz="1200" b="0" i="0" u="none" strike="noStrike" kern="1200" cap="none" spc="0" normalizeH="0" baseline="0" noProof="0">
               <a:ln>
@@ -1816,11 +1902,6 @@
         </p:txBody>
       </p:sp>
     </p:spTree>
-    <p:extLst>
-      <p:ext uri="{BB962C8B-B14F-4D97-AF65-F5344CB8AC3E}">
-        <p14:creationId xmlns:p14="http://schemas.microsoft.com/office/powerpoint/2010/main" val="1068550171"/>
-      </p:ext>
-    </p:extLst>
   </p:cSld>
   <p:clrMapOvr>
     <a:masterClrMapping/>
@@ -1902,7 +1983,7 @@
     </p:spTree>
     <p:extLst>
       <p:ext uri="{BB962C8B-B14F-4D97-AF65-F5344CB8AC3E}">
-        <p14:creationId xmlns:p14="http://schemas.microsoft.com/office/powerpoint/2010/main" val="4134416410"/>
+        <p14:creationId xmlns:p14="http://schemas.microsoft.com/office/powerpoint/2010/main" val="1068550171"/>
       </p:ext>
     </p:extLst>
   </p:cSld>
@@ -1986,7 +2067,7 @@
     </p:spTree>
     <p:extLst>
       <p:ext uri="{BB962C8B-B14F-4D97-AF65-F5344CB8AC3E}">
-        <p14:creationId xmlns:p14="http://schemas.microsoft.com/office/powerpoint/2010/main" val="444848770"/>
+        <p14:creationId xmlns:p14="http://schemas.microsoft.com/office/powerpoint/2010/main" val="4134416410"/>
       </p:ext>
     </p:extLst>
   </p:cSld>
@@ -2068,6 +2149,11 @@
         </p:txBody>
       </p:sp>
     </p:spTree>
+    <p:extLst>
+      <p:ext uri="{BB962C8B-B14F-4D97-AF65-F5344CB8AC3E}">
+        <p14:creationId xmlns:p14="http://schemas.microsoft.com/office/powerpoint/2010/main" val="444848770"/>
+      </p:ext>
+    </p:extLst>
   </p:cSld>
   <p:clrMapOvr>
     <a:masterClrMapping/>
@@ -2522,6 +2608,127 @@
 </file>
 
 <file path=ppt/slideLayouts/slideLayout10.xml><?xml version="1.0" encoding="utf-8"?>
+<p:sldLayout xmlns:a="http://schemas.openxmlformats.org/drawingml/2006/main" xmlns:r="http://schemas.openxmlformats.org/officeDocument/2006/relationships" xmlns:p="http://schemas.openxmlformats.org/presentationml/2006/main" preserve="1" userDrawn="1">
+  <p:cSld name="两栏内容">
+    <p:spTree>
+      <p:nvGrpSpPr>
+        <p:cNvPr id="1" name=""/>
+        <p:cNvGrpSpPr/>
+        <p:nvPr/>
+      </p:nvGrpSpPr>
+      <p:grpSpPr>
+        <a:xfrm>
+          <a:off x="0" y="0"/>
+          <a:ext cx="0" cy="0"/>
+          <a:chOff x="0" y="0"/>
+          <a:chExt cx="0" cy="0"/>
+        </a:xfrm>
+      </p:grpSpPr>
+      <p:sp>
+        <p:nvSpPr>
+          <p:cNvPr id="8" name="图片占位符 7"/>
+          <p:cNvSpPr>
+            <a:spLocks noGrp="1"/>
+          </p:cNvSpPr>
+          <p:nvPr>
+            <p:ph type="pic" sz="quarter" idx="10"/>
+          </p:nvPr>
+        </p:nvSpPr>
+        <p:spPr>
+          <a:xfrm>
+            <a:off x="1056372" y="1676400"/>
+            <a:ext cx="2635250" cy="3111500"/>
+          </a:xfrm>
+          <a:prstGeom prst="rect">
+            <a:avLst/>
+          </a:prstGeom>
+          <a:ln w="57150">
+            <a:solidFill>
+              <a:schemeClr val="accent1"/>
+            </a:solidFill>
+          </a:ln>
+        </p:spPr>
+        <p:txBody>
+          <a:bodyPr/>
+          <a:lstStyle/>
+          <a:p>
+            <a:endParaRPr lang="zh-CN" altLang="en-US"/>
+          </a:p>
+        </p:txBody>
+      </p:sp>
+      <p:sp>
+        <p:nvSpPr>
+          <p:cNvPr id="9" name="图片占位符 7"/>
+          <p:cNvSpPr>
+            <a:spLocks noGrp="1"/>
+          </p:cNvSpPr>
+          <p:nvPr>
+            <p:ph type="pic" sz="quarter" idx="11"/>
+          </p:nvPr>
+        </p:nvSpPr>
+        <p:spPr>
+          <a:xfrm>
+            <a:off x="4759325" y="1676400"/>
+            <a:ext cx="2635250" cy="3111500"/>
+          </a:xfrm>
+          <a:prstGeom prst="rect">
+            <a:avLst/>
+          </a:prstGeom>
+          <a:ln w="57150">
+            <a:solidFill>
+              <a:schemeClr val="accent1"/>
+            </a:solidFill>
+          </a:ln>
+        </p:spPr>
+        <p:txBody>
+          <a:bodyPr/>
+          <a:lstStyle/>
+          <a:p>
+            <a:endParaRPr lang="zh-CN" altLang="en-US"/>
+          </a:p>
+        </p:txBody>
+      </p:sp>
+      <p:sp>
+        <p:nvSpPr>
+          <p:cNvPr id="10" name="图片占位符 7"/>
+          <p:cNvSpPr>
+            <a:spLocks noGrp="1"/>
+          </p:cNvSpPr>
+          <p:nvPr>
+            <p:ph type="pic" sz="quarter" idx="12"/>
+          </p:nvPr>
+        </p:nvSpPr>
+        <p:spPr>
+          <a:xfrm>
+            <a:off x="8462277" y="1676400"/>
+            <a:ext cx="2635250" cy="3111500"/>
+          </a:xfrm>
+          <a:prstGeom prst="rect">
+            <a:avLst/>
+          </a:prstGeom>
+          <a:ln w="57150">
+            <a:solidFill>
+              <a:schemeClr val="accent1"/>
+            </a:solidFill>
+          </a:ln>
+        </p:spPr>
+        <p:txBody>
+          <a:bodyPr/>
+          <a:lstStyle/>
+          <a:p>
+            <a:endParaRPr lang="zh-CN" altLang="en-US"/>
+          </a:p>
+        </p:txBody>
+      </p:sp>
+    </p:spTree>
+  </p:cSld>
+  <p:clrMapOvr>
+    <a:masterClrMapping/>
+  </p:clrMapOvr>
+</p:sldLayout>
+</file>
+
+<file path=ppt/slideLayouts/slideLayout11.xml><?xml version="1.0" encoding="utf-8"?>
 <p:sldLayout xmlns:a="http://schemas.openxmlformats.org/drawingml/2006/main" xmlns:r="http://schemas.openxmlformats.org/officeDocument/2006/relationships" xmlns:p="http://schemas.openxmlformats.org/presentationml/2006/main" preserve="1" userDrawn="1">
   <p:cSld name="比较">
     <p:spTree>
@@ -3026,7 +3233,7 @@
 </p:sldLayout>
 </file>
 
-<file path=ppt/slideLayouts/slideLayout11.xml><?xml version="1.0" encoding="utf-8"?>
+<file path=ppt/slideLayouts/slideLayout12.xml><?xml version="1.0" encoding="utf-8"?>
 <p:sldLayout xmlns:a="http://schemas.openxmlformats.org/drawingml/2006/main" xmlns:r="http://schemas.openxmlformats.org/officeDocument/2006/relationships" xmlns:p="http://schemas.openxmlformats.org/presentationml/2006/main" preserve="1" userDrawn="1">
   <p:cSld name="仅标题">
     <p:spTree>
@@ -3315,7 +3522,7 @@
 </p:sldLayout>
 </file>
 
-<file path=ppt/slideLayouts/slideLayout12.xml><?xml version="1.0" encoding="utf-8"?>
+<file path=ppt/slideLayouts/slideLayout13.xml><?xml version="1.0" encoding="utf-8"?>
 <p:sldLayout xmlns:a="http://schemas.openxmlformats.org/drawingml/2006/main" xmlns:r="http://schemas.openxmlformats.org/officeDocument/2006/relationships" xmlns:p="http://schemas.openxmlformats.org/presentationml/2006/main" type="blank" preserve="1">
   <p:cSld name="空白">
     <p:spTree>
@@ -3429,7 +3636,7 @@
 </p:sldLayout>
 </file>
 
-<file path=ppt/slideLayouts/slideLayout13.xml><?xml version="1.0" encoding="utf-8"?>
+<file path=ppt/slideLayouts/slideLayout14.xml><?xml version="1.0" encoding="utf-8"?>
 <p:sldLayout xmlns:a="http://schemas.openxmlformats.org/drawingml/2006/main" xmlns:r="http://schemas.openxmlformats.org/officeDocument/2006/relationships" xmlns:p="http://schemas.openxmlformats.org/presentationml/2006/main" userDrawn="1">
   <p:cSld name="1_标题和内容">
     <p:bg>
@@ -4343,6 +4550,68 @@
 </file>
 
 <file path=ppt/slideLayouts/slideLayout6.xml><?xml version="1.0" encoding="utf-8"?>
+<p:sldLayout xmlns:a="http://schemas.openxmlformats.org/drawingml/2006/main" xmlns:r="http://schemas.openxmlformats.org/officeDocument/2006/relationships" xmlns:p="http://schemas.openxmlformats.org/presentationml/2006/main" userDrawn="1">
+  <p:cSld name="1_标题和内容">
+    <p:spTree>
+      <p:nvGrpSpPr>
+        <p:cNvPr id="1" name=""/>
+        <p:cNvGrpSpPr/>
+        <p:nvPr/>
+      </p:nvGrpSpPr>
+      <p:grpSpPr>
+        <a:xfrm>
+          <a:off x="0" y="0"/>
+          <a:ext cx="0" cy="0"/>
+          <a:chOff x="0" y="0"/>
+          <a:chExt cx="0" cy="0"/>
+        </a:xfrm>
+      </p:grpSpPr>
+      <p:sp>
+        <p:nvSpPr>
+          <p:cNvPr id="8" name="图片占位符 7"/>
+          <p:cNvSpPr>
+            <a:spLocks noGrp="1"/>
+          </p:cNvSpPr>
+          <p:nvPr>
+            <p:ph type="pic" sz="quarter" idx="10"/>
+          </p:nvPr>
+        </p:nvSpPr>
+        <p:spPr>
+          <a:xfrm>
+            <a:off x="1435100" y="1676400"/>
+            <a:ext cx="3035300" cy="3771900"/>
+          </a:xfrm>
+          <a:prstGeom prst="rect">
+            <a:avLst/>
+          </a:prstGeom>
+          <a:ln w="57150">
+            <a:solidFill>
+              <a:schemeClr val="accent1"/>
+            </a:solidFill>
+          </a:ln>
+        </p:spPr>
+        <p:txBody>
+          <a:bodyPr/>
+          <a:lstStyle/>
+          <a:p>
+            <a:endParaRPr lang="zh-CN" altLang="en-US"/>
+          </a:p>
+        </p:txBody>
+      </p:sp>
+    </p:spTree>
+    <p:extLst>
+      <p:ext uri="{BB962C8B-B14F-4D97-AF65-F5344CB8AC3E}">
+        <p14:creationId xmlns:p14="http://schemas.microsoft.com/office/powerpoint/2010/main" val="2435981212"/>
+      </p:ext>
+    </p:extLst>
+  </p:cSld>
+  <p:clrMapOvr>
+    <a:masterClrMapping/>
+  </p:clrMapOvr>
+</p:sldLayout>
+</file>
+
+<file path=ppt/slideLayouts/slideLayout7.xml><?xml version="1.0" encoding="utf-8"?>
 <p:sldLayout xmlns:a="http://schemas.openxmlformats.org/drawingml/2006/main" xmlns:r="http://schemas.openxmlformats.org/officeDocument/2006/relationships" xmlns:p="http://schemas.openxmlformats.org/presentationml/2006/main" preserve="1" userDrawn="1">
   <p:cSld name="标题幻灯片">
     <p:spTree>
@@ -4367,7 +4636,7 @@
 </p:sldLayout>
 </file>
 
-<file path=ppt/slideLayouts/slideLayout7.xml><?xml version="1.0" encoding="utf-8"?>
+<file path=ppt/slideLayouts/slideLayout8.xml><?xml version="1.0" encoding="utf-8"?>
 <p:sldLayout xmlns:a="http://schemas.openxmlformats.org/drawingml/2006/main" xmlns:r="http://schemas.openxmlformats.org/officeDocument/2006/relationships" xmlns:p="http://schemas.openxmlformats.org/presentationml/2006/main" preserve="1" userDrawn="1">
   <p:cSld name="标题和内容">
     <p:spTree>
@@ -4424,7 +4693,7 @@
 </p:sldLayout>
 </file>
 
-<file path=ppt/slideLayouts/slideLayout8.xml><?xml version="1.0" encoding="utf-8"?>
+<file path=ppt/slideLayouts/slideLayout9.xml><?xml version="1.0" encoding="utf-8"?>
 <p:sldLayout xmlns:a="http://schemas.openxmlformats.org/drawingml/2006/main" xmlns:r="http://schemas.openxmlformats.org/officeDocument/2006/relationships" xmlns:p="http://schemas.openxmlformats.org/presentationml/2006/main" preserve="1" userDrawn="1">
   <p:cSld name="节标题">
     <p:spTree>
@@ -4487,127 +4756,6 @@
           <a:xfrm>
             <a:off x="4946650" y="3797300"/>
             <a:ext cx="5842000" cy="1651000"/>
-          </a:xfrm>
-          <a:prstGeom prst="rect">
-            <a:avLst/>
-          </a:prstGeom>
-          <a:ln w="57150">
-            <a:solidFill>
-              <a:schemeClr val="accent1"/>
-            </a:solidFill>
-          </a:ln>
-        </p:spPr>
-        <p:txBody>
-          <a:bodyPr/>
-          <a:lstStyle/>
-          <a:p>
-            <a:endParaRPr lang="zh-CN" altLang="en-US"/>
-          </a:p>
-        </p:txBody>
-      </p:sp>
-    </p:spTree>
-  </p:cSld>
-  <p:clrMapOvr>
-    <a:masterClrMapping/>
-  </p:clrMapOvr>
-</p:sldLayout>
-</file>
-
-<file path=ppt/slideLayouts/slideLayout9.xml><?xml version="1.0" encoding="utf-8"?>
-<p:sldLayout xmlns:a="http://schemas.openxmlformats.org/drawingml/2006/main" xmlns:r="http://schemas.openxmlformats.org/officeDocument/2006/relationships" xmlns:p="http://schemas.openxmlformats.org/presentationml/2006/main" preserve="1" userDrawn="1">
-  <p:cSld name="两栏内容">
-    <p:spTree>
-      <p:nvGrpSpPr>
-        <p:cNvPr id="1" name=""/>
-        <p:cNvGrpSpPr/>
-        <p:nvPr/>
-      </p:nvGrpSpPr>
-      <p:grpSpPr>
-        <a:xfrm>
-          <a:off x="0" y="0"/>
-          <a:ext cx="0" cy="0"/>
-          <a:chOff x="0" y="0"/>
-          <a:chExt cx="0" cy="0"/>
-        </a:xfrm>
-      </p:grpSpPr>
-      <p:sp>
-        <p:nvSpPr>
-          <p:cNvPr id="8" name="图片占位符 7"/>
-          <p:cNvSpPr>
-            <a:spLocks noGrp="1"/>
-          </p:cNvSpPr>
-          <p:nvPr>
-            <p:ph type="pic" sz="quarter" idx="10"/>
-          </p:nvPr>
-        </p:nvSpPr>
-        <p:spPr>
-          <a:xfrm>
-            <a:off x="1056372" y="1676400"/>
-            <a:ext cx="2635250" cy="3111500"/>
-          </a:xfrm>
-          <a:prstGeom prst="rect">
-            <a:avLst/>
-          </a:prstGeom>
-          <a:ln w="57150">
-            <a:solidFill>
-              <a:schemeClr val="accent1"/>
-            </a:solidFill>
-          </a:ln>
-        </p:spPr>
-        <p:txBody>
-          <a:bodyPr/>
-          <a:lstStyle/>
-          <a:p>
-            <a:endParaRPr lang="zh-CN" altLang="en-US"/>
-          </a:p>
-        </p:txBody>
-      </p:sp>
-      <p:sp>
-        <p:nvSpPr>
-          <p:cNvPr id="9" name="图片占位符 7"/>
-          <p:cNvSpPr>
-            <a:spLocks noGrp="1"/>
-          </p:cNvSpPr>
-          <p:nvPr>
-            <p:ph type="pic" sz="quarter" idx="11"/>
-          </p:nvPr>
-        </p:nvSpPr>
-        <p:spPr>
-          <a:xfrm>
-            <a:off x="4759325" y="1676400"/>
-            <a:ext cx="2635250" cy="3111500"/>
-          </a:xfrm>
-          <a:prstGeom prst="rect">
-            <a:avLst/>
-          </a:prstGeom>
-          <a:ln w="57150">
-            <a:solidFill>
-              <a:schemeClr val="accent1"/>
-            </a:solidFill>
-          </a:ln>
-        </p:spPr>
-        <p:txBody>
-          <a:bodyPr/>
-          <a:lstStyle/>
-          <a:p>
-            <a:endParaRPr lang="zh-CN" altLang="en-US"/>
-          </a:p>
-        </p:txBody>
-      </p:sp>
-      <p:sp>
-        <p:nvSpPr>
-          <p:cNvPr id="10" name="图片占位符 7"/>
-          <p:cNvSpPr>
-            <a:spLocks noGrp="1"/>
-          </p:cNvSpPr>
-          <p:nvPr>
-            <p:ph type="pic" sz="quarter" idx="12"/>
-          </p:nvPr>
-        </p:nvSpPr>
-        <p:spPr>
-          <a:xfrm>
-            <a:off x="8462277" y="1676400"/>
-            <a:ext cx="2635250" cy="3111500"/>
           </a:xfrm>
           <a:prstGeom prst="rect">
             <a:avLst/>
@@ -4877,6 +5025,7 @@
     <p:sldLayoutId id="2147483651" r:id="rId3"/>
     <p:sldLayoutId id="2147483652" r:id="rId4"/>
     <p:sldLayoutId id="2147483662" r:id="rId5"/>
+    <p:sldLayoutId id="2147483663" r:id="rId6"/>
   </p:sldLayoutIdLst>
   <p:txStyles>
     <p:titleStyle>
@@ -6159,6 +6308,784 @@
       </p:grpSpPr>
       <p:sp>
         <p:nvSpPr>
+          <p:cNvPr id="2" name="文本框 1"/>
+          <p:cNvSpPr txBox="1"/>
+          <p:nvPr/>
+        </p:nvSpPr>
+        <p:spPr>
+          <a:xfrm>
+            <a:off x="823449" y="135317"/>
+            <a:ext cx="6632661" cy="678519"/>
+          </a:xfrm>
+          <a:prstGeom prst="rect">
+            <a:avLst/>
+          </a:prstGeom>
+          <a:noFill/>
+        </p:spPr>
+        <p:txBody>
+          <a:bodyPr wrap="square" rtlCol="0">
+            <a:spAutoFit/>
+          </a:bodyPr>
+          <a:lstStyle/>
+          <a:p>
+            <a:pPr>
+              <a:lnSpc>
+                <a:spcPct val="130000"/>
+              </a:lnSpc>
+            </a:pPr>
+            <a:r>
+              <a:rPr lang="zh-CN" altLang="en-US" sz="3200" b="1" dirty="0">
+                <a:ea typeface="微软雅黑" panose="020B0503020204020204" pitchFamily="34" charset="-122"/>
+              </a:rPr>
+              <a:t>方法</a:t>
+            </a:r>
+          </a:p>
+        </p:txBody>
+      </p:sp>
+      <p:grpSp>
+        <p:nvGrpSpPr>
+          <p:cNvPr id="16" name="组合 15"/>
+          <p:cNvGrpSpPr/>
+          <p:nvPr/>
+        </p:nvGrpSpPr>
+        <p:grpSpPr>
+          <a:xfrm>
+            <a:off x="1767840" y="1088225"/>
+            <a:ext cx="8643620" cy="5087949"/>
+            <a:chOff x="1275080" y="1299308"/>
+            <a:chExt cx="9443338" cy="5558692"/>
+          </a:xfrm>
+        </p:grpSpPr>
+        <p:grpSp>
+          <p:nvGrpSpPr>
+            <p:cNvPr id="6" name="组合 5"/>
+            <p:cNvGrpSpPr/>
+            <p:nvPr/>
+          </p:nvGrpSpPr>
+          <p:grpSpPr>
+            <a:xfrm>
+              <a:off x="1275080" y="1299308"/>
+              <a:ext cx="9443338" cy="1638300"/>
+              <a:chOff x="1275080" y="1299308"/>
+              <a:chExt cx="9443338" cy="1638300"/>
+            </a:xfrm>
+          </p:grpSpPr>
+          <p:sp>
+            <p:nvSpPr>
+              <p:cNvPr id="3" name="矩形: 圆角 2"/>
+              <p:cNvSpPr/>
+              <p:nvPr/>
+            </p:nvSpPr>
+            <p:spPr>
+              <a:xfrm rot="5400000" flipV="1">
+                <a:off x="5396230" y="-2503960"/>
+                <a:ext cx="1399540" cy="9244836"/>
+              </a:xfrm>
+              <a:prstGeom prst="roundRect">
+                <a:avLst>
+                  <a:gd name="adj" fmla="val 2148"/>
+                </a:avLst>
+              </a:prstGeom>
+              <a:solidFill>
+                <a:schemeClr val="bg1"/>
+              </a:solidFill>
+              <a:ln>
+                <a:noFill/>
+              </a:ln>
+              <a:effectLst>
+                <a:outerShdw blurRad="381000" algn="ctr" rotWithShape="0">
+                  <a:prstClr val="black">
+                    <a:alpha val="20000"/>
+                  </a:prstClr>
+                </a:outerShdw>
+              </a:effectLst>
+            </p:spPr>
+            <p:style>
+              <a:lnRef idx="2">
+                <a:schemeClr val="accent1">
+                  <a:shade val="50000"/>
+                </a:schemeClr>
+              </a:lnRef>
+              <a:fillRef idx="1">
+                <a:schemeClr val="accent1"/>
+              </a:fillRef>
+              <a:effectRef idx="0">
+                <a:schemeClr val="accent1"/>
+              </a:effectRef>
+              <a:fontRef idx="minor">
+                <a:schemeClr val="lt1"/>
+              </a:fontRef>
+            </p:style>
+            <p:txBody>
+              <a:bodyPr rtlCol="0" anchor="ctr"/>
+              <a:lstStyle/>
+              <a:p>
+                <a:pPr algn="ctr"/>
+                <a:endParaRPr lang="zh-CN" altLang="en-US">
+                  <a:ea typeface="微软雅黑" panose="020B0503020204020204" pitchFamily="34" charset="-122"/>
+                </a:endParaRPr>
+              </a:p>
+            </p:txBody>
+          </p:sp>
+          <p:sp>
+            <p:nvSpPr>
+              <p:cNvPr id="5" name="流程图: 离页连接符 4"/>
+              <p:cNvSpPr/>
+              <p:nvPr/>
+            </p:nvSpPr>
+            <p:spPr>
+              <a:xfrm rot="16200000">
+                <a:off x="758190" y="1816198"/>
+                <a:ext cx="1638300" cy="604520"/>
+              </a:xfrm>
+              <a:prstGeom prst="flowChartOffpageConnector">
+                <a:avLst/>
+              </a:prstGeom>
+              <a:solidFill>
+                <a:schemeClr val="accent1"/>
+              </a:solidFill>
+            </p:spPr>
+            <p:style>
+              <a:lnRef idx="2">
+                <a:schemeClr val="accent1">
+                  <a:shade val="50000"/>
+                </a:schemeClr>
+              </a:lnRef>
+              <a:fillRef idx="1">
+                <a:schemeClr val="accent1"/>
+              </a:fillRef>
+              <a:effectRef idx="0">
+                <a:schemeClr val="accent1"/>
+              </a:effectRef>
+              <a:fontRef idx="minor">
+                <a:schemeClr val="lt1"/>
+              </a:fontRef>
+            </p:style>
+            <p:txBody>
+              <a:bodyPr rtlCol="0" anchor="ctr"/>
+              <a:lstStyle/>
+              <a:p>
+                <a:pPr algn="ctr"/>
+                <a:endParaRPr lang="zh-CN" altLang="en-US" sz="3600" b="1" dirty="0">
+                  <a:ea typeface="微软雅黑" panose="020B0503020204020204" pitchFamily="34" charset="-122"/>
+                </a:endParaRPr>
+              </a:p>
+            </p:txBody>
+          </p:sp>
+        </p:grpSp>
+        <p:grpSp>
+          <p:nvGrpSpPr>
+            <p:cNvPr id="7" name="组合 6"/>
+            <p:cNvGrpSpPr/>
+            <p:nvPr/>
+          </p:nvGrpSpPr>
+          <p:grpSpPr>
+            <a:xfrm>
+              <a:off x="1275080" y="3259504"/>
+              <a:ext cx="9443338" cy="1638300"/>
+              <a:chOff x="1275080" y="1299308"/>
+              <a:chExt cx="9443338" cy="1638300"/>
+            </a:xfrm>
+          </p:grpSpPr>
+          <p:sp>
+            <p:nvSpPr>
+              <p:cNvPr id="8" name="矩形: 圆角 7"/>
+              <p:cNvSpPr/>
+              <p:nvPr/>
+            </p:nvSpPr>
+            <p:spPr>
+              <a:xfrm rot="5400000" flipV="1">
+                <a:off x="5396230" y="-2503960"/>
+                <a:ext cx="1399540" cy="9244836"/>
+              </a:xfrm>
+              <a:prstGeom prst="roundRect">
+                <a:avLst>
+                  <a:gd name="adj" fmla="val 2148"/>
+                </a:avLst>
+              </a:prstGeom>
+              <a:solidFill>
+                <a:schemeClr val="bg1"/>
+              </a:solidFill>
+              <a:ln>
+                <a:noFill/>
+              </a:ln>
+              <a:effectLst>
+                <a:outerShdw blurRad="381000" algn="ctr" rotWithShape="0">
+                  <a:prstClr val="black">
+                    <a:alpha val="20000"/>
+                  </a:prstClr>
+                </a:outerShdw>
+              </a:effectLst>
+            </p:spPr>
+            <p:style>
+              <a:lnRef idx="2">
+                <a:schemeClr val="accent1">
+                  <a:shade val="50000"/>
+                </a:schemeClr>
+              </a:lnRef>
+              <a:fillRef idx="1">
+                <a:schemeClr val="accent1"/>
+              </a:fillRef>
+              <a:effectRef idx="0">
+                <a:schemeClr val="accent1"/>
+              </a:effectRef>
+              <a:fontRef idx="minor">
+                <a:schemeClr val="lt1"/>
+              </a:fontRef>
+            </p:style>
+            <p:txBody>
+              <a:bodyPr rtlCol="0" anchor="ctr"/>
+              <a:lstStyle/>
+              <a:p>
+                <a:pPr algn="ctr"/>
+                <a:endParaRPr lang="zh-CN" altLang="en-US" dirty="0">
+                  <a:ea typeface="微软雅黑" panose="020B0503020204020204" pitchFamily="34" charset="-122"/>
+                </a:endParaRPr>
+              </a:p>
+            </p:txBody>
+          </p:sp>
+          <p:sp>
+            <p:nvSpPr>
+              <p:cNvPr id="9" name="流程图: 离页连接符 8"/>
+              <p:cNvSpPr/>
+              <p:nvPr/>
+            </p:nvSpPr>
+            <p:spPr>
+              <a:xfrm rot="16200000">
+                <a:off x="758190" y="1816198"/>
+                <a:ext cx="1638300" cy="604520"/>
+              </a:xfrm>
+              <a:prstGeom prst="flowChartOffpageConnector">
+                <a:avLst/>
+              </a:prstGeom>
+              <a:solidFill>
+                <a:schemeClr val="accent1"/>
+              </a:solidFill>
+            </p:spPr>
+            <p:style>
+              <a:lnRef idx="2">
+                <a:schemeClr val="accent1">
+                  <a:shade val="50000"/>
+                </a:schemeClr>
+              </a:lnRef>
+              <a:fillRef idx="1">
+                <a:schemeClr val="accent1"/>
+              </a:fillRef>
+              <a:effectRef idx="0">
+                <a:schemeClr val="accent1"/>
+              </a:effectRef>
+              <a:fontRef idx="minor">
+                <a:schemeClr val="lt1"/>
+              </a:fontRef>
+            </p:style>
+            <p:txBody>
+              <a:bodyPr rtlCol="0" anchor="ctr"/>
+              <a:lstStyle/>
+              <a:p>
+                <a:pPr algn="ctr"/>
+                <a:endParaRPr lang="zh-CN" altLang="en-US" sz="3600" b="1" dirty="0">
+                  <a:ea typeface="微软雅黑" panose="020B0503020204020204" pitchFamily="34" charset="-122"/>
+                </a:endParaRPr>
+              </a:p>
+            </p:txBody>
+          </p:sp>
+        </p:grpSp>
+        <p:grpSp>
+          <p:nvGrpSpPr>
+            <p:cNvPr id="13" name="组合 12"/>
+            <p:cNvGrpSpPr/>
+            <p:nvPr/>
+          </p:nvGrpSpPr>
+          <p:grpSpPr>
+            <a:xfrm>
+              <a:off x="1275080" y="5219700"/>
+              <a:ext cx="9443338" cy="1638300"/>
+              <a:chOff x="1275080" y="1299308"/>
+              <a:chExt cx="9443338" cy="1638300"/>
+            </a:xfrm>
+          </p:grpSpPr>
+          <p:sp>
+            <p:nvSpPr>
+              <p:cNvPr id="14" name="矩形: 圆角 13"/>
+              <p:cNvSpPr/>
+              <p:nvPr/>
+            </p:nvSpPr>
+            <p:spPr>
+              <a:xfrm rot="5400000" flipV="1">
+                <a:off x="5396230" y="-2503960"/>
+                <a:ext cx="1399540" cy="9244836"/>
+              </a:xfrm>
+              <a:prstGeom prst="roundRect">
+                <a:avLst>
+                  <a:gd name="adj" fmla="val 2148"/>
+                </a:avLst>
+              </a:prstGeom>
+              <a:solidFill>
+                <a:schemeClr val="bg1"/>
+              </a:solidFill>
+              <a:ln>
+                <a:noFill/>
+              </a:ln>
+              <a:effectLst>
+                <a:outerShdw blurRad="381000" algn="ctr" rotWithShape="0">
+                  <a:prstClr val="black">
+                    <a:alpha val="20000"/>
+                  </a:prstClr>
+                </a:outerShdw>
+              </a:effectLst>
+            </p:spPr>
+            <p:style>
+              <a:lnRef idx="2">
+                <a:schemeClr val="accent1">
+                  <a:shade val="50000"/>
+                </a:schemeClr>
+              </a:lnRef>
+              <a:fillRef idx="1">
+                <a:schemeClr val="accent1"/>
+              </a:fillRef>
+              <a:effectRef idx="0">
+                <a:schemeClr val="accent1"/>
+              </a:effectRef>
+              <a:fontRef idx="minor">
+                <a:schemeClr val="lt1"/>
+              </a:fontRef>
+            </p:style>
+            <p:txBody>
+              <a:bodyPr rtlCol="0" anchor="ctr"/>
+              <a:lstStyle/>
+              <a:p>
+                <a:pPr algn="ctr"/>
+                <a:endParaRPr lang="zh-CN" altLang="en-US">
+                  <a:ea typeface="微软雅黑" panose="020B0503020204020204" pitchFamily="34" charset="-122"/>
+                </a:endParaRPr>
+              </a:p>
+            </p:txBody>
+          </p:sp>
+          <p:sp>
+            <p:nvSpPr>
+              <p:cNvPr id="15" name="流程图: 离页连接符 14"/>
+              <p:cNvSpPr/>
+              <p:nvPr/>
+            </p:nvSpPr>
+            <p:spPr>
+              <a:xfrm rot="16200000">
+                <a:off x="758190" y="1816198"/>
+                <a:ext cx="1638300" cy="604520"/>
+              </a:xfrm>
+              <a:prstGeom prst="flowChartOffpageConnector">
+                <a:avLst/>
+              </a:prstGeom>
+              <a:solidFill>
+                <a:schemeClr val="accent1"/>
+              </a:solidFill>
+            </p:spPr>
+            <p:style>
+              <a:lnRef idx="2">
+                <a:schemeClr val="accent1">
+                  <a:shade val="50000"/>
+                </a:schemeClr>
+              </a:lnRef>
+              <a:fillRef idx="1">
+                <a:schemeClr val="accent1"/>
+              </a:fillRef>
+              <a:effectRef idx="0">
+                <a:schemeClr val="accent1"/>
+              </a:effectRef>
+              <a:fontRef idx="minor">
+                <a:schemeClr val="lt1"/>
+              </a:fontRef>
+            </p:style>
+            <p:txBody>
+              <a:bodyPr rtlCol="0" anchor="ctr"/>
+              <a:lstStyle/>
+              <a:p>
+                <a:pPr algn="ctr"/>
+                <a:endParaRPr lang="zh-CN" altLang="en-US" sz="3600" b="1" dirty="0">
+                  <a:ea typeface="微软雅黑" panose="020B0503020204020204" pitchFamily="34" charset="-122"/>
+                </a:endParaRPr>
+              </a:p>
+            </p:txBody>
+          </p:sp>
+        </p:grpSp>
+      </p:grpSp>
+      <p:grpSp>
+        <p:nvGrpSpPr>
+          <p:cNvPr id="25" name="组合 24"/>
+          <p:cNvGrpSpPr/>
+          <p:nvPr/>
+        </p:nvGrpSpPr>
+        <p:grpSpPr>
+          <a:xfrm>
+            <a:off x="2502858" y="1380539"/>
+            <a:ext cx="7908603" cy="913327"/>
+            <a:chOff x="2502858" y="1380539"/>
+            <a:chExt cx="7908603" cy="913327"/>
+          </a:xfrm>
+        </p:grpSpPr>
+        <p:sp>
+          <p:nvSpPr>
+            <p:cNvPr id="17" name="矩形 16"/>
+            <p:cNvSpPr/>
+            <p:nvPr/>
+          </p:nvSpPr>
+          <p:spPr>
+            <a:xfrm>
+              <a:off x="4333017" y="1380539"/>
+              <a:ext cx="6078444" cy="913327"/>
+            </a:xfrm>
+            <a:prstGeom prst="rect">
+              <a:avLst/>
+            </a:prstGeom>
+          </p:spPr>
+          <p:txBody>
+            <a:bodyPr wrap="square">
+              <a:spAutoFit/>
+            </a:bodyPr>
+            <a:lstStyle/>
+            <a:p>
+              <a:pPr>
+                <a:lnSpc>
+                  <a:spcPct val="140000"/>
+                </a:lnSpc>
+              </a:pPr>
+              <a:r>
+                <a:rPr lang="zh-CN" altLang="en-US" sz="2000" dirty="0">
+                  <a:ea typeface="微软雅黑" panose="020B0503020204020204" pitchFamily="34" charset="-122"/>
+                </a:rPr>
+                <a:t>通过使用</a:t>
+              </a:r>
+              <a:r>
+                <a:rPr lang="en-US" altLang="zh-CN" sz="2000" dirty="0">
+                  <a:ea typeface="微软雅黑" panose="020B0503020204020204" pitchFamily="34" charset="-122"/>
+                </a:rPr>
+                <a:t>D3.js</a:t>
+              </a:r>
+              <a:r>
+                <a:rPr lang="zh-CN" altLang="en-US" sz="2000" dirty="0">
+                  <a:ea typeface="微软雅黑" panose="020B0503020204020204" pitchFamily="34" charset="-122"/>
+                </a:rPr>
+                <a:t>库实现了对</a:t>
+              </a:r>
+              <a:r>
+                <a:rPr lang="en-US" altLang="zh-CN" sz="2000" dirty="0">
+                  <a:ea typeface="微软雅黑" panose="020B0503020204020204" pitchFamily="34" charset="-122"/>
+                </a:rPr>
+                <a:t>Neo4j</a:t>
+              </a:r>
+              <a:r>
+                <a:rPr lang="zh-CN" altLang="en-US" sz="2000" dirty="0">
+                  <a:ea typeface="微软雅黑" panose="020B0503020204020204" pitchFamily="34" charset="-122"/>
+                </a:rPr>
+                <a:t>图数据库中数据的查询和可视化展示。</a:t>
+              </a:r>
+            </a:p>
+          </p:txBody>
+        </p:sp>
+        <p:sp>
+          <p:nvSpPr>
+            <p:cNvPr id="18" name="文本框 17"/>
+            <p:cNvSpPr txBox="1"/>
+            <p:nvPr/>
+          </p:nvSpPr>
+          <p:spPr>
+            <a:xfrm>
+              <a:off x="2502858" y="1607171"/>
+              <a:ext cx="2204427" cy="461665"/>
+            </a:xfrm>
+            <a:prstGeom prst="rect">
+              <a:avLst/>
+            </a:prstGeom>
+            <a:noFill/>
+          </p:spPr>
+          <p:txBody>
+            <a:bodyPr wrap="square" rtlCol="0">
+              <a:spAutoFit/>
+            </a:bodyPr>
+            <a:lstStyle/>
+            <a:p>
+              <a:r>
+                <a:rPr lang="zh-CN" altLang="en-US" sz="2400" b="1" spc="200" dirty="0">
+                  <a:solidFill>
+                    <a:schemeClr val="tx2">
+                      <a:lumMod val="50000"/>
+                    </a:schemeClr>
+                  </a:solidFill>
+                  <a:ea typeface="微软雅黑" panose="020B0503020204020204" pitchFamily="34" charset="-122"/>
+                </a:rPr>
+                <a:t>前端</a:t>
+              </a:r>
+              <a:r>
+                <a:rPr lang="zh-CN" altLang="en-US" sz="2400" spc="100" dirty="0">
+                  <a:solidFill>
+                    <a:schemeClr val="accent4"/>
+                  </a:solidFill>
+                  <a:ea typeface="微软雅黑" panose="020B0503020204020204" pitchFamily="34" charset="-122"/>
+                </a:rPr>
+                <a:t></a:t>
+              </a:r>
+              <a:endParaRPr lang="zh-CN" altLang="en-US" sz="2400" b="1" spc="200" dirty="0">
+                <a:solidFill>
+                  <a:schemeClr val="accent4"/>
+                </a:solidFill>
+                <a:ea typeface="微软雅黑" panose="020B0503020204020204" pitchFamily="34" charset="-122"/>
+              </a:endParaRPr>
+            </a:p>
+          </p:txBody>
+        </p:sp>
+      </p:grpSp>
+      <p:grpSp>
+        <p:nvGrpSpPr>
+          <p:cNvPr id="21" name="组合 20"/>
+          <p:cNvGrpSpPr/>
+          <p:nvPr/>
+        </p:nvGrpSpPr>
+        <p:grpSpPr>
+          <a:xfrm>
+            <a:off x="2502859" y="4969730"/>
+            <a:ext cx="7908602" cy="913327"/>
+            <a:chOff x="2515559" y="4969730"/>
+            <a:chExt cx="7908602" cy="913327"/>
+          </a:xfrm>
+        </p:grpSpPr>
+        <p:sp>
+          <p:nvSpPr>
+            <p:cNvPr id="19" name="矩形 18"/>
+            <p:cNvSpPr/>
+            <p:nvPr/>
+          </p:nvSpPr>
+          <p:spPr>
+            <a:xfrm>
+              <a:off x="4345717" y="4969730"/>
+              <a:ext cx="6078444" cy="913327"/>
+            </a:xfrm>
+            <a:prstGeom prst="rect">
+              <a:avLst/>
+            </a:prstGeom>
+          </p:spPr>
+          <p:txBody>
+            <a:bodyPr wrap="square">
+              <a:spAutoFit/>
+            </a:bodyPr>
+            <a:lstStyle/>
+            <a:p>
+              <a:pPr>
+                <a:lnSpc>
+                  <a:spcPct val="140000"/>
+                </a:lnSpc>
+              </a:pPr>
+              <a:r>
+                <a:rPr lang="zh-CN" altLang="en-US" sz="2000" dirty="0">
+                  <a:ea typeface="微软雅黑" panose="020B0503020204020204" pitchFamily="34" charset="-122"/>
+                </a:rPr>
+                <a:t>使用</a:t>
+              </a:r>
+              <a:r>
+                <a:rPr lang="en-US" altLang="zh-CN" sz="2000" dirty="0">
+                  <a:ea typeface="微软雅黑" panose="020B0503020204020204" pitchFamily="34" charset="-122"/>
+                </a:rPr>
+                <a:t>neo4j</a:t>
+              </a:r>
+              <a:r>
+                <a:rPr lang="zh-CN" altLang="en-US" sz="2000" dirty="0">
+                  <a:ea typeface="微软雅黑" panose="020B0503020204020204" pitchFamily="34" charset="-122"/>
+                </a:rPr>
+                <a:t>构建图数据库，数据为经过处理的爬虫得到的数据。</a:t>
+              </a:r>
+            </a:p>
+          </p:txBody>
+        </p:sp>
+        <p:sp>
+          <p:nvSpPr>
+            <p:cNvPr id="20" name="文本框 19"/>
+            <p:cNvSpPr txBox="1"/>
+            <p:nvPr/>
+          </p:nvSpPr>
+          <p:spPr>
+            <a:xfrm>
+              <a:off x="2515559" y="5198841"/>
+              <a:ext cx="2204427" cy="461665"/>
+            </a:xfrm>
+            <a:prstGeom prst="rect">
+              <a:avLst/>
+            </a:prstGeom>
+            <a:noFill/>
+          </p:spPr>
+          <p:txBody>
+            <a:bodyPr wrap="square" rtlCol="0">
+              <a:spAutoFit/>
+            </a:bodyPr>
+            <a:lstStyle/>
+            <a:p>
+              <a:r>
+                <a:rPr lang="zh-CN" altLang="en-US" sz="2400" b="1" spc="200" dirty="0">
+                  <a:solidFill>
+                    <a:schemeClr val="tx2">
+                      <a:lumMod val="50000"/>
+                    </a:schemeClr>
+                  </a:solidFill>
+                  <a:ea typeface="微软雅黑" panose="020B0503020204020204" pitchFamily="34" charset="-122"/>
+                </a:rPr>
+                <a:t>数据库</a:t>
+              </a:r>
+              <a:r>
+                <a:rPr lang="zh-CN" altLang="en-US" sz="2400" spc="100" dirty="0">
+                  <a:solidFill>
+                    <a:schemeClr val="accent4"/>
+                  </a:solidFill>
+                  <a:ea typeface="微软雅黑" panose="020B0503020204020204" pitchFamily="34" charset="-122"/>
+                </a:rPr>
+                <a:t></a:t>
+              </a:r>
+              <a:endParaRPr lang="zh-CN" altLang="en-US" sz="2400" b="1" spc="200" dirty="0">
+                <a:solidFill>
+                  <a:schemeClr val="accent4"/>
+                </a:solidFill>
+                <a:ea typeface="微软雅黑" panose="020B0503020204020204" pitchFamily="34" charset="-122"/>
+              </a:endParaRPr>
+            </a:p>
+          </p:txBody>
+        </p:sp>
+      </p:grpSp>
+      <p:grpSp>
+        <p:nvGrpSpPr>
+          <p:cNvPr id="22" name="组合 21"/>
+          <p:cNvGrpSpPr/>
+          <p:nvPr/>
+        </p:nvGrpSpPr>
+        <p:grpSpPr>
+          <a:xfrm>
+            <a:off x="2502858" y="3174734"/>
+            <a:ext cx="7908603" cy="913327"/>
+            <a:chOff x="2515558" y="5012294"/>
+            <a:chExt cx="7908603" cy="913327"/>
+          </a:xfrm>
+        </p:grpSpPr>
+        <p:sp>
+          <p:nvSpPr>
+            <p:cNvPr id="23" name="矩形 22"/>
+            <p:cNvSpPr/>
+            <p:nvPr/>
+          </p:nvSpPr>
+          <p:spPr>
+            <a:xfrm>
+              <a:off x="4345717" y="5012294"/>
+              <a:ext cx="6078444" cy="913327"/>
+            </a:xfrm>
+            <a:prstGeom prst="rect">
+              <a:avLst/>
+            </a:prstGeom>
+          </p:spPr>
+          <p:txBody>
+            <a:bodyPr wrap="square">
+              <a:spAutoFit/>
+            </a:bodyPr>
+            <a:lstStyle/>
+            <a:p>
+              <a:pPr>
+                <a:lnSpc>
+                  <a:spcPct val="140000"/>
+                </a:lnSpc>
+              </a:pPr>
+              <a:r>
+                <a:rPr lang="zh-CN" altLang="en-US" sz="2000" dirty="0">
+                  <a:ea typeface="微软雅黑" panose="020B0503020204020204" pitchFamily="34" charset="-122"/>
+                </a:rPr>
+                <a:t>使用</a:t>
+              </a:r>
+              <a:r>
+                <a:rPr lang="en-US" altLang="zh-CN" sz="2000" dirty="0">
+                  <a:ea typeface="微软雅黑" panose="020B0503020204020204" pitchFamily="34" charset="-122"/>
+                </a:rPr>
+                <a:t>Python</a:t>
+              </a:r>
+              <a:r>
+                <a:rPr lang="zh-CN" altLang="en-US" sz="2000" dirty="0">
+                  <a:ea typeface="微软雅黑" panose="020B0503020204020204" pitchFamily="34" charset="-122"/>
+                </a:rPr>
+                <a:t>经行实体识别，再通过问题向模板的映射，生成图数据库查询语句查答案，最后生成答案返回。</a:t>
+              </a:r>
+            </a:p>
+          </p:txBody>
+        </p:sp>
+        <p:sp>
+          <p:nvSpPr>
+            <p:cNvPr id="24" name="文本框 23"/>
+            <p:cNvSpPr txBox="1"/>
+            <p:nvPr/>
+          </p:nvSpPr>
+          <p:spPr>
+            <a:xfrm>
+              <a:off x="2515558" y="5238926"/>
+              <a:ext cx="2204427" cy="461665"/>
+            </a:xfrm>
+            <a:prstGeom prst="rect">
+              <a:avLst/>
+            </a:prstGeom>
+            <a:noFill/>
+          </p:spPr>
+          <p:txBody>
+            <a:bodyPr wrap="square" rtlCol="0">
+              <a:spAutoFit/>
+            </a:bodyPr>
+            <a:lstStyle/>
+            <a:p>
+              <a:r>
+                <a:rPr lang="zh-CN" altLang="en-US" sz="2400" b="1" spc="200" dirty="0">
+                  <a:solidFill>
+                    <a:schemeClr val="tx2">
+                      <a:lumMod val="50000"/>
+                    </a:schemeClr>
+                  </a:solidFill>
+                  <a:ea typeface="微软雅黑" panose="020B0503020204020204" pitchFamily="34" charset="-122"/>
+                </a:rPr>
+                <a:t>后端</a:t>
+              </a:r>
+              <a:r>
+                <a:rPr lang="zh-CN" altLang="en-US" sz="2400" spc="100" dirty="0">
+                  <a:solidFill>
+                    <a:schemeClr val="accent4"/>
+                  </a:solidFill>
+                  <a:ea typeface="微软雅黑" panose="020B0503020204020204" pitchFamily="34" charset="-122"/>
+                </a:rPr>
+                <a:t></a:t>
+              </a:r>
+              <a:endParaRPr lang="zh-CN" altLang="en-US" sz="2400" b="1" spc="200" dirty="0">
+                <a:solidFill>
+                  <a:schemeClr val="accent4"/>
+                </a:solidFill>
+                <a:ea typeface="微软雅黑" panose="020B0503020204020204" pitchFamily="34" charset="-122"/>
+              </a:endParaRPr>
+            </a:p>
+          </p:txBody>
+        </p:sp>
+      </p:grpSp>
+    </p:spTree>
+  </p:cSld>
+  <p:clrMapOvr>
+    <a:masterClrMapping/>
+  </p:clrMapOvr>
+</p:sld>
+</file>
+
+<file path=ppt/slides/slide11.xml><?xml version="1.0" encoding="utf-8"?>
+<p:sld xmlns:a="http://schemas.openxmlformats.org/drawingml/2006/main" xmlns:r="http://schemas.openxmlformats.org/officeDocument/2006/relationships" xmlns:p="http://schemas.openxmlformats.org/presentationml/2006/main">
+  <p:cSld>
+    <p:spTree>
+      <p:nvGrpSpPr>
+        <p:cNvPr id="1" name=""/>
+        <p:cNvGrpSpPr/>
+        <p:nvPr/>
+      </p:nvGrpSpPr>
+      <p:grpSpPr>
+        <a:xfrm>
+          <a:off x="0" y="0"/>
+          <a:ext cx="0" cy="0"/>
+          <a:chOff x="0" y="0"/>
+          <a:chExt cx="0" cy="0"/>
+        </a:xfrm>
+      </p:grpSpPr>
+      <p:sp>
+        <p:nvSpPr>
           <p:cNvPr id="6" name="矩形: 圆角 5"/>
           <p:cNvSpPr/>
           <p:nvPr/>
@@ -6488,7 +7415,7 @@
 </p:sld>
 </file>
 
-<file path=ppt/slides/slide11.xml><?xml version="1.0" encoding="utf-8"?>
+<file path=ppt/slides/slide12.xml><?xml version="1.0" encoding="utf-8"?>
 <p:sld xmlns:a="http://schemas.openxmlformats.org/drawingml/2006/main" xmlns:r="http://schemas.openxmlformats.org/officeDocument/2006/relationships" xmlns:p="http://schemas.openxmlformats.org/presentationml/2006/main">
   <p:cSld>
     <p:spTree>
@@ -8350,7 +9277,7 @@
 </p:sld>
 </file>
 
-<file path=ppt/slides/slide12.xml><?xml version="1.0" encoding="utf-8"?>
+<file path=ppt/slides/slide13.xml><?xml version="1.0" encoding="utf-8"?>
 <p:sld xmlns:a="http://schemas.openxmlformats.org/drawingml/2006/main" xmlns:r="http://schemas.openxmlformats.org/officeDocument/2006/relationships" xmlns:p="http://schemas.openxmlformats.org/presentationml/2006/main">
   <p:cSld>
     <p:spTree>
@@ -10227,7 +11154,7 @@
 </p:sld>
 </file>
 
-<file path=ppt/slides/slide13.xml><?xml version="1.0" encoding="utf-8"?>
+<file path=ppt/slides/slide14.xml><?xml version="1.0" encoding="utf-8"?>
 <p:sld xmlns:a="http://schemas.openxmlformats.org/drawingml/2006/main" xmlns:r="http://schemas.openxmlformats.org/officeDocument/2006/relationships" xmlns:p="http://schemas.openxmlformats.org/presentationml/2006/main">
   <p:cSld>
     <p:spTree>
@@ -10545,7 +11472,7 @@
 </p:sld>
 </file>
 
-<file path=ppt/slides/slide14.xml><?xml version="1.0" encoding="utf-8"?>
+<file path=ppt/slides/slide15.xml><?xml version="1.0" encoding="utf-8"?>
 <p:sld xmlns:a="http://schemas.openxmlformats.org/drawingml/2006/main" xmlns:r="http://schemas.openxmlformats.org/officeDocument/2006/relationships" xmlns:p="http://schemas.openxmlformats.org/presentationml/2006/main">
   <p:cSld>
     <p:spTree>
@@ -10801,7 +11728,7 @@
 </p:sld>
 </file>
 
-<file path=ppt/slides/slide15.xml><?xml version="1.0" encoding="utf-8"?>
+<file path=ppt/slides/slide16.xml><?xml version="1.0" encoding="utf-8"?>
 <p:sld xmlns:a="http://schemas.openxmlformats.org/drawingml/2006/main" xmlns:r="http://schemas.openxmlformats.org/officeDocument/2006/relationships" xmlns:p="http://schemas.openxmlformats.org/presentationml/2006/main">
   <p:cSld>
     <p:spTree>
@@ -12832,7 +13759,7 @@
 </p:sld>
 </file>
 
-<file path=ppt/slides/slide16.xml><?xml version="1.0" encoding="utf-8"?>
+<file path=ppt/slides/slide17.xml><?xml version="1.0" encoding="utf-8"?>
 <p:sld xmlns:a="http://schemas.openxmlformats.org/drawingml/2006/main" xmlns:r="http://schemas.openxmlformats.org/officeDocument/2006/relationships" xmlns:p="http://schemas.openxmlformats.org/presentationml/2006/main">
   <p:cSld>
     <p:spTree>
@@ -12987,7 +13914,7 @@
 </p:sld>
 </file>
 
-<file path=ppt/slides/slide17.xml><?xml version="1.0" encoding="utf-8"?>
+<file path=ppt/slides/slide18.xml><?xml version="1.0" encoding="utf-8"?>
 <p:sld xmlns:a="http://schemas.openxmlformats.org/drawingml/2006/main" xmlns:r="http://schemas.openxmlformats.org/officeDocument/2006/relationships" xmlns:p="http://schemas.openxmlformats.org/presentationml/2006/main">
   <p:cSld>
     <p:spTree>
@@ -13112,7 +14039,7 @@
 </p:sld>
 </file>
 
-<file path=ppt/slides/slide18.xml><?xml version="1.0" encoding="utf-8"?>
+<file path=ppt/slides/slide19.xml><?xml version="1.0" encoding="utf-8"?>
 <p:sld xmlns:a="http://schemas.openxmlformats.org/drawingml/2006/main" xmlns:r="http://schemas.openxmlformats.org/officeDocument/2006/relationships" xmlns:p="http://schemas.openxmlformats.org/presentationml/2006/main">
   <p:cSld>
     <p:spTree>
@@ -13228,7 +14155,2086 @@
 </p:sld>
 </file>
 
-<file path=ppt/slides/slide19.xml><?xml version="1.0" encoding="utf-8"?>
+<file path=ppt/slides/slide2.xml><?xml version="1.0" encoding="utf-8"?>
+<p:sld xmlns:a="http://schemas.openxmlformats.org/drawingml/2006/main" xmlns:r="http://schemas.openxmlformats.org/officeDocument/2006/relationships" xmlns:p="http://schemas.openxmlformats.org/presentationml/2006/main">
+  <p:cSld>
+    <p:spTree>
+      <p:nvGrpSpPr>
+        <p:cNvPr id="1" name=""/>
+        <p:cNvGrpSpPr/>
+        <p:nvPr/>
+      </p:nvGrpSpPr>
+      <p:grpSpPr>
+        <a:xfrm>
+          <a:off x="0" y="0"/>
+          <a:ext cx="0" cy="0"/>
+          <a:chOff x="0" y="0"/>
+          <a:chExt cx="0" cy="0"/>
+        </a:xfrm>
+      </p:grpSpPr>
+      <p:sp>
+        <p:nvSpPr>
+          <p:cNvPr id="2" name="文本框 1"/>
+          <p:cNvSpPr txBox="1"/>
+          <p:nvPr/>
+        </p:nvSpPr>
+        <p:spPr>
+          <a:xfrm>
+            <a:off x="823449" y="135317"/>
+            <a:ext cx="6632661" cy="678519"/>
+          </a:xfrm>
+          <a:prstGeom prst="rect">
+            <a:avLst/>
+          </a:prstGeom>
+          <a:noFill/>
+        </p:spPr>
+        <p:txBody>
+          <a:bodyPr wrap="square" rtlCol="0">
+            <a:spAutoFit/>
+          </a:bodyPr>
+          <a:lstStyle/>
+          <a:p>
+            <a:pPr>
+              <a:lnSpc>
+                <a:spcPct val="130000"/>
+              </a:lnSpc>
+            </a:pPr>
+            <a:r>
+              <a:rPr lang="zh-CN" altLang="en-US" sz="3200" b="1" dirty="0">
+                <a:ea typeface="微软雅黑" panose="020B0503020204020204" pitchFamily="34" charset="-122"/>
+              </a:rPr>
+              <a:t>小组介绍</a:t>
+            </a:r>
+          </a:p>
+        </p:txBody>
+      </p:sp>
+      <p:sp>
+        <p:nvSpPr>
+          <p:cNvPr id="6" name="矩形 5"/>
+          <p:cNvSpPr/>
+          <p:nvPr/>
+        </p:nvSpPr>
+        <p:spPr>
+          <a:xfrm>
+            <a:off x="5346700" y="2462981"/>
+            <a:ext cx="6083300" cy="3526350"/>
+          </a:xfrm>
+          <a:prstGeom prst="rect">
+            <a:avLst/>
+          </a:prstGeom>
+        </p:spPr>
+        <p:txBody>
+          <a:bodyPr wrap="square">
+            <a:spAutoFit/>
+          </a:bodyPr>
+          <a:lstStyle/>
+          <a:p>
+            <a:pPr>
+              <a:lnSpc>
+                <a:spcPct val="125000"/>
+              </a:lnSpc>
+            </a:pPr>
+            <a:r>
+              <a:rPr lang="zh-CN" altLang="en-US" sz="2000" b="1" spc="100" dirty="0">
+                <a:ea typeface="微软雅黑" panose="020B0503020204020204" pitchFamily="34" charset="-122"/>
+              </a:rPr>
+              <a:t>小组宣言</a:t>
+            </a:r>
+            <a:r>
+              <a:rPr lang="zh-CN" altLang="en-US" sz="2000" spc="100" dirty="0">
+                <a:ea typeface="微软雅黑" panose="020B0503020204020204" pitchFamily="34" charset="-122"/>
+              </a:rPr>
+              <a:t>：我们不怕困难，我们勇于挑战，我们乐于学习，我们相信自己能够掌握计算机科学的知识和技能，我们的目标是成为</a:t>
+            </a:r>
+            <a:r>
+              <a:rPr lang="en-US" altLang="zh-CN" sz="2000" spc="100" dirty="0">
+                <a:ea typeface="微软雅黑" panose="020B0503020204020204" pitchFamily="34" charset="-122"/>
+              </a:rPr>
+              <a:t>CS</a:t>
+            </a:r>
+            <a:r>
+              <a:rPr lang="zh-CN" altLang="en-US" sz="2000" spc="100" dirty="0">
+                <a:ea typeface="微软雅黑" panose="020B0503020204020204" pitchFamily="34" charset="-122"/>
+              </a:rPr>
+              <a:t>领域的佼佼者！</a:t>
+            </a:r>
+            <a:r>
+              <a:rPr lang="zh-CN" altLang="en-US" sz="2000" b="0" i="0" dirty="0">
+                <a:solidFill>
+                  <a:srgbClr val="111111"/>
+                </a:solidFill>
+                <a:effectLst/>
+                <a:latin typeface="-apple-system"/>
+              </a:rPr>
+              <a:t>💪</a:t>
+            </a:r>
+            <a:endParaRPr lang="en-US" altLang="zh-CN" sz="2000" b="0" i="0" dirty="0">
+              <a:solidFill>
+                <a:srgbClr val="111111"/>
+              </a:solidFill>
+              <a:effectLst/>
+              <a:latin typeface="-apple-system"/>
+            </a:endParaRPr>
+          </a:p>
+          <a:p>
+            <a:pPr>
+              <a:lnSpc>
+                <a:spcPct val="125000"/>
+              </a:lnSpc>
+            </a:pPr>
+            <a:endParaRPr lang="en-US" altLang="zh-CN" sz="2000" b="1" i="0" dirty="0">
+              <a:solidFill>
+                <a:srgbClr val="111111"/>
+              </a:solidFill>
+              <a:effectLst/>
+              <a:latin typeface="-apple-system"/>
+            </a:endParaRPr>
+          </a:p>
+          <a:p>
+            <a:pPr>
+              <a:lnSpc>
+                <a:spcPct val="125000"/>
+              </a:lnSpc>
+            </a:pPr>
+            <a:r>
+              <a:rPr lang="zh-CN" altLang="en-US" sz="2000" b="1" i="0" dirty="0">
+                <a:solidFill>
+                  <a:srgbClr val="111111"/>
+                </a:solidFill>
+                <a:effectLst/>
+                <a:latin typeface="-apple-system"/>
+              </a:rPr>
+              <a:t>小组分工</a:t>
+            </a:r>
+            <a:r>
+              <a:rPr lang="zh-CN" altLang="en-US" sz="2000" i="0" dirty="0">
+                <a:solidFill>
+                  <a:srgbClr val="111111"/>
+                </a:solidFill>
+                <a:effectLst/>
+                <a:latin typeface="-apple-system"/>
+              </a:rPr>
+              <a:t>：</a:t>
+            </a:r>
+            <a:endParaRPr lang="en-US" altLang="zh-CN" sz="2000" i="0" dirty="0">
+              <a:solidFill>
+                <a:srgbClr val="111111"/>
+              </a:solidFill>
+              <a:effectLst/>
+              <a:latin typeface="-apple-system"/>
+            </a:endParaRPr>
+          </a:p>
+          <a:p>
+            <a:pPr>
+              <a:lnSpc>
+                <a:spcPct val="125000"/>
+              </a:lnSpc>
+            </a:pPr>
+            <a:r>
+              <a:rPr lang="zh-CN" altLang="en-US" sz="2000" i="0" dirty="0">
+                <a:solidFill>
+                  <a:srgbClr val="111111"/>
+                </a:solidFill>
+                <a:effectLst/>
+                <a:latin typeface="-apple-system"/>
+              </a:rPr>
+              <a:t>王浩：前端搭建</a:t>
+            </a:r>
+            <a:endParaRPr lang="en-US" altLang="zh-CN" sz="2000" i="0" dirty="0">
+              <a:solidFill>
+                <a:srgbClr val="111111"/>
+              </a:solidFill>
+              <a:effectLst/>
+              <a:latin typeface="-apple-system"/>
+            </a:endParaRPr>
+          </a:p>
+          <a:p>
+            <a:pPr>
+              <a:lnSpc>
+                <a:spcPct val="125000"/>
+              </a:lnSpc>
+            </a:pPr>
+            <a:r>
+              <a:rPr lang="zh-CN" altLang="en-US" sz="2000" dirty="0">
+                <a:solidFill>
+                  <a:srgbClr val="111111"/>
+                </a:solidFill>
+                <a:latin typeface="-apple-system"/>
+              </a:rPr>
+              <a:t>徐昕：后端搭建</a:t>
+            </a:r>
+            <a:endParaRPr lang="en-US" altLang="zh-CN" sz="2000" dirty="0">
+              <a:solidFill>
+                <a:srgbClr val="111111"/>
+              </a:solidFill>
+              <a:latin typeface="-apple-system"/>
+            </a:endParaRPr>
+          </a:p>
+          <a:p>
+            <a:pPr>
+              <a:lnSpc>
+                <a:spcPct val="125000"/>
+              </a:lnSpc>
+            </a:pPr>
+            <a:r>
+              <a:rPr lang="zh-CN" altLang="en-US" sz="2000" dirty="0">
+                <a:solidFill>
+                  <a:srgbClr val="111111"/>
+                </a:solidFill>
+                <a:latin typeface="-apple-system"/>
+              </a:rPr>
+              <a:t>祝天智：数据爬取</a:t>
+            </a:r>
+            <a:endParaRPr lang="en-US" altLang="zh-CN" sz="2000" i="0" dirty="0">
+              <a:solidFill>
+                <a:srgbClr val="111111"/>
+              </a:solidFill>
+              <a:effectLst/>
+              <a:latin typeface="-apple-system"/>
+            </a:endParaRPr>
+          </a:p>
+          <a:p>
+            <a:pPr>
+              <a:lnSpc>
+                <a:spcPct val="125000"/>
+              </a:lnSpc>
+            </a:pPr>
+            <a:endParaRPr lang="en-US" altLang="zh-CN" sz="2000" spc="100" dirty="0">
+              <a:solidFill>
+                <a:srgbClr val="111111"/>
+              </a:solidFill>
+              <a:latin typeface="-apple-system"/>
+              <a:ea typeface="微软雅黑" panose="020B0503020204020204" pitchFamily="34" charset="-122"/>
+            </a:endParaRPr>
+          </a:p>
+        </p:txBody>
+      </p:sp>
+      <p:sp>
+        <p:nvSpPr>
+          <p:cNvPr id="7" name="文本框 6"/>
+          <p:cNvSpPr txBox="1"/>
+          <p:nvPr/>
+        </p:nvSpPr>
+        <p:spPr>
+          <a:xfrm>
+            <a:off x="5346700" y="1521393"/>
+            <a:ext cx="6306820" cy="534634"/>
+          </a:xfrm>
+          <a:prstGeom prst="rect">
+            <a:avLst/>
+          </a:prstGeom>
+          <a:noFill/>
+        </p:spPr>
+        <p:txBody>
+          <a:bodyPr wrap="square" rtlCol="0">
+            <a:spAutoFit/>
+          </a:bodyPr>
+          <a:lstStyle/>
+          <a:p>
+            <a:pPr>
+              <a:lnSpc>
+                <a:spcPct val="130000"/>
+              </a:lnSpc>
+            </a:pPr>
+            <a:r>
+              <a:rPr lang="zh-CN" altLang="en-US" sz="2400" b="1" dirty="0">
+                <a:solidFill>
+                  <a:srgbClr val="7E0C6E"/>
+                </a:solidFill>
+                <a:ea typeface="微软雅黑" panose="020B0503020204020204" pitchFamily="34" charset="-122"/>
+              </a:rPr>
+              <a:t>小组名称：</a:t>
+            </a:r>
+            <a:r>
+              <a:rPr lang="en-US" altLang="zh-CN" sz="2400" b="1" dirty="0">
+                <a:solidFill>
+                  <a:srgbClr val="7E0C6E"/>
+                </a:solidFill>
+                <a:ea typeface="微软雅黑" panose="020B0503020204020204" pitchFamily="34" charset="-122"/>
+              </a:rPr>
+              <a:t>CS</a:t>
+            </a:r>
+            <a:r>
+              <a:rPr lang="zh-CN" altLang="en-US" sz="2400" b="1" dirty="0">
+                <a:solidFill>
+                  <a:srgbClr val="7E0C6E"/>
+                </a:solidFill>
+                <a:ea typeface="微软雅黑" panose="020B0503020204020204" pitchFamily="34" charset="-122"/>
+              </a:rPr>
+              <a:t>好难小组</a:t>
+            </a:r>
+          </a:p>
+        </p:txBody>
+      </p:sp>
+      <p:cxnSp>
+        <p:nvCxnSpPr>
+          <p:cNvPr id="8" name="直接连接符 7"/>
+          <p:cNvCxnSpPr/>
+          <p:nvPr/>
+        </p:nvCxnSpPr>
+        <p:spPr>
+          <a:xfrm>
+            <a:off x="5422900" y="2183705"/>
+            <a:ext cx="1017142" cy="0"/>
+          </a:xfrm>
+          <a:prstGeom prst="line">
+            <a:avLst/>
+          </a:prstGeom>
+          <a:ln w="38100" cap="rnd">
+            <a:round/>
+          </a:ln>
+          <a:effectLst>
+            <a:outerShdw blurRad="50800" dist="38100" dir="2700000" algn="tl" rotWithShape="0">
+              <a:prstClr val="black">
+                <a:alpha val="40000"/>
+              </a:prstClr>
+            </a:outerShdw>
+          </a:effectLst>
+        </p:spPr>
+        <p:style>
+          <a:lnRef idx="1">
+            <a:schemeClr val="accent1"/>
+          </a:lnRef>
+          <a:fillRef idx="0">
+            <a:schemeClr val="accent1"/>
+          </a:fillRef>
+          <a:effectRef idx="0">
+            <a:schemeClr val="accent1"/>
+          </a:effectRef>
+          <a:fontRef idx="minor">
+            <a:schemeClr val="tx1"/>
+          </a:fontRef>
+        </p:style>
+      </p:cxnSp>
+      <p:grpSp>
+        <p:nvGrpSpPr>
+          <p:cNvPr id="9" name="组合 8"/>
+          <p:cNvGrpSpPr/>
+          <p:nvPr/>
+        </p:nvGrpSpPr>
+        <p:grpSpPr>
+          <a:xfrm>
+            <a:off x="-6350" y="-866151"/>
+            <a:ext cx="6904036" cy="685799"/>
+            <a:chOff x="0" y="-754379"/>
+            <a:chExt cx="6904036" cy="685799"/>
+          </a:xfrm>
+        </p:grpSpPr>
+        <p:grpSp>
+          <p:nvGrpSpPr>
+            <p:cNvPr id="10" name="组合 9"/>
+            <p:cNvGrpSpPr/>
+            <p:nvPr/>
+          </p:nvGrpSpPr>
+          <p:grpSpPr>
+            <a:xfrm>
+              <a:off x="0" y="-754379"/>
+              <a:ext cx="6904036" cy="685799"/>
+              <a:chOff x="1786550" y="-904875"/>
+              <a:chExt cx="6904036" cy="685799"/>
+            </a:xfrm>
+          </p:grpSpPr>
+          <p:sp>
+            <p:nvSpPr>
+              <p:cNvPr id="12" name="矩形 11"/>
+              <p:cNvSpPr/>
+              <p:nvPr/>
+            </p:nvSpPr>
+            <p:spPr>
+              <a:xfrm>
+                <a:off x="1786550" y="-904875"/>
+                <a:ext cx="6904036" cy="685799"/>
+              </a:xfrm>
+              <a:prstGeom prst="rect">
+                <a:avLst/>
+              </a:prstGeom>
+              <a:solidFill>
+                <a:schemeClr val="bg1"/>
+              </a:solidFill>
+              <a:ln>
+                <a:noFill/>
+              </a:ln>
+            </p:spPr>
+            <p:style>
+              <a:lnRef idx="2">
+                <a:schemeClr val="accent1">
+                  <a:shade val="50000"/>
+                </a:schemeClr>
+              </a:lnRef>
+              <a:fillRef idx="1">
+                <a:schemeClr val="accent1"/>
+              </a:fillRef>
+              <a:effectRef idx="0">
+                <a:schemeClr val="accent1"/>
+              </a:effectRef>
+              <a:fontRef idx="minor">
+                <a:schemeClr val="lt1"/>
+              </a:fontRef>
+            </p:style>
+            <p:txBody>
+              <a:bodyPr rtlCol="0" anchor="ctr"/>
+              <a:lstStyle/>
+              <a:p>
+                <a:pPr algn="ctr"/>
+                <a:endParaRPr lang="zh-CN" altLang="en-US">
+                  <a:ea typeface="微软雅黑" panose="020B0503020204020204" pitchFamily="34" charset="-122"/>
+                </a:endParaRPr>
+              </a:p>
+            </p:txBody>
+          </p:sp>
+          <p:sp>
+            <p:nvSpPr>
+              <p:cNvPr id="13" name="矩形 12"/>
+              <p:cNvSpPr/>
+              <p:nvPr/>
+            </p:nvSpPr>
+            <p:spPr>
+              <a:xfrm flipH="1">
+                <a:off x="1786550" y="-904875"/>
+                <a:ext cx="52388" cy="685799"/>
+              </a:xfrm>
+              <a:prstGeom prst="rect">
+                <a:avLst/>
+              </a:prstGeom>
+              <a:solidFill>
+                <a:schemeClr val="accent1"/>
+              </a:solidFill>
+              <a:ln>
+                <a:noFill/>
+              </a:ln>
+            </p:spPr>
+            <p:style>
+              <a:lnRef idx="2">
+                <a:schemeClr val="accent1">
+                  <a:shade val="50000"/>
+                </a:schemeClr>
+              </a:lnRef>
+              <a:fillRef idx="1">
+                <a:schemeClr val="accent1"/>
+              </a:fillRef>
+              <a:effectRef idx="0">
+                <a:schemeClr val="accent1"/>
+              </a:effectRef>
+              <a:fontRef idx="minor">
+                <a:schemeClr val="lt1"/>
+              </a:fontRef>
+            </p:style>
+            <p:txBody>
+              <a:bodyPr rtlCol="0" anchor="ctr"/>
+              <a:lstStyle/>
+              <a:p>
+                <a:pPr algn="ctr"/>
+                <a:endParaRPr lang="zh-CN" altLang="en-US">
+                  <a:ea typeface="微软雅黑" panose="020B0503020204020204" pitchFamily="34" charset="-122"/>
+                </a:endParaRPr>
+              </a:p>
+            </p:txBody>
+          </p:sp>
+          <p:grpSp>
+            <p:nvGrpSpPr>
+              <p:cNvPr id="14" name="组合 13"/>
+              <p:cNvGrpSpPr/>
+              <p:nvPr/>
+            </p:nvGrpSpPr>
+            <p:grpSpPr>
+              <a:xfrm>
+                <a:off x="1943430" y="-776742"/>
+                <a:ext cx="364639" cy="429532"/>
+                <a:chOff x="202990" y="7474403"/>
+                <a:chExt cx="364639" cy="429532"/>
+              </a:xfrm>
+            </p:grpSpPr>
+            <p:sp>
+              <p:nvSpPr>
+                <p:cNvPr id="18" name="椭圆 17"/>
+                <p:cNvSpPr/>
+                <p:nvPr/>
+              </p:nvSpPr>
+              <p:spPr>
+                <a:xfrm>
+                  <a:off x="267138" y="7538114"/>
+                  <a:ext cx="236342" cy="236342"/>
+                </a:xfrm>
+                <a:prstGeom prst="ellipse">
+                  <a:avLst/>
+                </a:prstGeom>
+                <a:solidFill>
+                  <a:srgbClr val="FED16E"/>
+                </a:solidFill>
+                <a:ln>
+                  <a:noFill/>
+                </a:ln>
+              </p:spPr>
+              <p:style>
+                <a:lnRef idx="2">
+                  <a:schemeClr val="accent1">
+                    <a:shade val="50000"/>
+                  </a:schemeClr>
+                </a:lnRef>
+                <a:fillRef idx="1">
+                  <a:schemeClr val="accent1"/>
+                </a:fillRef>
+                <a:effectRef idx="0">
+                  <a:schemeClr val="accent1"/>
+                </a:effectRef>
+                <a:fontRef idx="minor">
+                  <a:schemeClr val="lt1"/>
+                </a:fontRef>
+              </p:style>
+              <p:txBody>
+                <a:bodyPr rtlCol="0" anchor="ctr"/>
+                <a:lstStyle/>
+                <a:p>
+                  <a:pPr algn="ctr"/>
+                  <a:endParaRPr lang="zh-CN" altLang="en-US">
+                    <a:ea typeface="微软雅黑" panose="020B0503020204020204" pitchFamily="34" charset="-122"/>
+                  </a:endParaRPr>
+                </a:p>
+              </p:txBody>
+            </p:sp>
+            <p:sp>
+              <p:nvSpPr>
+                <p:cNvPr id="19" name="Oval 7"/>
+                <p:cNvSpPr/>
+                <p:nvPr/>
+              </p:nvSpPr>
+              <p:spPr>
+                <a:xfrm>
+                  <a:off x="202990" y="7474403"/>
+                  <a:ext cx="364639" cy="429532"/>
+                </a:xfrm>
+                <a:custGeom>
+                  <a:avLst/>
+                  <a:gdLst>
+                    <a:gd name="connsiteX0" fmla="*/ 204373 w 514281"/>
+                    <a:gd name="connsiteY0" fmla="*/ 530626 h 605804"/>
+                    <a:gd name="connsiteX1" fmla="*/ 204373 w 514281"/>
+                    <a:gd name="connsiteY1" fmla="*/ 556952 h 605804"/>
+                    <a:gd name="connsiteX2" fmla="*/ 311229 w 514281"/>
+                    <a:gd name="connsiteY2" fmla="*/ 556952 h 605804"/>
+                    <a:gd name="connsiteX3" fmla="*/ 311229 w 514281"/>
+                    <a:gd name="connsiteY3" fmla="*/ 530626 h 605804"/>
+                    <a:gd name="connsiteX4" fmla="*/ 204373 w 514281"/>
+                    <a:gd name="connsiteY4" fmla="*/ 479178 h 605804"/>
+                    <a:gd name="connsiteX5" fmla="*/ 204373 w 514281"/>
+                    <a:gd name="connsiteY5" fmla="*/ 504299 h 605804"/>
+                    <a:gd name="connsiteX6" fmla="*/ 311229 w 514281"/>
+                    <a:gd name="connsiteY6" fmla="*/ 504299 h 605804"/>
+                    <a:gd name="connsiteX7" fmla="*/ 311229 w 514281"/>
+                    <a:gd name="connsiteY7" fmla="*/ 479178 h 605804"/>
+                    <a:gd name="connsiteX8" fmla="*/ 458958 w 514281"/>
+                    <a:gd name="connsiteY8" fmla="*/ 243592 h 605804"/>
+                    <a:gd name="connsiteX9" fmla="*/ 514281 w 514281"/>
+                    <a:gd name="connsiteY9" fmla="*/ 243592 h 605804"/>
+                    <a:gd name="connsiteX10" fmla="*/ 514281 w 514281"/>
+                    <a:gd name="connsiteY10" fmla="*/ 269913 h 605804"/>
+                    <a:gd name="connsiteX11" fmla="*/ 458958 w 514281"/>
+                    <a:gd name="connsiteY11" fmla="*/ 269913 h 605804"/>
+                    <a:gd name="connsiteX12" fmla="*/ 0 w 514281"/>
+                    <a:gd name="connsiteY12" fmla="*/ 243592 h 605804"/>
+                    <a:gd name="connsiteX13" fmla="*/ 55323 w 514281"/>
+                    <a:gd name="connsiteY13" fmla="*/ 243592 h 605804"/>
+                    <a:gd name="connsiteX14" fmla="*/ 55323 w 514281"/>
+                    <a:gd name="connsiteY14" fmla="*/ 269913 h 605804"/>
+                    <a:gd name="connsiteX15" fmla="*/ 0 w 514281"/>
+                    <a:gd name="connsiteY15" fmla="*/ 269913 h 605804"/>
+                    <a:gd name="connsiteX16" fmla="*/ 263695 w 514281"/>
+                    <a:gd name="connsiteY16" fmla="*/ 202846 h 605804"/>
+                    <a:gd name="connsiteX17" fmla="*/ 192467 w 514281"/>
+                    <a:gd name="connsiteY17" fmla="*/ 273946 h 605804"/>
+                    <a:gd name="connsiteX18" fmla="*/ 237321 w 514281"/>
+                    <a:gd name="connsiteY18" fmla="*/ 273946 h 605804"/>
+                    <a:gd name="connsiteX19" fmla="*/ 250601 w 514281"/>
+                    <a:gd name="connsiteY19" fmla="*/ 288407 h 605804"/>
+                    <a:gd name="connsiteX20" fmla="*/ 246608 w 514281"/>
+                    <a:gd name="connsiteY20" fmla="*/ 326599 h 605804"/>
+                    <a:gd name="connsiteX21" fmla="*/ 320436 w 514281"/>
+                    <a:gd name="connsiteY21" fmla="*/ 252904 h 605804"/>
+                    <a:gd name="connsiteX22" fmla="*/ 275582 w 514281"/>
+                    <a:gd name="connsiteY22" fmla="*/ 252904 h 605804"/>
+                    <a:gd name="connsiteX23" fmla="*/ 262302 w 514281"/>
+                    <a:gd name="connsiteY23" fmla="*/ 239648 h 605804"/>
+                    <a:gd name="connsiteX24" fmla="*/ 283673 w 514281"/>
+                    <a:gd name="connsiteY24" fmla="*/ 156984 h 605804"/>
+                    <a:gd name="connsiteX25" fmla="*/ 291462 w 514281"/>
+                    <a:gd name="connsiteY25" fmla="*/ 168641 h 605804"/>
+                    <a:gd name="connsiteX26" fmla="*/ 290071 w 514281"/>
+                    <a:gd name="connsiteY26" fmla="*/ 225094 h 605804"/>
+                    <a:gd name="connsiteX27" fmla="*/ 290069 w 514281"/>
+                    <a:gd name="connsiteY27" fmla="*/ 225094 h 605804"/>
+                    <a:gd name="connsiteX28" fmla="*/ 290069 w 514281"/>
+                    <a:gd name="connsiteY28" fmla="*/ 225187 h 605804"/>
+                    <a:gd name="connsiteX29" fmla="*/ 290071 w 514281"/>
+                    <a:gd name="connsiteY29" fmla="*/ 225094 h 605804"/>
+                    <a:gd name="connsiteX30" fmla="*/ 353496 w 514281"/>
+                    <a:gd name="connsiteY30" fmla="*/ 225094 h 605804"/>
+                    <a:gd name="connsiteX31" fmla="*/ 362783 w 514281"/>
+                    <a:gd name="connsiteY31" fmla="*/ 247435 h 605804"/>
+                    <a:gd name="connsiteX32" fmla="*/ 240014 w 514281"/>
+                    <a:gd name="connsiteY32" fmla="*/ 369982 h 605804"/>
+                    <a:gd name="connsiteX33" fmla="*/ 217634 w 514281"/>
+                    <a:gd name="connsiteY33" fmla="*/ 359414 h 605804"/>
+                    <a:gd name="connsiteX34" fmla="*/ 222927 w 514281"/>
+                    <a:gd name="connsiteY34" fmla="*/ 298882 h 605804"/>
+                    <a:gd name="connsiteX35" fmla="*/ 160893 w 514281"/>
+                    <a:gd name="connsiteY35" fmla="*/ 298882 h 605804"/>
+                    <a:gd name="connsiteX36" fmla="*/ 151606 w 514281"/>
+                    <a:gd name="connsiteY36" fmla="*/ 276542 h 605804"/>
+                    <a:gd name="connsiteX37" fmla="*/ 268988 w 514281"/>
+                    <a:gd name="connsiteY37" fmla="*/ 159371 h 605804"/>
+                    <a:gd name="connsiteX38" fmla="*/ 283673 w 514281"/>
+                    <a:gd name="connsiteY38" fmla="*/ 156984 h 605804"/>
+                    <a:gd name="connsiteX39" fmla="*/ 250606 w 514281"/>
+                    <a:gd name="connsiteY39" fmla="*/ 114503 h 605804"/>
+                    <a:gd name="connsiteX40" fmla="*/ 114784 w 514281"/>
+                    <a:gd name="connsiteY40" fmla="*/ 244837 h 605804"/>
+                    <a:gd name="connsiteX41" fmla="*/ 159624 w 514281"/>
+                    <a:gd name="connsiteY41" fmla="*/ 362007 h 605804"/>
+                    <a:gd name="connsiteX42" fmla="*/ 204001 w 514281"/>
+                    <a:gd name="connsiteY42" fmla="*/ 452852 h 605804"/>
+                    <a:gd name="connsiteX43" fmla="*/ 311322 w 514281"/>
+                    <a:gd name="connsiteY43" fmla="*/ 452852 h 605804"/>
+                    <a:gd name="connsiteX44" fmla="*/ 354678 w 514281"/>
+                    <a:gd name="connsiteY44" fmla="*/ 362007 h 605804"/>
+                    <a:gd name="connsiteX45" fmla="*/ 400819 w 514281"/>
+                    <a:gd name="connsiteY45" fmla="*/ 258000 h 605804"/>
+                    <a:gd name="connsiteX46" fmla="*/ 250606 w 514281"/>
+                    <a:gd name="connsiteY46" fmla="*/ 114503 h 605804"/>
+                    <a:gd name="connsiteX47" fmla="*/ 249213 w 514281"/>
+                    <a:gd name="connsiteY47" fmla="*/ 88269 h 605804"/>
+                    <a:gd name="connsiteX48" fmla="*/ 427556 w 514281"/>
+                    <a:gd name="connsiteY48" fmla="*/ 258092 h 605804"/>
+                    <a:gd name="connsiteX49" fmla="*/ 373524 w 514281"/>
+                    <a:gd name="connsiteY49" fmla="*/ 381845 h 605804"/>
+                    <a:gd name="connsiteX50" fmla="*/ 337874 w 514281"/>
+                    <a:gd name="connsiteY50" fmla="*/ 460824 h 605804"/>
+                    <a:gd name="connsiteX51" fmla="*/ 337874 w 514281"/>
+                    <a:gd name="connsiteY51" fmla="*/ 571413 h 605804"/>
+                    <a:gd name="connsiteX52" fmla="*/ 324598 w 514281"/>
+                    <a:gd name="connsiteY52" fmla="*/ 583278 h 605804"/>
+                    <a:gd name="connsiteX53" fmla="*/ 270473 w 514281"/>
+                    <a:gd name="connsiteY53" fmla="*/ 583278 h 605804"/>
+                    <a:gd name="connsiteX54" fmla="*/ 270473 w 514281"/>
+                    <a:gd name="connsiteY54" fmla="*/ 592548 h 605804"/>
+                    <a:gd name="connsiteX55" fmla="*/ 257290 w 514281"/>
+                    <a:gd name="connsiteY55" fmla="*/ 605804 h 605804"/>
+                    <a:gd name="connsiteX56" fmla="*/ 244014 w 514281"/>
+                    <a:gd name="connsiteY56" fmla="*/ 592548 h 605804"/>
+                    <a:gd name="connsiteX57" fmla="*/ 244014 w 514281"/>
+                    <a:gd name="connsiteY57" fmla="*/ 583278 h 605804"/>
+                    <a:gd name="connsiteX58" fmla="*/ 189890 w 514281"/>
+                    <a:gd name="connsiteY58" fmla="*/ 583278 h 605804"/>
+                    <a:gd name="connsiteX59" fmla="*/ 176707 w 514281"/>
+                    <a:gd name="connsiteY59" fmla="*/ 570023 h 605804"/>
+                    <a:gd name="connsiteX60" fmla="*/ 176707 w 514281"/>
+                    <a:gd name="connsiteY60" fmla="*/ 460824 h 605804"/>
+                    <a:gd name="connsiteX61" fmla="*/ 139757 w 514281"/>
+                    <a:gd name="connsiteY61" fmla="*/ 380454 h 605804"/>
+                    <a:gd name="connsiteX62" fmla="*/ 87025 w 514281"/>
+                    <a:gd name="connsiteY62" fmla="*/ 242241 h 605804"/>
+                    <a:gd name="connsiteX63" fmla="*/ 249213 w 514281"/>
+                    <a:gd name="connsiteY63" fmla="*/ 88269 h 605804"/>
+                    <a:gd name="connsiteX64" fmla="*/ 429815 w 514281"/>
+                    <a:gd name="connsiteY64" fmla="*/ 66120 h 605804"/>
+                    <a:gd name="connsiteX65" fmla="*/ 448444 w 514281"/>
+                    <a:gd name="connsiteY65" fmla="*/ 84608 h 605804"/>
+                    <a:gd name="connsiteX66" fmla="*/ 409280 w 514281"/>
+                    <a:gd name="connsiteY66" fmla="*/ 123772 h 605804"/>
+                    <a:gd name="connsiteX67" fmla="*/ 390721 w 514281"/>
+                    <a:gd name="connsiteY67" fmla="*/ 105143 h 605804"/>
+                    <a:gd name="connsiteX68" fmla="*/ 84820 w 514281"/>
+                    <a:gd name="connsiteY68" fmla="*/ 66120 h 605804"/>
+                    <a:gd name="connsiteX69" fmla="*/ 123843 w 514281"/>
+                    <a:gd name="connsiteY69" fmla="*/ 105143 h 605804"/>
+                    <a:gd name="connsiteX70" fmla="*/ 105284 w 514281"/>
+                    <a:gd name="connsiteY70" fmla="*/ 123772 h 605804"/>
+                    <a:gd name="connsiteX71" fmla="*/ 66120 w 514281"/>
+                    <a:gd name="connsiteY71" fmla="*/ 84749 h 605804"/>
+                    <a:gd name="connsiteX72" fmla="*/ 243945 w 514281"/>
+                    <a:gd name="connsiteY72" fmla="*/ 0 h 605804"/>
+                    <a:gd name="connsiteX73" fmla="*/ 270266 w 514281"/>
+                    <a:gd name="connsiteY73" fmla="*/ 0 h 605804"/>
+                    <a:gd name="connsiteX74" fmla="*/ 270266 w 514281"/>
+                    <a:gd name="connsiteY74" fmla="*/ 55253 h 605804"/>
+                    <a:gd name="connsiteX75" fmla="*/ 243945 w 514281"/>
+                    <a:gd name="connsiteY75" fmla="*/ 55253 h 605804"/>
+                  </a:gdLst>
+                  <a:ahLst/>
+                  <a:cxnLst>
+                    <a:cxn ang="0">
+                      <a:pos x="connsiteX0" y="connsiteY0"/>
+                    </a:cxn>
+                    <a:cxn ang="0">
+                      <a:pos x="connsiteX1" y="connsiteY1"/>
+                    </a:cxn>
+                    <a:cxn ang="0">
+                      <a:pos x="connsiteX2" y="connsiteY2"/>
+                    </a:cxn>
+                    <a:cxn ang="0">
+                      <a:pos x="connsiteX3" y="connsiteY3"/>
+                    </a:cxn>
+                    <a:cxn ang="0">
+                      <a:pos x="connsiteX4" y="connsiteY4"/>
+                    </a:cxn>
+                    <a:cxn ang="0">
+                      <a:pos x="connsiteX5" y="connsiteY5"/>
+                    </a:cxn>
+                    <a:cxn ang="0">
+                      <a:pos x="connsiteX6" y="connsiteY6"/>
+                    </a:cxn>
+                    <a:cxn ang="0">
+                      <a:pos x="connsiteX7" y="connsiteY7"/>
+                    </a:cxn>
+                    <a:cxn ang="0">
+                      <a:pos x="connsiteX8" y="connsiteY8"/>
+                    </a:cxn>
+                    <a:cxn ang="0">
+                      <a:pos x="connsiteX9" y="connsiteY9"/>
+                    </a:cxn>
+                    <a:cxn ang="0">
+                      <a:pos x="connsiteX10" y="connsiteY10"/>
+                    </a:cxn>
+                    <a:cxn ang="0">
+                      <a:pos x="connsiteX11" y="connsiteY11"/>
+                    </a:cxn>
+                    <a:cxn ang="0">
+                      <a:pos x="connsiteX12" y="connsiteY12"/>
+                    </a:cxn>
+                    <a:cxn ang="0">
+                      <a:pos x="connsiteX13" y="connsiteY13"/>
+                    </a:cxn>
+                    <a:cxn ang="0">
+                      <a:pos x="connsiteX14" y="connsiteY14"/>
+                    </a:cxn>
+                    <a:cxn ang="0">
+                      <a:pos x="connsiteX15" y="connsiteY15"/>
+                    </a:cxn>
+                    <a:cxn ang="0">
+                      <a:pos x="connsiteX16" y="connsiteY16"/>
+                    </a:cxn>
+                    <a:cxn ang="0">
+                      <a:pos x="connsiteX17" y="connsiteY17"/>
+                    </a:cxn>
+                    <a:cxn ang="0">
+                      <a:pos x="connsiteX18" y="connsiteY18"/>
+                    </a:cxn>
+                    <a:cxn ang="0">
+                      <a:pos x="connsiteX19" y="connsiteY19"/>
+                    </a:cxn>
+                    <a:cxn ang="0">
+                      <a:pos x="connsiteX20" y="connsiteY20"/>
+                    </a:cxn>
+                    <a:cxn ang="0">
+                      <a:pos x="connsiteX21" y="connsiteY21"/>
+                    </a:cxn>
+                    <a:cxn ang="0">
+                      <a:pos x="connsiteX22" y="connsiteY22"/>
+                    </a:cxn>
+                    <a:cxn ang="0">
+                      <a:pos x="connsiteX23" y="connsiteY23"/>
+                    </a:cxn>
+                    <a:cxn ang="0">
+                      <a:pos x="connsiteX24" y="connsiteY24"/>
+                    </a:cxn>
+                    <a:cxn ang="0">
+                      <a:pos x="connsiteX25" y="connsiteY25"/>
+                    </a:cxn>
+                    <a:cxn ang="0">
+                      <a:pos x="connsiteX26" y="connsiteY26"/>
+                    </a:cxn>
+                    <a:cxn ang="0">
+                      <a:pos x="connsiteX27" y="connsiteY27"/>
+                    </a:cxn>
+                    <a:cxn ang="0">
+                      <a:pos x="connsiteX28" y="connsiteY28"/>
+                    </a:cxn>
+                    <a:cxn ang="0">
+                      <a:pos x="connsiteX29" y="connsiteY29"/>
+                    </a:cxn>
+                    <a:cxn ang="0">
+                      <a:pos x="connsiteX30" y="connsiteY30"/>
+                    </a:cxn>
+                    <a:cxn ang="0">
+                      <a:pos x="connsiteX31" y="connsiteY31"/>
+                    </a:cxn>
+                    <a:cxn ang="0">
+                      <a:pos x="connsiteX32" y="connsiteY32"/>
+                    </a:cxn>
+                    <a:cxn ang="0">
+                      <a:pos x="connsiteX33" y="connsiteY33"/>
+                    </a:cxn>
+                    <a:cxn ang="0">
+                      <a:pos x="connsiteX34" y="connsiteY34"/>
+                    </a:cxn>
+                    <a:cxn ang="0">
+                      <a:pos x="connsiteX35" y="connsiteY35"/>
+                    </a:cxn>
+                    <a:cxn ang="0">
+                      <a:pos x="connsiteX36" y="connsiteY36"/>
+                    </a:cxn>
+                    <a:cxn ang="0">
+                      <a:pos x="connsiteX37" y="connsiteY37"/>
+                    </a:cxn>
+                    <a:cxn ang="0">
+                      <a:pos x="connsiteX38" y="connsiteY38"/>
+                    </a:cxn>
+                    <a:cxn ang="0">
+                      <a:pos x="connsiteX39" y="connsiteY39"/>
+                    </a:cxn>
+                    <a:cxn ang="0">
+                      <a:pos x="connsiteX40" y="connsiteY40"/>
+                    </a:cxn>
+                    <a:cxn ang="0">
+                      <a:pos x="connsiteX41" y="connsiteY41"/>
+                    </a:cxn>
+                    <a:cxn ang="0">
+                      <a:pos x="connsiteX42" y="connsiteY42"/>
+                    </a:cxn>
+                    <a:cxn ang="0">
+                      <a:pos x="connsiteX43" y="connsiteY43"/>
+                    </a:cxn>
+                    <a:cxn ang="0">
+                      <a:pos x="connsiteX44" y="connsiteY44"/>
+                    </a:cxn>
+                    <a:cxn ang="0">
+                      <a:pos x="connsiteX45" y="connsiteY45"/>
+                    </a:cxn>
+                    <a:cxn ang="0">
+                      <a:pos x="connsiteX46" y="connsiteY46"/>
+                    </a:cxn>
+                    <a:cxn ang="0">
+                      <a:pos x="connsiteX47" y="connsiteY47"/>
+                    </a:cxn>
+                    <a:cxn ang="0">
+                      <a:pos x="connsiteX48" y="connsiteY48"/>
+                    </a:cxn>
+                    <a:cxn ang="0">
+                      <a:pos x="connsiteX49" y="connsiteY49"/>
+                    </a:cxn>
+                    <a:cxn ang="0">
+                      <a:pos x="connsiteX50" y="connsiteY50"/>
+                    </a:cxn>
+                    <a:cxn ang="0">
+                      <a:pos x="connsiteX51" y="connsiteY51"/>
+                    </a:cxn>
+                    <a:cxn ang="0">
+                      <a:pos x="connsiteX52" y="connsiteY52"/>
+                    </a:cxn>
+                    <a:cxn ang="0">
+                      <a:pos x="connsiteX53" y="connsiteY53"/>
+                    </a:cxn>
+                    <a:cxn ang="0">
+                      <a:pos x="connsiteX54" y="connsiteY54"/>
+                    </a:cxn>
+                    <a:cxn ang="0">
+                      <a:pos x="connsiteX55" y="connsiteY55"/>
+                    </a:cxn>
+                    <a:cxn ang="0">
+                      <a:pos x="connsiteX56" y="connsiteY56"/>
+                    </a:cxn>
+                    <a:cxn ang="0">
+                      <a:pos x="connsiteX57" y="connsiteY57"/>
+                    </a:cxn>
+                    <a:cxn ang="0">
+                      <a:pos x="connsiteX58" y="connsiteY58"/>
+                    </a:cxn>
+                    <a:cxn ang="0">
+                      <a:pos x="connsiteX59" y="connsiteY59"/>
+                    </a:cxn>
+                    <a:cxn ang="0">
+                      <a:pos x="connsiteX60" y="connsiteY60"/>
+                    </a:cxn>
+                    <a:cxn ang="0">
+                      <a:pos x="connsiteX61" y="connsiteY61"/>
+                    </a:cxn>
+                    <a:cxn ang="0">
+                      <a:pos x="connsiteX62" y="connsiteY62"/>
+                    </a:cxn>
+                    <a:cxn ang="0">
+                      <a:pos x="connsiteX63" y="connsiteY63"/>
+                    </a:cxn>
+                    <a:cxn ang="0">
+                      <a:pos x="connsiteX64" y="connsiteY64"/>
+                    </a:cxn>
+                    <a:cxn ang="0">
+                      <a:pos x="connsiteX65" y="connsiteY65"/>
+                    </a:cxn>
+                    <a:cxn ang="0">
+                      <a:pos x="connsiteX66" y="connsiteY66"/>
+                    </a:cxn>
+                    <a:cxn ang="0">
+                      <a:pos x="connsiteX67" y="connsiteY67"/>
+                    </a:cxn>
+                    <a:cxn ang="0">
+                      <a:pos x="connsiteX68" y="connsiteY68"/>
+                    </a:cxn>
+                    <a:cxn ang="0">
+                      <a:pos x="connsiteX69" y="connsiteY69"/>
+                    </a:cxn>
+                    <a:cxn ang="0">
+                      <a:pos x="connsiteX70" y="connsiteY70"/>
+                    </a:cxn>
+                    <a:cxn ang="0">
+                      <a:pos x="connsiteX71" y="connsiteY71"/>
+                    </a:cxn>
+                    <a:cxn ang="0">
+                      <a:pos x="connsiteX72" y="connsiteY72"/>
+                    </a:cxn>
+                    <a:cxn ang="0">
+                      <a:pos x="connsiteX73" y="connsiteY73"/>
+                    </a:cxn>
+                    <a:cxn ang="0">
+                      <a:pos x="connsiteX74" y="connsiteY74"/>
+                    </a:cxn>
+                    <a:cxn ang="0">
+                      <a:pos x="connsiteX75" y="connsiteY75"/>
+                    </a:cxn>
+                  </a:cxnLst>
+                  <a:rect l="l" t="t" r="r" b="b"/>
+                  <a:pathLst>
+                    <a:path w="514281" h="605804">
+                      <a:moveTo>
+                        <a:pt x="204373" y="530626"/>
+                      </a:moveTo>
+                      <a:lnTo>
+                        <a:pt x="204373" y="556952"/>
+                      </a:lnTo>
+                      <a:lnTo>
+                        <a:pt x="311229" y="556952"/>
+                      </a:lnTo>
+                      <a:lnTo>
+                        <a:pt x="311229" y="530626"/>
+                      </a:lnTo>
+                      <a:close/>
+                      <a:moveTo>
+                        <a:pt x="204373" y="479178"/>
+                      </a:moveTo>
+                      <a:lnTo>
+                        <a:pt x="204373" y="504299"/>
+                      </a:lnTo>
+                      <a:lnTo>
+                        <a:pt x="311229" y="504299"/>
+                      </a:lnTo>
+                      <a:lnTo>
+                        <a:pt x="311229" y="479178"/>
+                      </a:lnTo>
+                      <a:close/>
+                      <a:moveTo>
+                        <a:pt x="458958" y="243592"/>
+                      </a:moveTo>
+                      <a:lnTo>
+                        <a:pt x="514281" y="243592"/>
+                      </a:lnTo>
+                      <a:lnTo>
+                        <a:pt x="514281" y="269913"/>
+                      </a:lnTo>
+                      <a:lnTo>
+                        <a:pt x="458958" y="269913"/>
+                      </a:lnTo>
+                      <a:close/>
+                      <a:moveTo>
+                        <a:pt x="0" y="243592"/>
+                      </a:moveTo>
+                      <a:lnTo>
+                        <a:pt x="55323" y="243592"/>
+                      </a:lnTo>
+                      <a:lnTo>
+                        <a:pt x="55323" y="269913"/>
+                      </a:lnTo>
+                      <a:lnTo>
+                        <a:pt x="0" y="269913"/>
+                      </a:lnTo>
+                      <a:close/>
+                      <a:moveTo>
+                        <a:pt x="263695" y="202846"/>
+                      </a:moveTo>
+                      <a:lnTo>
+                        <a:pt x="192467" y="273946"/>
+                      </a:lnTo>
+                      <a:lnTo>
+                        <a:pt x="237321" y="273946"/>
+                      </a:lnTo>
+                      <a:cubicBezTo>
+                        <a:pt x="248001" y="273946"/>
+                        <a:pt x="251530" y="280991"/>
+                        <a:pt x="250601" y="288407"/>
+                      </a:cubicBezTo>
+                      <a:lnTo>
+                        <a:pt x="246608" y="326599"/>
+                      </a:lnTo>
+                      <a:lnTo>
+                        <a:pt x="320436" y="252904"/>
+                      </a:lnTo>
+                      <a:lnTo>
+                        <a:pt x="275582" y="252904"/>
+                      </a:lnTo>
+                      <a:cubicBezTo>
+                        <a:pt x="270010" y="252904"/>
+                        <a:pt x="262302" y="250586"/>
+                        <a:pt x="262302" y="239648"/>
+                      </a:cubicBezTo>
+                      <a:close/>
+                      <a:moveTo>
+                        <a:pt x="283673" y="156984"/>
+                      </a:moveTo>
+                      <a:cubicBezTo>
+                        <a:pt x="288142" y="159139"/>
+                        <a:pt x="291462" y="163635"/>
+                        <a:pt x="291462" y="168641"/>
+                      </a:cubicBezTo>
+                      <a:lnTo>
+                        <a:pt x="290071" y="225094"/>
+                      </a:lnTo>
+                      <a:lnTo>
+                        <a:pt x="290069" y="225094"/>
+                      </a:lnTo>
+                      <a:lnTo>
+                        <a:pt x="290069" y="225187"/>
+                      </a:lnTo>
+                      <a:lnTo>
+                        <a:pt x="290071" y="225094"/>
+                      </a:lnTo>
+                      <a:lnTo>
+                        <a:pt x="353496" y="225094"/>
+                      </a:lnTo>
+                      <a:cubicBezTo>
+                        <a:pt x="367798" y="225094"/>
+                        <a:pt x="370398" y="240946"/>
+                        <a:pt x="362783" y="247435"/>
+                      </a:cubicBezTo>
+                      <a:lnTo>
+                        <a:pt x="240014" y="369982"/>
+                      </a:lnTo>
+                      <a:cubicBezTo>
+                        <a:pt x="231378" y="376749"/>
+                        <a:pt x="217634" y="373041"/>
+                        <a:pt x="217634" y="359414"/>
+                      </a:cubicBezTo>
+                      <a:lnTo>
+                        <a:pt x="222927" y="298882"/>
+                      </a:lnTo>
+                      <a:lnTo>
+                        <a:pt x="160893" y="298882"/>
+                      </a:lnTo>
+                      <a:cubicBezTo>
+                        <a:pt x="148077" y="298882"/>
+                        <a:pt x="141484" y="286646"/>
+                        <a:pt x="151606" y="276542"/>
+                      </a:cubicBezTo>
+                      <a:lnTo>
+                        <a:pt x="268988" y="159371"/>
+                      </a:lnTo>
+                      <a:cubicBezTo>
+                        <a:pt x="273585" y="155014"/>
+                        <a:pt x="279204" y="154829"/>
+                        <a:pt x="283673" y="156984"/>
+                      </a:cubicBezTo>
+                      <a:close/>
+                      <a:moveTo>
+                        <a:pt x="250606" y="114503"/>
+                      </a:moveTo>
+                      <a:cubicBezTo>
+                        <a:pt x="179399" y="118396"/>
+                        <a:pt x="121375" y="173830"/>
+                        <a:pt x="114784" y="244837"/>
+                      </a:cubicBezTo>
+                      <a:cubicBezTo>
+                        <a:pt x="110792" y="289610"/>
+                        <a:pt x="126667" y="331788"/>
+                        <a:pt x="159624" y="362007"/>
+                      </a:cubicBezTo>
+                      <a:cubicBezTo>
+                        <a:pt x="186083" y="387407"/>
+                        <a:pt x="201680" y="419388"/>
+                        <a:pt x="204001" y="452852"/>
+                      </a:cubicBezTo>
+                      <a:lnTo>
+                        <a:pt x="311322" y="452852"/>
+                      </a:lnTo>
+                      <a:cubicBezTo>
+                        <a:pt x="313086" y="418553"/>
+                        <a:pt x="328683" y="386758"/>
+                        <a:pt x="354678" y="362007"/>
+                      </a:cubicBezTo>
+                      <a:cubicBezTo>
+                        <a:pt x="383736" y="334476"/>
+                        <a:pt x="400819" y="297489"/>
+                        <a:pt x="400819" y="258000"/>
+                      </a:cubicBezTo>
+                      <a:cubicBezTo>
+                        <a:pt x="400819" y="176425"/>
+                        <a:pt x="332304" y="110517"/>
+                        <a:pt x="250606" y="114503"/>
+                      </a:cubicBezTo>
+                      <a:close/>
+                      <a:moveTo>
+                        <a:pt x="249213" y="88269"/>
+                      </a:moveTo>
+                      <a:cubicBezTo>
+                        <a:pt x="346786" y="82985"/>
+                        <a:pt x="427185" y="161964"/>
+                        <a:pt x="427556" y="258092"/>
+                      </a:cubicBezTo>
+                      <a:cubicBezTo>
+                        <a:pt x="427556" y="304164"/>
+                        <a:pt x="407782" y="350142"/>
+                        <a:pt x="373524" y="381845"/>
+                      </a:cubicBezTo>
+                      <a:cubicBezTo>
+                        <a:pt x="351057" y="402795"/>
+                        <a:pt x="337874" y="430511"/>
+                        <a:pt x="337874" y="460824"/>
+                      </a:cubicBezTo>
+                      <a:lnTo>
+                        <a:pt x="337874" y="571413"/>
+                      </a:lnTo>
+                      <a:cubicBezTo>
+                        <a:pt x="337874" y="577995"/>
+                        <a:pt x="331190" y="583278"/>
+                        <a:pt x="324598" y="583278"/>
+                      </a:cubicBezTo>
+                      <a:lnTo>
+                        <a:pt x="270473" y="583278"/>
+                      </a:lnTo>
+                      <a:lnTo>
+                        <a:pt x="270473" y="592548"/>
+                      </a:lnTo>
+                      <a:cubicBezTo>
+                        <a:pt x="270473" y="600428"/>
+                        <a:pt x="265182" y="605804"/>
+                        <a:pt x="257290" y="605804"/>
+                      </a:cubicBezTo>
+                      <a:cubicBezTo>
+                        <a:pt x="249306" y="605804"/>
+                        <a:pt x="244014" y="600428"/>
+                        <a:pt x="244014" y="592548"/>
+                      </a:cubicBezTo>
+                      <a:lnTo>
+                        <a:pt x="244014" y="583278"/>
+                      </a:lnTo>
+                      <a:lnTo>
+                        <a:pt x="189890" y="583278"/>
+                      </a:lnTo>
+                      <a:cubicBezTo>
+                        <a:pt x="181999" y="583278"/>
+                        <a:pt x="176707" y="577995"/>
+                        <a:pt x="176707" y="570023"/>
+                      </a:cubicBezTo>
+                      <a:lnTo>
+                        <a:pt x="176707" y="460824"/>
+                      </a:lnTo>
+                      <a:cubicBezTo>
+                        <a:pt x="176707" y="430511"/>
+                        <a:pt x="163524" y="402795"/>
+                        <a:pt x="139757" y="380454"/>
+                      </a:cubicBezTo>
+                      <a:cubicBezTo>
+                        <a:pt x="101508" y="344951"/>
+                        <a:pt x="83126" y="293596"/>
+                        <a:pt x="87025" y="242241"/>
+                      </a:cubicBezTo>
+                      <a:cubicBezTo>
+                        <a:pt x="95009" y="158071"/>
+                        <a:pt x="164823" y="92255"/>
+                        <a:pt x="249213" y="88269"/>
+                      </a:cubicBezTo>
+                      <a:close/>
+                      <a:moveTo>
+                        <a:pt x="429815" y="66120"/>
+                      </a:moveTo>
+                      <a:lnTo>
+                        <a:pt x="448444" y="84608"/>
+                      </a:lnTo>
+                      <a:lnTo>
+                        <a:pt x="409280" y="123772"/>
+                      </a:lnTo>
+                      <a:lnTo>
+                        <a:pt x="390721" y="105143"/>
+                      </a:lnTo>
+                      <a:close/>
+                      <a:moveTo>
+                        <a:pt x="84820" y="66120"/>
+                      </a:moveTo>
+                      <a:lnTo>
+                        <a:pt x="123843" y="105143"/>
+                      </a:lnTo>
+                      <a:lnTo>
+                        <a:pt x="105284" y="123772"/>
+                      </a:lnTo>
+                      <a:lnTo>
+                        <a:pt x="66120" y="84749"/>
+                      </a:lnTo>
+                      <a:close/>
+                      <a:moveTo>
+                        <a:pt x="243945" y="0"/>
+                      </a:moveTo>
+                      <a:lnTo>
+                        <a:pt x="270266" y="0"/>
+                      </a:lnTo>
+                      <a:lnTo>
+                        <a:pt x="270266" y="55253"/>
+                      </a:lnTo>
+                      <a:lnTo>
+                        <a:pt x="243945" y="55253"/>
+                      </a:lnTo>
+                      <a:close/>
+                    </a:path>
+                  </a:pathLst>
+                </a:custGeom>
+                <a:solidFill>
+                  <a:schemeClr val="accent1"/>
+                </a:solidFill>
+                <a:ln>
+                  <a:noFill/>
+                </a:ln>
+              </p:spPr>
+              <p:style>
+                <a:lnRef idx="2">
+                  <a:schemeClr val="accent1">
+                    <a:shade val="50000"/>
+                  </a:schemeClr>
+                </a:lnRef>
+                <a:fillRef idx="1">
+                  <a:schemeClr val="accent1"/>
+                </a:fillRef>
+                <a:effectRef idx="0">
+                  <a:schemeClr val="accent1"/>
+                </a:effectRef>
+                <a:fontRef idx="minor">
+                  <a:schemeClr val="lt1"/>
+                </a:fontRef>
+              </p:style>
+              <p:txBody>
+                <a:bodyPr rot="0" spcFirstLastPara="0" vert="horz" wrap="square" lIns="91440" tIns="45720" rIns="91440" bIns="45720" numCol="1" spcCol="0" rtlCol="0" fromWordArt="0" anchor="ctr" anchorCtr="0" forceAA="0" compatLnSpc="1">
+                  <a:noAutofit/>
+                </a:bodyPr>
+                <a:lstStyle>
+                  <a:defPPr>
+                    <a:defRPr lang="zh-CN"/>
+                  </a:defPPr>
+                  <a:lvl1pPr marL="0" algn="l" defTabSz="914400" rtl="0" eaLnBrk="1" latinLnBrk="0" hangingPunct="1">
+                    <a:defRPr sz="1800" kern="1200">
+                      <a:solidFill>
+                        <a:schemeClr val="lt1"/>
+                      </a:solidFill>
+                      <a:latin typeface="+mn-lt"/>
+                      <a:ea typeface="+mn-ea"/>
+                      <a:cs typeface="+mn-cs"/>
+                    </a:defRPr>
+                  </a:lvl1pPr>
+                  <a:lvl2pPr marL="457200" algn="l" defTabSz="914400" rtl="0" eaLnBrk="1" latinLnBrk="0" hangingPunct="1">
+                    <a:defRPr sz="1800" kern="1200">
+                      <a:solidFill>
+                        <a:schemeClr val="lt1"/>
+                      </a:solidFill>
+                      <a:latin typeface="+mn-lt"/>
+                      <a:ea typeface="+mn-ea"/>
+                      <a:cs typeface="+mn-cs"/>
+                    </a:defRPr>
+                  </a:lvl2pPr>
+                  <a:lvl3pPr marL="914400" algn="l" defTabSz="914400" rtl="0" eaLnBrk="1" latinLnBrk="0" hangingPunct="1">
+                    <a:defRPr sz="1800" kern="1200">
+                      <a:solidFill>
+                        <a:schemeClr val="lt1"/>
+                      </a:solidFill>
+                      <a:latin typeface="+mn-lt"/>
+                      <a:ea typeface="+mn-ea"/>
+                      <a:cs typeface="+mn-cs"/>
+                    </a:defRPr>
+                  </a:lvl3pPr>
+                  <a:lvl4pPr marL="1371600" algn="l" defTabSz="914400" rtl="0" eaLnBrk="1" latinLnBrk="0" hangingPunct="1">
+                    <a:defRPr sz="1800" kern="1200">
+                      <a:solidFill>
+                        <a:schemeClr val="lt1"/>
+                      </a:solidFill>
+                      <a:latin typeface="+mn-lt"/>
+                      <a:ea typeface="+mn-ea"/>
+                      <a:cs typeface="+mn-cs"/>
+                    </a:defRPr>
+                  </a:lvl4pPr>
+                  <a:lvl5pPr marL="1828800" algn="l" defTabSz="914400" rtl="0" eaLnBrk="1" latinLnBrk="0" hangingPunct="1">
+                    <a:defRPr sz="1800" kern="1200">
+                      <a:solidFill>
+                        <a:schemeClr val="lt1"/>
+                      </a:solidFill>
+                      <a:latin typeface="+mn-lt"/>
+                      <a:ea typeface="+mn-ea"/>
+                      <a:cs typeface="+mn-cs"/>
+                    </a:defRPr>
+                  </a:lvl5pPr>
+                  <a:lvl6pPr marL="2286000" algn="l" defTabSz="914400" rtl="0" eaLnBrk="1" latinLnBrk="0" hangingPunct="1">
+                    <a:defRPr sz="1800" kern="1200">
+                      <a:solidFill>
+                        <a:schemeClr val="lt1"/>
+                      </a:solidFill>
+                      <a:latin typeface="+mn-lt"/>
+                      <a:ea typeface="+mn-ea"/>
+                      <a:cs typeface="+mn-cs"/>
+                    </a:defRPr>
+                  </a:lvl6pPr>
+                  <a:lvl7pPr marL="2743200" algn="l" defTabSz="914400" rtl="0" eaLnBrk="1" latinLnBrk="0" hangingPunct="1">
+                    <a:defRPr sz="1800" kern="1200">
+                      <a:solidFill>
+                        <a:schemeClr val="lt1"/>
+                      </a:solidFill>
+                      <a:latin typeface="+mn-lt"/>
+                      <a:ea typeface="+mn-ea"/>
+                      <a:cs typeface="+mn-cs"/>
+                    </a:defRPr>
+                  </a:lvl7pPr>
+                  <a:lvl8pPr marL="3200400" algn="l" defTabSz="914400" rtl="0" eaLnBrk="1" latinLnBrk="0" hangingPunct="1">
+                    <a:defRPr sz="1800" kern="1200">
+                      <a:solidFill>
+                        <a:schemeClr val="lt1"/>
+                      </a:solidFill>
+                      <a:latin typeface="+mn-lt"/>
+                      <a:ea typeface="+mn-ea"/>
+                      <a:cs typeface="+mn-cs"/>
+                    </a:defRPr>
+                  </a:lvl8pPr>
+                  <a:lvl9pPr marL="3657600" algn="l" defTabSz="914400" rtl="0" eaLnBrk="1" latinLnBrk="0" hangingPunct="1">
+                    <a:defRPr sz="1800" kern="1200">
+                      <a:solidFill>
+                        <a:schemeClr val="lt1"/>
+                      </a:solidFill>
+                      <a:latin typeface="+mn-lt"/>
+                      <a:ea typeface="+mn-ea"/>
+                      <a:cs typeface="+mn-cs"/>
+                    </a:defRPr>
+                  </a:lvl9pPr>
+                </a:lstStyle>
+                <a:p>
+                  <a:pPr algn="ctr"/>
+                  <a:endParaRPr lang="zh-CN" altLang="en-US">
+                    <a:ea typeface="微软雅黑" panose="020B0503020204020204" pitchFamily="34" charset="-122"/>
+                  </a:endParaRPr>
+                </a:p>
+              </p:txBody>
+            </p:sp>
+          </p:grpSp>
+          <p:cxnSp>
+            <p:nvCxnSpPr>
+              <p:cNvPr id="15" name="直接连接符 14"/>
+              <p:cNvCxnSpPr/>
+              <p:nvPr/>
+            </p:nvCxnSpPr>
+            <p:spPr>
+              <a:xfrm>
+                <a:off x="2446950" y="-776742"/>
+                <a:ext cx="0" cy="429532"/>
+              </a:xfrm>
+              <a:prstGeom prst="line">
+                <a:avLst/>
+              </a:prstGeom>
+              <a:ln>
+                <a:prstDash val="dash"/>
+              </a:ln>
+            </p:spPr>
+            <p:style>
+              <a:lnRef idx="1">
+                <a:schemeClr val="accent1"/>
+              </a:lnRef>
+              <a:fillRef idx="0">
+                <a:schemeClr val="accent1"/>
+              </a:fillRef>
+              <a:effectRef idx="0">
+                <a:schemeClr val="accent1"/>
+              </a:effectRef>
+              <a:fontRef idx="minor">
+                <a:schemeClr val="tx1"/>
+              </a:fontRef>
+            </p:style>
+          </p:cxnSp>
+          <p:sp>
+            <p:nvSpPr>
+              <p:cNvPr id="16" name="等腰三角形 15"/>
+              <p:cNvSpPr/>
+              <p:nvPr/>
+            </p:nvSpPr>
+            <p:spPr>
+              <a:xfrm rot="5400000">
+                <a:off x="2443292" y="-584836"/>
+                <a:ext cx="53036" cy="45720"/>
+              </a:xfrm>
+              <a:prstGeom prst="triangle">
+                <a:avLst/>
+              </a:prstGeom>
+              <a:solidFill>
+                <a:schemeClr val="accent2"/>
+              </a:solidFill>
+              <a:ln>
+                <a:noFill/>
+              </a:ln>
+            </p:spPr>
+            <p:style>
+              <a:lnRef idx="2">
+                <a:schemeClr val="accent1">
+                  <a:shade val="50000"/>
+                </a:schemeClr>
+              </a:lnRef>
+              <a:fillRef idx="1">
+                <a:schemeClr val="accent1"/>
+              </a:fillRef>
+              <a:effectRef idx="0">
+                <a:schemeClr val="accent1"/>
+              </a:effectRef>
+              <a:fontRef idx="minor">
+                <a:schemeClr val="lt1"/>
+              </a:fontRef>
+            </p:style>
+            <p:txBody>
+              <a:bodyPr rtlCol="0" anchor="ctr"/>
+              <a:lstStyle/>
+              <a:p>
+                <a:pPr algn="ctr"/>
+                <a:endParaRPr lang="zh-CN" altLang="en-US">
+                  <a:ea typeface="微软雅黑" panose="020B0503020204020204" pitchFamily="34" charset="-122"/>
+                </a:endParaRPr>
+              </a:p>
+            </p:txBody>
+          </p:sp>
+          <p:sp>
+            <p:nvSpPr>
+              <p:cNvPr id="17" name="文本框 16"/>
+              <p:cNvSpPr txBox="1"/>
+              <p:nvPr/>
+            </p:nvSpPr>
+            <p:spPr>
+              <a:xfrm>
+                <a:off x="2492670" y="-746642"/>
+                <a:ext cx="5803849" cy="369332"/>
+              </a:xfrm>
+              <a:prstGeom prst="rect">
+                <a:avLst/>
+              </a:prstGeom>
+              <a:noFill/>
+            </p:spPr>
+            <p:txBody>
+              <a:bodyPr wrap="square" rtlCol="0">
+                <a:spAutoFit/>
+              </a:bodyPr>
+              <a:lstStyle/>
+              <a:p>
+                <a:pPr lvl="0" algn="ctr"/>
+                <a:r>
+                  <a:rPr lang="zh-CN" altLang="en-US" dirty="0">
+                    <a:ea typeface="微软雅黑" panose="020B0503020204020204" pitchFamily="34" charset="-122"/>
+                  </a:rPr>
+                  <a:t>选中图片</a:t>
+                </a:r>
+                <a:r>
+                  <a:rPr lang="en-US" altLang="zh-CN" dirty="0">
+                    <a:ea typeface="微软雅黑" panose="020B0503020204020204" pitchFamily="34" charset="-122"/>
+                  </a:rPr>
+                  <a:t>Delete</a:t>
+                </a:r>
+                <a:r>
+                  <a:rPr lang="zh-CN" altLang="en-US" dirty="0">
+                    <a:ea typeface="微软雅黑" panose="020B0503020204020204" pitchFamily="34" charset="-122"/>
+                  </a:rPr>
+                  <a:t>，点击中间图标即可插入新图片</a:t>
+                </a:r>
+              </a:p>
+            </p:txBody>
+          </p:sp>
+        </p:grpSp>
+        <p:sp>
+          <p:nvSpPr>
+            <p:cNvPr id="11" name="文本框 10"/>
+            <p:cNvSpPr txBox="1"/>
+            <p:nvPr/>
+          </p:nvSpPr>
+          <p:spPr>
+            <a:xfrm>
+              <a:off x="6582625" y="-626246"/>
+              <a:ext cx="188305" cy="425834"/>
+            </a:xfrm>
+            <a:custGeom>
+              <a:avLst/>
+              <a:gdLst/>
+              <a:ahLst/>
+              <a:cxnLst/>
+              <a:rect l="l" t="t" r="r" b="b"/>
+              <a:pathLst>
+                <a:path w="188305" h="425834">
+                  <a:moveTo>
+                    <a:pt x="137517" y="318455"/>
+                  </a:moveTo>
+                  <a:cubicBezTo>
+                    <a:pt x="151358" y="318455"/>
+                    <a:pt x="161479" y="320222"/>
+                    <a:pt x="167878" y="323757"/>
+                  </a:cubicBezTo>
+                  <a:cubicBezTo>
+                    <a:pt x="174278" y="327291"/>
+                    <a:pt x="179282" y="333003"/>
+                    <a:pt x="182891" y="340890"/>
+                  </a:cubicBezTo>
+                  <a:cubicBezTo>
+                    <a:pt x="186500" y="348778"/>
+                    <a:pt x="188305" y="358303"/>
+                    <a:pt x="188305" y="369465"/>
+                  </a:cubicBezTo>
+                  <a:cubicBezTo>
+                    <a:pt x="188305" y="381669"/>
+                    <a:pt x="186333" y="392069"/>
+                    <a:pt x="182389" y="400664"/>
+                  </a:cubicBezTo>
+                  <a:cubicBezTo>
+                    <a:pt x="178445" y="409258"/>
+                    <a:pt x="173478" y="414951"/>
+                    <a:pt x="167488" y="417742"/>
+                  </a:cubicBezTo>
+                  <a:cubicBezTo>
+                    <a:pt x="161497" y="420532"/>
+                    <a:pt x="151321" y="421927"/>
+                    <a:pt x="136959" y="421927"/>
+                  </a:cubicBezTo>
+                  <a:lnTo>
+                    <a:pt x="129815" y="421927"/>
+                  </a:lnTo>
+                  <a:lnTo>
+                    <a:pt x="129815" y="378283"/>
+                  </a:lnTo>
+                  <a:lnTo>
+                    <a:pt x="143210" y="378283"/>
+                  </a:lnTo>
+                  <a:cubicBezTo>
+                    <a:pt x="149461" y="378283"/>
+                    <a:pt x="153442" y="377725"/>
+                    <a:pt x="155153" y="376609"/>
+                  </a:cubicBezTo>
+                  <a:cubicBezTo>
+                    <a:pt x="156865" y="375493"/>
+                    <a:pt x="157721" y="373633"/>
+                    <a:pt x="157721" y="371028"/>
+                  </a:cubicBezTo>
+                  <a:cubicBezTo>
+                    <a:pt x="157721" y="368200"/>
+                    <a:pt x="156566" y="366061"/>
+                    <a:pt x="154258" y="364610"/>
+                  </a:cubicBezTo>
+                  <a:cubicBezTo>
+                    <a:pt x="151949" y="363159"/>
+                    <a:pt x="148449" y="362433"/>
+                    <a:pt x="143758" y="362433"/>
+                  </a:cubicBezTo>
+                  <a:cubicBezTo>
+                    <a:pt x="137727" y="362433"/>
+                    <a:pt x="133184" y="363249"/>
+                    <a:pt x="130131" y="364880"/>
+                  </a:cubicBezTo>
+                  <a:cubicBezTo>
+                    <a:pt x="127078" y="366438"/>
+                    <a:pt x="123395" y="370865"/>
+                    <a:pt x="119082" y="378160"/>
+                  </a:cubicBezTo>
+                  <a:cubicBezTo>
+                    <a:pt x="106667" y="399078"/>
+                    <a:pt x="96478" y="412254"/>
+                    <a:pt x="88516" y="417686"/>
+                  </a:cubicBezTo>
+                  <a:cubicBezTo>
+                    <a:pt x="80553" y="423118"/>
+                    <a:pt x="67717" y="425834"/>
+                    <a:pt x="50006" y="425834"/>
+                  </a:cubicBezTo>
+                  <a:cubicBezTo>
+                    <a:pt x="37133" y="425834"/>
+                    <a:pt x="27645" y="424327"/>
+                    <a:pt x="21543" y="421313"/>
+                  </a:cubicBezTo>
+                  <a:cubicBezTo>
+                    <a:pt x="15441" y="418300"/>
+                    <a:pt x="10325" y="412477"/>
+                    <a:pt x="6195" y="403845"/>
+                  </a:cubicBezTo>
+                  <a:cubicBezTo>
+                    <a:pt x="2065" y="395213"/>
+                    <a:pt x="0" y="385167"/>
+                    <a:pt x="0" y="373707"/>
+                  </a:cubicBezTo>
+                  <a:cubicBezTo>
+                    <a:pt x="0" y="361131"/>
+                    <a:pt x="2381" y="350397"/>
+                    <a:pt x="7144" y="341504"/>
+                  </a:cubicBezTo>
+                  <a:cubicBezTo>
+                    <a:pt x="11906" y="332612"/>
+                    <a:pt x="17971" y="326789"/>
+                    <a:pt x="25338" y="324036"/>
+                  </a:cubicBezTo>
+                  <a:cubicBezTo>
+                    <a:pt x="32705" y="321282"/>
+                    <a:pt x="43160" y="319906"/>
+                    <a:pt x="56704" y="319906"/>
+                  </a:cubicBezTo>
+                  <a:lnTo>
+                    <a:pt x="68535" y="319906"/>
+                  </a:lnTo>
+                  <a:lnTo>
+                    <a:pt x="68535" y="363549"/>
+                  </a:lnTo>
+                  <a:lnTo>
+                    <a:pt x="46546" y="363549"/>
+                  </a:lnTo>
+                  <a:cubicBezTo>
+                    <a:pt x="39774" y="363549"/>
+                    <a:pt x="35421" y="364163"/>
+                    <a:pt x="33486" y="365391"/>
+                  </a:cubicBezTo>
+                  <a:cubicBezTo>
+                    <a:pt x="31552" y="366619"/>
+                    <a:pt x="30584" y="368796"/>
+                    <a:pt x="30584" y="371921"/>
+                  </a:cubicBezTo>
+                  <a:cubicBezTo>
+                    <a:pt x="30584" y="375046"/>
+                    <a:pt x="31812" y="377372"/>
+                    <a:pt x="34268" y="378897"/>
+                  </a:cubicBezTo>
+                  <a:cubicBezTo>
+                    <a:pt x="36723" y="380423"/>
+                    <a:pt x="40370" y="381186"/>
+                    <a:pt x="45207" y="381186"/>
+                  </a:cubicBezTo>
+                  <a:cubicBezTo>
+                    <a:pt x="55848" y="381186"/>
+                    <a:pt x="62806" y="379735"/>
+                    <a:pt x="66080" y="376832"/>
+                  </a:cubicBezTo>
+                  <a:cubicBezTo>
+                    <a:pt x="69354" y="373856"/>
+                    <a:pt x="74823" y="366526"/>
+                    <a:pt x="82488" y="354843"/>
+                  </a:cubicBezTo>
+                  <a:cubicBezTo>
+                    <a:pt x="90227" y="343160"/>
+                    <a:pt x="95845" y="335421"/>
+                    <a:pt x="99343" y="331626"/>
+                  </a:cubicBezTo>
+                  <a:cubicBezTo>
+                    <a:pt x="102840" y="327831"/>
+                    <a:pt x="107677" y="324687"/>
+                    <a:pt x="113854" y="322194"/>
+                  </a:cubicBezTo>
+                  <a:cubicBezTo>
+                    <a:pt x="120030" y="319701"/>
+                    <a:pt x="127918" y="318455"/>
+                    <a:pt x="137517" y="318455"/>
+                  </a:cubicBezTo>
+                  <a:close/>
+                  <a:moveTo>
+                    <a:pt x="107603" y="245529"/>
+                  </a:moveTo>
+                  <a:cubicBezTo>
+                    <a:pt x="107528" y="246868"/>
+                    <a:pt x="107491" y="248022"/>
+                    <a:pt x="107491" y="248989"/>
+                  </a:cubicBezTo>
+                  <a:cubicBezTo>
+                    <a:pt x="107491" y="253305"/>
+                    <a:pt x="108552" y="256300"/>
+                    <a:pt x="110672" y="257975"/>
+                  </a:cubicBezTo>
+                  <a:cubicBezTo>
+                    <a:pt x="112793" y="259649"/>
+                    <a:pt x="117202" y="260486"/>
+                    <a:pt x="123900" y="260486"/>
+                  </a:cubicBezTo>
+                  <a:lnTo>
+                    <a:pt x="138745" y="260486"/>
+                  </a:lnTo>
+                  <a:cubicBezTo>
+                    <a:pt x="144922" y="260486"/>
+                    <a:pt x="148940" y="259519"/>
+                    <a:pt x="150800" y="257584"/>
+                  </a:cubicBezTo>
+                  <a:cubicBezTo>
+                    <a:pt x="152661" y="255649"/>
+                    <a:pt x="153591" y="251631"/>
+                    <a:pt x="153591" y="245529"/>
+                  </a:cubicBezTo>
+                  <a:close/>
+                  <a:moveTo>
+                    <a:pt x="3795" y="198536"/>
+                  </a:moveTo>
+                  <a:lnTo>
+                    <a:pt x="184510" y="198536"/>
+                  </a:lnTo>
+                  <a:lnTo>
+                    <a:pt x="184510" y="245864"/>
+                  </a:lnTo>
+                  <a:cubicBezTo>
+                    <a:pt x="184510" y="258663"/>
+                    <a:pt x="183505" y="268504"/>
+                    <a:pt x="181496" y="275387"/>
+                  </a:cubicBezTo>
+                  <a:cubicBezTo>
+                    <a:pt x="179487" y="282271"/>
+                    <a:pt x="176585" y="287443"/>
+                    <a:pt x="172790" y="290903"/>
+                  </a:cubicBezTo>
+                  <a:cubicBezTo>
+                    <a:pt x="168994" y="294363"/>
+                    <a:pt x="164399" y="296707"/>
+                    <a:pt x="159004" y="297935"/>
+                  </a:cubicBezTo>
+                  <a:cubicBezTo>
+                    <a:pt x="153609" y="299163"/>
+                    <a:pt x="145256" y="299777"/>
+                    <a:pt x="133945" y="299777"/>
+                  </a:cubicBezTo>
+                  <a:lnTo>
+                    <a:pt x="118207" y="299777"/>
+                  </a:lnTo>
+                  <a:cubicBezTo>
+                    <a:pt x="106673" y="299777"/>
+                    <a:pt x="98264" y="298586"/>
+                    <a:pt x="92981" y="296205"/>
+                  </a:cubicBezTo>
+                  <a:cubicBezTo>
+                    <a:pt x="87697" y="293824"/>
+                    <a:pt x="83642" y="289452"/>
+                    <a:pt x="80814" y="283089"/>
+                  </a:cubicBezTo>
+                  <a:cubicBezTo>
+                    <a:pt x="77986" y="276727"/>
+                    <a:pt x="76572" y="268411"/>
+                    <a:pt x="76572" y="258142"/>
+                  </a:cubicBezTo>
+                  <a:lnTo>
+                    <a:pt x="76572" y="245529"/>
+                  </a:lnTo>
+                  <a:lnTo>
+                    <a:pt x="3795" y="245529"/>
+                  </a:lnTo>
+                  <a:close/>
+                  <a:moveTo>
+                    <a:pt x="3795" y="122336"/>
+                  </a:moveTo>
+                  <a:lnTo>
+                    <a:pt x="184510" y="122336"/>
+                  </a:lnTo>
+                  <a:lnTo>
+                    <a:pt x="184510" y="169329"/>
+                  </a:lnTo>
+                  <a:lnTo>
+                    <a:pt x="3795" y="169329"/>
+                  </a:lnTo>
+                  <a:close/>
+                  <a:moveTo>
+                    <a:pt x="148345" y="0"/>
+                  </a:moveTo>
+                  <a:lnTo>
+                    <a:pt x="184510" y="0"/>
+                  </a:lnTo>
+                  <a:lnTo>
+                    <a:pt x="184510" y="102691"/>
+                  </a:lnTo>
+                  <a:lnTo>
+                    <a:pt x="148345" y="102691"/>
+                  </a:lnTo>
+                  <a:lnTo>
+                    <a:pt x="148345" y="74786"/>
+                  </a:lnTo>
+                  <a:lnTo>
+                    <a:pt x="3795" y="74786"/>
+                  </a:lnTo>
+                  <a:lnTo>
+                    <a:pt x="3795" y="27793"/>
+                  </a:lnTo>
+                  <a:lnTo>
+                    <a:pt x="148345" y="27793"/>
+                  </a:lnTo>
+                  <a:close/>
+                </a:path>
+              </a:pathLst>
+            </a:custGeom>
+            <a:solidFill>
+              <a:schemeClr val="accent1"/>
+            </a:solidFill>
+            <a:ln>
+              <a:noFill/>
+            </a:ln>
+            <a:effectLst/>
+          </p:spPr>
+          <p:txBody>
+            <a:bodyPr rot="0" spcFirstLastPara="0" vertOverflow="overflow" horzOverflow="overflow" vert="horz" wrap="square" lIns="91440" tIns="45720" rIns="91440" bIns="45720" numCol="1" spcCol="0" rtlCol="0" fromWordArt="0" anchor="t" anchorCtr="0" forceAA="0" compatLnSpc="1">
+              <a:noAutofit/>
+            </a:bodyPr>
+            <a:lstStyle/>
+            <a:p>
+              <a:pPr algn="ctr">
+                <a:lnSpc>
+                  <a:spcPct val="130000"/>
+                </a:lnSpc>
+              </a:pPr>
+              <a:endParaRPr lang="zh-CN" altLang="en-US" spc="100" dirty="0">
+                <a:solidFill>
+                  <a:schemeClr val="tx1">
+                    <a:lumMod val="65000"/>
+                    <a:lumOff val="35000"/>
+                  </a:schemeClr>
+                </a:solidFill>
+                <a:ea typeface="微软雅黑" panose="020B0503020204020204" pitchFamily="34" charset="-122"/>
+              </a:endParaRPr>
+            </a:p>
+          </p:txBody>
+        </p:sp>
+      </p:grpSp>
+      <p:sp>
+        <p:nvSpPr>
+          <p:cNvPr id="20" name="矩形 19"/>
+          <p:cNvSpPr/>
+          <p:nvPr/>
+        </p:nvSpPr>
+        <p:spPr>
+          <a:xfrm>
+            <a:off x="1435100" y="4289891"/>
+            <a:ext cx="3035300" cy="609600"/>
+          </a:xfrm>
+          <a:prstGeom prst="rect">
+            <a:avLst/>
+          </a:prstGeom>
+          <a:ln>
+            <a:noFill/>
+          </a:ln>
+        </p:spPr>
+        <p:style>
+          <a:lnRef idx="2">
+            <a:schemeClr val="accent1">
+              <a:shade val="50000"/>
+            </a:schemeClr>
+          </a:lnRef>
+          <a:fillRef idx="1">
+            <a:schemeClr val="accent1"/>
+          </a:fillRef>
+          <a:effectRef idx="0">
+            <a:schemeClr val="accent1"/>
+          </a:effectRef>
+          <a:fontRef idx="minor">
+            <a:schemeClr val="lt1"/>
+          </a:fontRef>
+        </p:style>
+        <p:txBody>
+          <a:bodyPr rtlCol="0" anchor="ctr"/>
+          <a:lstStyle/>
+          <a:p>
+            <a:pPr algn="ctr"/>
+            <a:r>
+              <a:rPr lang="zh-CN" altLang="en-US" sz="2800" b="1" dirty="0">
+                <a:ea typeface="微软雅黑" panose="020B0503020204020204" pitchFamily="34" charset="-122"/>
+              </a:rPr>
+              <a:t>输入内容</a:t>
+            </a:r>
+          </a:p>
+        </p:txBody>
+      </p:sp>
+      <p:grpSp>
+        <p:nvGrpSpPr>
+          <p:cNvPr id="21" name="组合 20"/>
+          <p:cNvGrpSpPr/>
+          <p:nvPr/>
+        </p:nvGrpSpPr>
+        <p:grpSpPr>
+          <a:xfrm>
+            <a:off x="889000" y="1244600"/>
+            <a:ext cx="3987800" cy="4635500"/>
+            <a:chOff x="889000" y="1244600"/>
+            <a:chExt cx="3987800" cy="4635500"/>
+          </a:xfrm>
+        </p:grpSpPr>
+        <p:sp>
+          <p:nvSpPr>
+            <p:cNvPr id="22" name="半闭框 21"/>
+            <p:cNvSpPr/>
+            <p:nvPr userDrawn="1"/>
+          </p:nvSpPr>
+          <p:spPr>
+            <a:xfrm>
+              <a:off x="889000" y="1244600"/>
+              <a:ext cx="1092200" cy="1193800"/>
+            </a:xfrm>
+            <a:prstGeom prst="halfFrame">
+              <a:avLst>
+                <a:gd name="adj1" fmla="val 12402"/>
+                <a:gd name="adj2" fmla="val 11240"/>
+              </a:avLst>
+            </a:prstGeom>
+            <a:solidFill>
+              <a:schemeClr val="accent1">
+                <a:alpha val="55000"/>
+              </a:schemeClr>
+            </a:solidFill>
+            <a:ln>
+              <a:noFill/>
+            </a:ln>
+          </p:spPr>
+          <p:style>
+            <a:lnRef idx="2">
+              <a:schemeClr val="accent1">
+                <a:shade val="50000"/>
+              </a:schemeClr>
+            </a:lnRef>
+            <a:fillRef idx="1">
+              <a:schemeClr val="accent1"/>
+            </a:fillRef>
+            <a:effectRef idx="0">
+              <a:schemeClr val="accent1"/>
+            </a:effectRef>
+            <a:fontRef idx="minor">
+              <a:schemeClr val="lt1"/>
+            </a:fontRef>
+          </p:style>
+          <p:txBody>
+            <a:bodyPr rtlCol="0" anchor="ctr"/>
+            <a:lstStyle/>
+            <a:p>
+              <a:pPr algn="ctr"/>
+              <a:endParaRPr lang="zh-CN" altLang="en-US">
+                <a:solidFill>
+                  <a:schemeClr val="tx1"/>
+                </a:solidFill>
+                <a:ea typeface="微软雅黑" panose="020B0503020204020204" pitchFamily="34" charset="-122"/>
+              </a:endParaRPr>
+            </a:p>
+          </p:txBody>
+        </p:sp>
+        <p:sp>
+          <p:nvSpPr>
+            <p:cNvPr id="23" name="半闭框 22"/>
+            <p:cNvSpPr/>
+            <p:nvPr userDrawn="1"/>
+          </p:nvSpPr>
+          <p:spPr>
+            <a:xfrm rot="10800000">
+              <a:off x="3784600" y="4686300"/>
+              <a:ext cx="1092200" cy="1193800"/>
+            </a:xfrm>
+            <a:prstGeom prst="halfFrame">
+              <a:avLst>
+                <a:gd name="adj1" fmla="val 12402"/>
+                <a:gd name="adj2" fmla="val 11240"/>
+              </a:avLst>
+            </a:prstGeom>
+            <a:solidFill>
+              <a:schemeClr val="accent1">
+                <a:alpha val="55000"/>
+              </a:schemeClr>
+            </a:solidFill>
+            <a:ln>
+              <a:noFill/>
+            </a:ln>
+          </p:spPr>
+          <p:style>
+            <a:lnRef idx="2">
+              <a:schemeClr val="accent1">
+                <a:shade val="50000"/>
+              </a:schemeClr>
+            </a:lnRef>
+            <a:fillRef idx="1">
+              <a:schemeClr val="accent1"/>
+            </a:fillRef>
+            <a:effectRef idx="0">
+              <a:schemeClr val="accent1"/>
+            </a:effectRef>
+            <a:fontRef idx="minor">
+              <a:schemeClr val="lt1"/>
+            </a:fontRef>
+          </p:style>
+          <p:txBody>
+            <a:bodyPr rtlCol="0" anchor="ctr"/>
+            <a:lstStyle/>
+            <a:p>
+              <a:pPr algn="ctr"/>
+              <a:endParaRPr lang="zh-CN" altLang="en-US">
+                <a:solidFill>
+                  <a:schemeClr val="tx1"/>
+                </a:solidFill>
+                <a:ea typeface="微软雅黑" panose="020B0503020204020204" pitchFamily="34" charset="-122"/>
+              </a:endParaRPr>
+            </a:p>
+          </p:txBody>
+        </p:sp>
+      </p:grpSp>
+      <p:pic>
+        <p:nvPicPr>
+          <p:cNvPr id="25" name="图片占位符 24"/>
+          <p:cNvPicPr>
+            <a:picLocks noGrp="1" noChangeAspect="1"/>
+          </p:cNvPicPr>
+          <p:nvPr>
+            <p:ph type="pic" sz="quarter" idx="10"/>
+          </p:nvPr>
+        </p:nvPicPr>
+        <p:blipFill>
+          <a:blip r:embed="rId3" cstate="print">
+            <a:extLst>
+              <a:ext uri="{28A0092B-C50C-407E-A947-70E740481C1C}">
+                <a14:useLocalDpi xmlns:a14="http://schemas.microsoft.com/office/drawing/2010/main" val="0"/>
+              </a:ext>
+            </a:extLst>
+          </a:blip>
+          <a:srcRect l="9764" r="9764"/>
+          <a:stretch/>
+        </p:blipFill>
+        <p:spPr/>
+      </p:pic>
+      <p:sp>
+        <p:nvSpPr>
+          <p:cNvPr id="26" name="文本框 25">
+            <a:extLst>
+              <a:ext uri="{FF2B5EF4-FFF2-40B4-BE49-F238E27FC236}">
+                <a16:creationId xmlns:a16="http://schemas.microsoft.com/office/drawing/2014/main" id="{C33AFFDA-9EAE-364F-697C-CB4448A45398}"/>
+              </a:ext>
+            </a:extLst>
+          </p:cNvPr>
+          <p:cNvSpPr txBox="1"/>
+          <p:nvPr/>
+        </p:nvSpPr>
+        <p:spPr>
+          <a:xfrm>
+            <a:off x="2345311" y="5619999"/>
+            <a:ext cx="1661809" cy="369332"/>
+          </a:xfrm>
+          <a:prstGeom prst="rect">
+            <a:avLst/>
+          </a:prstGeom>
+          <a:noFill/>
+        </p:spPr>
+        <p:txBody>
+          <a:bodyPr wrap="square" rtlCol="0">
+            <a:spAutoFit/>
+          </a:bodyPr>
+          <a:lstStyle/>
+          <a:p>
+            <a:r>
+              <a:rPr lang="zh-CN" altLang="en-US" dirty="0"/>
+              <a:t>小组</a:t>
+            </a:r>
+            <a:r>
+              <a:rPr lang="en-US" altLang="zh-CN" dirty="0"/>
+              <a:t>logo</a:t>
+            </a:r>
+            <a:endParaRPr lang="zh-CN" altLang="en-US" dirty="0"/>
+          </a:p>
+        </p:txBody>
+      </p:sp>
+    </p:spTree>
+    <p:extLst>
+      <p:ext uri="{BB962C8B-B14F-4D97-AF65-F5344CB8AC3E}">
+        <p14:creationId xmlns:p14="http://schemas.microsoft.com/office/powerpoint/2010/main" val="93032811"/>
+      </p:ext>
+    </p:extLst>
+  </p:cSld>
+  <p:clrMapOvr>
+    <a:masterClrMapping/>
+  </p:clrMapOvr>
+</p:sld>
+</file>
+
+<file path=ppt/slides/slide20.xml><?xml version="1.0" encoding="utf-8"?>
 <p:sld xmlns:a="http://schemas.openxmlformats.org/drawingml/2006/main" xmlns:r="http://schemas.openxmlformats.org/officeDocument/2006/relationships" xmlns:p="http://schemas.openxmlformats.org/presentationml/2006/main">
   <p:cSld>
     <p:spTree>
@@ -13580,7 +16586,744 @@
 </p:sld>
 </file>
 
-<file path=ppt/slides/slide2.xml><?xml version="1.0" encoding="utf-8"?>
+<file path=ppt/slides/slide21.xml><?xml version="1.0" encoding="utf-8"?>
+<p:sld xmlns:a="http://schemas.openxmlformats.org/drawingml/2006/main" xmlns:r="http://schemas.openxmlformats.org/officeDocument/2006/relationships" xmlns:p="http://schemas.openxmlformats.org/presentationml/2006/main">
+  <p:cSld>
+    <p:spTree>
+      <p:nvGrpSpPr>
+        <p:cNvPr id="1" name=""/>
+        <p:cNvGrpSpPr/>
+        <p:nvPr/>
+      </p:nvGrpSpPr>
+      <p:grpSpPr>
+        <a:xfrm>
+          <a:off x="0" y="0"/>
+          <a:ext cx="0" cy="0"/>
+          <a:chOff x="0" y="0"/>
+          <a:chExt cx="0" cy="0"/>
+        </a:xfrm>
+      </p:grpSpPr>
+      <p:sp>
+        <p:nvSpPr>
+          <p:cNvPr id="6" name="矩形: 圆角 5"/>
+          <p:cNvSpPr/>
+          <p:nvPr/>
+        </p:nvSpPr>
+        <p:spPr>
+          <a:xfrm>
+            <a:off x="1127760" y="1381760"/>
+            <a:ext cx="9936480" cy="4752340"/>
+          </a:xfrm>
+          <a:prstGeom prst="roundRect">
+            <a:avLst>
+              <a:gd name="adj" fmla="val 1496"/>
+            </a:avLst>
+          </a:prstGeom>
+          <a:solidFill>
+            <a:schemeClr val="bg1"/>
+          </a:solidFill>
+          <a:ln w="38100">
+            <a:solidFill>
+              <a:schemeClr val="accent1"/>
+            </a:solidFill>
+          </a:ln>
+          <a:effectLst>
+            <a:outerShdw blurRad="381000" algn="ctr" rotWithShape="0">
+              <a:prstClr val="black">
+                <a:alpha val="20000"/>
+              </a:prstClr>
+            </a:outerShdw>
+          </a:effectLst>
+        </p:spPr>
+        <p:style>
+          <a:lnRef idx="2">
+            <a:schemeClr val="accent1">
+              <a:shade val="50000"/>
+            </a:schemeClr>
+          </a:lnRef>
+          <a:fillRef idx="1">
+            <a:schemeClr val="accent1"/>
+          </a:fillRef>
+          <a:effectRef idx="0">
+            <a:schemeClr val="accent1"/>
+          </a:effectRef>
+          <a:fontRef idx="minor">
+            <a:schemeClr val="lt1"/>
+          </a:fontRef>
+        </p:style>
+        <p:txBody>
+          <a:bodyPr rtlCol="0" anchor="ctr"/>
+          <a:lstStyle/>
+          <a:p>
+            <a:pPr algn="ctr"/>
+            <a:endParaRPr lang="zh-CN" altLang="en-US">
+              <a:ea typeface="微软雅黑" panose="020B0503020204020204" pitchFamily="34" charset="-122"/>
+            </a:endParaRPr>
+          </a:p>
+        </p:txBody>
+      </p:sp>
+      <p:sp>
+        <p:nvSpPr>
+          <p:cNvPr id="10" name="文本框 9"/>
+          <p:cNvSpPr txBox="1"/>
+          <p:nvPr/>
+        </p:nvSpPr>
+        <p:spPr>
+          <a:xfrm>
+            <a:off x="823449" y="135317"/>
+            <a:ext cx="6632661" cy="1322221"/>
+          </a:xfrm>
+          <a:prstGeom prst="rect">
+            <a:avLst/>
+          </a:prstGeom>
+          <a:noFill/>
+        </p:spPr>
+        <p:txBody>
+          <a:bodyPr wrap="square" rtlCol="0">
+            <a:spAutoFit/>
+          </a:bodyPr>
+          <a:lstStyle/>
+          <a:p>
+            <a:pPr>
+              <a:lnSpc>
+                <a:spcPct val="130000"/>
+              </a:lnSpc>
+            </a:pPr>
+            <a:r>
+              <a:rPr lang="zh-CN" altLang="en-US" sz="3200" b="1" dirty="0">
+                <a:ea typeface="微软雅黑" panose="020B0503020204020204" pitchFamily="34" charset="-122"/>
+              </a:rPr>
+              <a:t>思考</a:t>
+            </a:r>
+            <a:r>
+              <a:rPr lang="en-US" altLang="zh-CN" sz="3200" b="1" dirty="0">
+                <a:ea typeface="微软雅黑" panose="020B0503020204020204" pitchFamily="34" charset="-122"/>
+              </a:rPr>
+              <a:t>——</a:t>
+            </a:r>
+            <a:r>
+              <a:rPr lang="zh-CN" altLang="en-US" sz="3200" b="1" dirty="0">
+                <a:ea typeface="微软雅黑" panose="020B0503020204020204" pitchFamily="34" charset="-122"/>
+              </a:rPr>
+              <a:t>基于模板匹配的问答系统</a:t>
+            </a:r>
+          </a:p>
+          <a:p>
+            <a:pPr>
+              <a:lnSpc>
+                <a:spcPct val="130000"/>
+              </a:lnSpc>
+            </a:pPr>
+            <a:endParaRPr lang="zh-CN" altLang="en-US" sz="3200" b="1" dirty="0">
+              <a:ea typeface="微软雅黑" panose="020B0503020204020204" pitchFamily="34" charset="-122"/>
+            </a:endParaRPr>
+          </a:p>
+        </p:txBody>
+      </p:sp>
+      <p:sp>
+        <p:nvSpPr>
+          <p:cNvPr id="13" name="矩形 12"/>
+          <p:cNvSpPr/>
+          <p:nvPr/>
+        </p:nvSpPr>
+        <p:spPr>
+          <a:xfrm>
+            <a:off x="1350893" y="1486410"/>
+            <a:ext cx="9490214" cy="4018985"/>
+          </a:xfrm>
+          <a:prstGeom prst="rect">
+            <a:avLst/>
+          </a:prstGeom>
+        </p:spPr>
+        <p:txBody>
+          <a:bodyPr wrap="square">
+            <a:spAutoFit/>
+          </a:bodyPr>
+          <a:lstStyle/>
+          <a:p>
+            <a:pPr marL="342900" indent="-342900">
+              <a:lnSpc>
+                <a:spcPct val="150000"/>
+              </a:lnSpc>
+              <a:spcBef>
+                <a:spcPts val="600"/>
+              </a:spcBef>
+              <a:buFont typeface="Arial" panose="020B0604020202020204" pitchFamily="34" charset="0"/>
+              <a:buChar char="•"/>
+            </a:pPr>
+            <a:r>
+              <a:rPr lang="zh-CN" altLang="en-US" b="1" spc="100" dirty="0">
+                <a:ea typeface="微软雅黑" panose="020B0503020204020204" pitchFamily="34" charset="-122"/>
+              </a:rPr>
+              <a:t>缺乏灵活性</a:t>
+            </a:r>
+            <a:r>
+              <a:rPr lang="zh-CN" altLang="en-US" spc="100" dirty="0">
+                <a:ea typeface="微软雅黑" panose="020B0503020204020204" pitchFamily="34" charset="-122"/>
+              </a:rPr>
+              <a:t>：模板的问答系统通常是基于预先定义的固定模板，因此只能回答事先设定的问题，对于未知或新颖的问题无法进行有效回应。这限制了其适用范围，无法应对复杂或多样化的查询。</a:t>
+            </a:r>
+          </a:p>
+          <a:p>
+            <a:pPr marL="342900" indent="-342900">
+              <a:lnSpc>
+                <a:spcPct val="150000"/>
+              </a:lnSpc>
+              <a:spcBef>
+                <a:spcPts val="600"/>
+              </a:spcBef>
+              <a:buFont typeface="Arial" panose="020B0604020202020204" pitchFamily="34" charset="0"/>
+              <a:buChar char="•"/>
+            </a:pPr>
+            <a:r>
+              <a:rPr lang="zh-CN" altLang="en-US" b="1" spc="100" dirty="0">
+                <a:ea typeface="微软雅黑" panose="020B0503020204020204" pitchFamily="34" charset="-122"/>
+              </a:rPr>
+              <a:t>难以扩展</a:t>
+            </a:r>
+            <a:r>
+              <a:rPr lang="zh-CN" altLang="en-US" spc="100" dirty="0">
+                <a:ea typeface="微软雅黑" panose="020B0503020204020204" pitchFamily="34" charset="-122"/>
+              </a:rPr>
+              <a:t>：由于模板问答系统是静态的，要添加新的问题或支持更多的话题，需要手动编辑和更新模板，而且随着问题数量增加，维护模板会变得繁琐和耗时。</a:t>
+            </a:r>
+          </a:p>
+          <a:p>
+            <a:pPr marL="342900" indent="-342900">
+              <a:lnSpc>
+                <a:spcPct val="150000"/>
+              </a:lnSpc>
+              <a:spcBef>
+                <a:spcPts val="600"/>
+              </a:spcBef>
+              <a:buFont typeface="Arial" panose="020B0604020202020204" pitchFamily="34" charset="0"/>
+              <a:buChar char="•"/>
+            </a:pPr>
+            <a:r>
+              <a:rPr lang="zh-CN" altLang="en-US" b="1" spc="100" dirty="0">
+                <a:ea typeface="微软雅黑" panose="020B0503020204020204" pitchFamily="34" charset="-122"/>
+              </a:rPr>
+              <a:t>语义理解有限</a:t>
+            </a:r>
+            <a:r>
+              <a:rPr lang="zh-CN" altLang="en-US" spc="100" dirty="0">
+                <a:ea typeface="微软雅黑" panose="020B0503020204020204" pitchFamily="34" charset="-122"/>
+              </a:rPr>
+              <a:t>：模板问答系统通常是基于关键词匹配，缺乏深层语义理解。这导致系统对于复杂问题的理解能力有限，容易出现错误的匹配和回答，降低了用户体验。</a:t>
+            </a:r>
+          </a:p>
+          <a:p>
+            <a:pPr marL="342900" indent="-342900">
+              <a:lnSpc>
+                <a:spcPct val="150000"/>
+              </a:lnSpc>
+              <a:spcBef>
+                <a:spcPts val="600"/>
+              </a:spcBef>
+              <a:buFont typeface="Arial" panose="020B0604020202020204" pitchFamily="34" charset="0"/>
+              <a:buChar char="•"/>
+            </a:pPr>
+            <a:r>
+              <a:rPr lang="zh-CN" altLang="en-US" b="1" spc="100" dirty="0">
+                <a:ea typeface="微软雅黑" panose="020B0503020204020204" pitchFamily="34" charset="-122"/>
+              </a:rPr>
+              <a:t>上下文处理困难</a:t>
+            </a:r>
+            <a:r>
+              <a:rPr lang="zh-CN" altLang="en-US" spc="100" dirty="0">
+                <a:ea typeface="微软雅黑" panose="020B0503020204020204" pitchFamily="34" charset="-122"/>
+              </a:rPr>
+              <a:t>：模板问答系统很难进行上下文的持续理解，不能根据之前的对话内容进行准确回答。这在复杂对话场景下表现不佳，无法提供连贯的交互体验。</a:t>
+            </a:r>
+          </a:p>
+        </p:txBody>
+      </p:sp>
+    </p:spTree>
+    <p:extLst>
+      <p:ext uri="{BB962C8B-B14F-4D97-AF65-F5344CB8AC3E}">
+        <p14:creationId xmlns:p14="http://schemas.microsoft.com/office/powerpoint/2010/main" val="363813986"/>
+      </p:ext>
+    </p:extLst>
+  </p:cSld>
+  <p:clrMapOvr>
+    <a:masterClrMapping/>
+  </p:clrMapOvr>
+</p:sld>
+</file>
+
+<file path=ppt/slides/slide22.xml><?xml version="1.0" encoding="utf-8"?>
+<p:sld xmlns:a="http://schemas.openxmlformats.org/drawingml/2006/main" xmlns:r="http://schemas.openxmlformats.org/officeDocument/2006/relationships" xmlns:p="http://schemas.openxmlformats.org/presentationml/2006/main">
+  <p:cSld>
+    <p:spTree>
+      <p:nvGrpSpPr>
+        <p:cNvPr id="1" name=""/>
+        <p:cNvGrpSpPr/>
+        <p:nvPr/>
+      </p:nvGrpSpPr>
+      <p:grpSpPr>
+        <a:xfrm>
+          <a:off x="0" y="0"/>
+          <a:ext cx="0" cy="0"/>
+          <a:chOff x="0" y="0"/>
+          <a:chExt cx="0" cy="0"/>
+        </a:xfrm>
+      </p:grpSpPr>
+      <p:pic>
+        <p:nvPicPr>
+          <p:cNvPr id="5" name="图片占位符 4"/>
+          <p:cNvPicPr>
+            <a:picLocks noGrp="1" noChangeAspect="1"/>
+          </p:cNvPicPr>
+          <p:nvPr>
+            <p:ph type="pic" sz="quarter" idx="13"/>
+          </p:nvPr>
+        </p:nvPicPr>
+        <p:blipFill>
+          <a:blip r:embed="rId3">
+            <a:extLst>
+              <a:ext uri="{28A0092B-C50C-407E-A947-70E740481C1C}">
+                <a14:useLocalDpi xmlns:a14="http://schemas.microsoft.com/office/drawing/2010/main" val="0"/>
+              </a:ext>
+            </a:extLst>
+          </a:blip>
+          <a:srcRect t="24296" b="24296"/>
+          <a:stretch>
+            <a:fillRect/>
+          </a:stretch>
+        </p:blipFill>
+        <p:spPr/>
+      </p:pic>
+      <p:sp>
+        <p:nvSpPr>
+          <p:cNvPr id="11" name="任意多边形: 形状 10"/>
+          <p:cNvSpPr/>
+          <p:nvPr/>
+        </p:nvSpPr>
+        <p:spPr>
+          <a:xfrm>
+            <a:off x="0" y="0"/>
+            <a:ext cx="12192000" cy="4164610"/>
+          </a:xfrm>
+          <a:custGeom>
+            <a:avLst/>
+            <a:gdLst>
+              <a:gd name="connsiteX0" fmla="*/ 0 w 12192000"/>
+              <a:gd name="connsiteY0" fmla="*/ 0 h 4164610"/>
+              <a:gd name="connsiteX1" fmla="*/ 12192000 w 12192000"/>
+              <a:gd name="connsiteY1" fmla="*/ 0 h 4164610"/>
+              <a:gd name="connsiteX2" fmla="*/ 12192000 w 12192000"/>
+              <a:gd name="connsiteY2" fmla="*/ 4164610 h 4164610"/>
+              <a:gd name="connsiteX3" fmla="*/ 12059273 w 12192000"/>
+              <a:gd name="connsiteY3" fmla="*/ 4101500 h 4164610"/>
+              <a:gd name="connsiteX4" fmla="*/ 6096000 w 12192000"/>
+              <a:gd name="connsiteY4" fmla="*/ 3288540 h 4164610"/>
+              <a:gd name="connsiteX5" fmla="*/ 132727 w 12192000"/>
+              <a:gd name="connsiteY5" fmla="*/ 4101500 h 4164610"/>
+              <a:gd name="connsiteX6" fmla="*/ 0 w 12192000"/>
+              <a:gd name="connsiteY6" fmla="*/ 4164610 h 4164610"/>
+            </a:gdLst>
+            <a:ahLst/>
+            <a:cxnLst>
+              <a:cxn ang="0">
+                <a:pos x="connsiteX0" y="connsiteY0"/>
+              </a:cxn>
+              <a:cxn ang="0">
+                <a:pos x="connsiteX1" y="connsiteY1"/>
+              </a:cxn>
+              <a:cxn ang="0">
+                <a:pos x="connsiteX2" y="connsiteY2"/>
+              </a:cxn>
+              <a:cxn ang="0">
+                <a:pos x="connsiteX3" y="connsiteY3"/>
+              </a:cxn>
+              <a:cxn ang="0">
+                <a:pos x="connsiteX4" y="connsiteY4"/>
+              </a:cxn>
+              <a:cxn ang="0">
+                <a:pos x="connsiteX5" y="connsiteY5"/>
+              </a:cxn>
+              <a:cxn ang="0">
+                <a:pos x="connsiteX6" y="connsiteY6"/>
+              </a:cxn>
+            </a:cxnLst>
+            <a:rect l="l" t="t" r="r" b="b"/>
+            <a:pathLst>
+              <a:path w="12192000" h="4164610">
+                <a:moveTo>
+                  <a:pt x="0" y="0"/>
+                </a:moveTo>
+                <a:lnTo>
+                  <a:pt x="12192000" y="0"/>
+                </a:lnTo>
+                <a:lnTo>
+                  <a:pt x="12192000" y="4164610"/>
+                </a:lnTo>
+                <a:lnTo>
+                  <a:pt x="12059273" y="4101500"/>
+                </a:lnTo>
+                <a:cubicBezTo>
+                  <a:pt x="10910848" y="3617265"/>
+                  <a:pt x="8671021" y="3288540"/>
+                  <a:pt x="6096000" y="3288540"/>
+                </a:cubicBezTo>
+                <a:cubicBezTo>
+                  <a:pt x="3520979" y="3288540"/>
+                  <a:pt x="1281152" y="3617265"/>
+                  <a:pt x="132727" y="4101500"/>
+                </a:cubicBezTo>
+                <a:lnTo>
+                  <a:pt x="0" y="4164610"/>
+                </a:lnTo>
+                <a:close/>
+              </a:path>
+            </a:pathLst>
+          </a:custGeom>
+          <a:gradFill>
+            <a:gsLst>
+              <a:gs pos="25000">
+                <a:schemeClr val="accent1">
+                  <a:alpha val="95000"/>
+                </a:schemeClr>
+              </a:gs>
+              <a:gs pos="100000">
+                <a:schemeClr val="accent1">
+                  <a:lumMod val="75000"/>
+                </a:schemeClr>
+              </a:gs>
+            </a:gsLst>
+            <a:lin ang="5400000" scaled="1"/>
+          </a:gradFill>
+        </p:spPr>
+        <p:style>
+          <a:lnRef idx="2">
+            <a:schemeClr val="accent1">
+              <a:shade val="50000"/>
+            </a:schemeClr>
+          </a:lnRef>
+          <a:fillRef idx="1">
+            <a:schemeClr val="accent1"/>
+          </a:fillRef>
+          <a:effectRef idx="0">
+            <a:schemeClr val="accent1"/>
+          </a:effectRef>
+          <a:fontRef idx="minor">
+            <a:schemeClr val="lt1"/>
+          </a:fontRef>
+        </p:style>
+        <p:txBody>
+          <a:bodyPr rtlCol="0" anchor="ctr"/>
+          <a:lstStyle/>
+          <a:p>
+            <a:pPr marL="0" marR="0" lvl="0" indent="0" algn="ctr" defTabSz="914400" rtl="0" eaLnBrk="1" fontAlgn="auto" latinLnBrk="0" hangingPunct="1">
+              <a:lnSpc>
+                <a:spcPct val="100000"/>
+              </a:lnSpc>
+              <a:spcBef>
+                <a:spcPts val="0"/>
+              </a:spcBef>
+              <a:spcAft>
+                <a:spcPts val="0"/>
+              </a:spcAft>
+              <a:buClrTx/>
+              <a:buSzTx/>
+              <a:buFontTx/>
+              <a:buNone/>
+              <a:defRPr/>
+            </a:pPr>
+            <a:endParaRPr kumimoji="0" lang="zh-CN" altLang="en-US" sz="1800" b="0" i="0" u="none" strike="noStrike" kern="1200" cap="none" spc="0" normalizeH="0" baseline="0" noProof="0" dirty="0">
+              <a:ln>
+                <a:noFill/>
+              </a:ln>
+              <a:solidFill>
+                <a:prstClr val="white"/>
+              </a:solidFill>
+              <a:effectLst/>
+              <a:uLnTx/>
+              <a:uFillTx/>
+              <a:latin typeface="Calibri" panose="020F0502020204030204"/>
+              <a:ea typeface="微软雅黑" panose="020B0503020204020204" pitchFamily="34" charset="-122"/>
+              <a:cs typeface="+mn-cs"/>
+            </a:endParaRPr>
+          </a:p>
+        </p:txBody>
+      </p:sp>
+      <p:sp>
+        <p:nvSpPr>
+          <p:cNvPr id="10" name="椭圆 9"/>
+          <p:cNvSpPr/>
+          <p:nvPr/>
+        </p:nvSpPr>
+        <p:spPr>
+          <a:xfrm>
+            <a:off x="-692150" y="3128893"/>
+            <a:ext cx="13563600" cy="3106807"/>
+          </a:xfrm>
+          <a:prstGeom prst="ellipse">
+            <a:avLst/>
+          </a:prstGeom>
+          <a:noFill/>
+          <a:ln w="38100">
+            <a:solidFill>
+              <a:schemeClr val="bg1"/>
+            </a:solidFill>
+          </a:ln>
+        </p:spPr>
+        <p:style>
+          <a:lnRef idx="2">
+            <a:schemeClr val="accent1">
+              <a:shade val="50000"/>
+            </a:schemeClr>
+          </a:lnRef>
+          <a:fillRef idx="1">
+            <a:schemeClr val="accent1"/>
+          </a:fillRef>
+          <a:effectRef idx="0">
+            <a:schemeClr val="accent1"/>
+          </a:effectRef>
+          <a:fontRef idx="minor">
+            <a:schemeClr val="lt1"/>
+          </a:fontRef>
+        </p:style>
+        <p:txBody>
+          <a:bodyPr rtlCol="0" anchor="ctr"/>
+          <a:lstStyle/>
+          <a:p>
+            <a:pPr marL="0" marR="0" lvl="0" indent="0" algn="ctr" defTabSz="914400" rtl="0" eaLnBrk="1" fontAlgn="auto" latinLnBrk="0" hangingPunct="1">
+              <a:lnSpc>
+                <a:spcPct val="100000"/>
+              </a:lnSpc>
+              <a:spcBef>
+                <a:spcPts val="0"/>
+              </a:spcBef>
+              <a:spcAft>
+                <a:spcPts val="0"/>
+              </a:spcAft>
+              <a:buClrTx/>
+              <a:buSzTx/>
+              <a:buFontTx/>
+              <a:buNone/>
+              <a:defRPr/>
+            </a:pPr>
+            <a:endParaRPr kumimoji="0" lang="zh-CN" altLang="en-US" sz="1800" b="0" i="0" u="none" strike="noStrike" kern="1200" cap="none" spc="0" normalizeH="0" baseline="0" noProof="0" dirty="0">
+              <a:ln>
+                <a:noFill/>
+              </a:ln>
+              <a:solidFill>
+                <a:prstClr val="white"/>
+              </a:solidFill>
+              <a:effectLst/>
+              <a:uLnTx/>
+              <a:uFillTx/>
+              <a:latin typeface="Calibri" panose="020F0502020204030204"/>
+              <a:ea typeface="微软雅黑" panose="020B0503020204020204" pitchFamily="34" charset="-122"/>
+              <a:cs typeface="+mn-cs"/>
+            </a:endParaRPr>
+          </a:p>
+        </p:txBody>
+      </p:sp>
+      <p:pic>
+        <p:nvPicPr>
+          <p:cNvPr id="16" name="图片 15"/>
+          <p:cNvPicPr>
+            <a:picLocks noChangeAspect="1"/>
+          </p:cNvPicPr>
+          <p:nvPr/>
+        </p:nvPicPr>
+        <p:blipFill>
+          <a:blip r:embed="rId4">
+            <a:lum bright="70000" contrast="-70000"/>
+          </a:blip>
+          <a:stretch>
+            <a:fillRect/>
+          </a:stretch>
+        </p:blipFill>
+        <p:spPr>
+          <a:xfrm>
+            <a:off x="4297270" y="1564100"/>
+            <a:ext cx="3584759" cy="1036410"/>
+          </a:xfrm>
+          <a:prstGeom prst="rect">
+            <a:avLst/>
+          </a:prstGeom>
+        </p:spPr>
+      </p:pic>
+      <p:pic>
+        <p:nvPicPr>
+          <p:cNvPr id="19" name="图片 18"/>
+          <p:cNvPicPr>
+            <a:picLocks noChangeAspect="1"/>
+          </p:cNvPicPr>
+          <p:nvPr/>
+        </p:nvPicPr>
+        <p:blipFill rotWithShape="1">
+          <a:blip r:embed="rId5" cstate="print">
+            <a:clrChange>
+              <a:clrFrom>
+                <a:srgbClr val="FFFFFF"/>
+              </a:clrFrom>
+              <a:clrTo>
+                <a:srgbClr val="FFFFFF">
+                  <a:alpha val="0"/>
+                </a:srgbClr>
+              </a:clrTo>
+            </a:clrChange>
+            <a:extLst>
+              <a:ext uri="{28A0092B-C50C-407E-A947-70E740481C1C}">
+                <a14:useLocalDpi xmlns:a14="http://schemas.microsoft.com/office/drawing/2010/main" val="0"/>
+              </a:ext>
+            </a:extLst>
+          </a:blip>
+          <a:srcRect l="10920" t="28018" r="7039" b="53899"/>
+          <a:stretch>
+            <a:fillRect/>
+          </a:stretch>
+        </p:blipFill>
+        <p:spPr>
+          <a:xfrm>
+            <a:off x="9299642" y="6332860"/>
+            <a:ext cx="2709553" cy="443887"/>
+          </a:xfrm>
+          <a:prstGeom prst="rect">
+            <a:avLst/>
+          </a:prstGeom>
+        </p:spPr>
+      </p:pic>
+      <p:sp>
+        <p:nvSpPr>
+          <p:cNvPr id="22" name="文本框 21"/>
+          <p:cNvSpPr txBox="1"/>
+          <p:nvPr/>
+        </p:nvSpPr>
+        <p:spPr>
+          <a:xfrm>
+            <a:off x="4216069" y="4049329"/>
+            <a:ext cx="3759862" cy="769441"/>
+          </a:xfrm>
+          <a:prstGeom prst="rect">
+            <a:avLst/>
+          </a:prstGeom>
+          <a:noFill/>
+        </p:spPr>
+        <p:txBody>
+          <a:bodyPr wrap="square" rtlCol="0">
+            <a:spAutoFit/>
+          </a:bodyPr>
+          <a:lstStyle/>
+          <a:p>
+            <a:pPr marL="0" marR="0" lvl="0" indent="0" algn="dist" defTabSz="914400" rtl="0" eaLnBrk="1" fontAlgn="auto" latinLnBrk="0" hangingPunct="1">
+              <a:lnSpc>
+                <a:spcPct val="100000"/>
+              </a:lnSpc>
+              <a:spcBef>
+                <a:spcPts val="0"/>
+              </a:spcBef>
+              <a:spcAft>
+                <a:spcPts val="0"/>
+              </a:spcAft>
+              <a:buClrTx/>
+              <a:buSzTx/>
+              <a:buFontTx/>
+              <a:buNone/>
+              <a:defRPr/>
+            </a:pPr>
+            <a:r>
+              <a:rPr kumimoji="0" lang="zh-CN" altLang="en-US" sz="4400" b="1" i="0" u="none" strike="noStrike" kern="1200" cap="none" spc="0" normalizeH="0" baseline="0" noProof="0" dirty="0">
+                <a:ln>
+                  <a:noFill/>
+                </a:ln>
+                <a:solidFill>
+                  <a:srgbClr val="7E0C6E"/>
+                </a:solidFill>
+                <a:effectLst/>
+                <a:uLnTx/>
+                <a:uFillTx/>
+                <a:latin typeface="Calibri" panose="020F0502020204030204"/>
+                <a:ea typeface="微软雅黑" panose="020B0503020204020204" pitchFamily="34" charset="-122"/>
+                <a:cs typeface="+mn-cs"/>
+              </a:rPr>
+              <a:t>谢谢大家</a:t>
+            </a:r>
+          </a:p>
+        </p:txBody>
+      </p:sp>
+      <p:sp>
+        <p:nvSpPr>
+          <p:cNvPr id="23" name="文本框 22"/>
+          <p:cNvSpPr txBox="1"/>
+          <p:nvPr/>
+        </p:nvSpPr>
+        <p:spPr>
+          <a:xfrm>
+            <a:off x="4848439" y="4818770"/>
+            <a:ext cx="2482419" cy="307777"/>
+          </a:xfrm>
+          <a:prstGeom prst="rect">
+            <a:avLst/>
+          </a:prstGeom>
+          <a:noFill/>
+        </p:spPr>
+        <p:txBody>
+          <a:bodyPr wrap="square" rtlCol="0">
+            <a:spAutoFit/>
+          </a:bodyPr>
+          <a:lstStyle/>
+          <a:p>
+            <a:pPr marL="0" marR="0" lvl="0" indent="0" algn="dist" defTabSz="914400" rtl="0" eaLnBrk="1" fontAlgn="auto" latinLnBrk="0" hangingPunct="1">
+              <a:lnSpc>
+                <a:spcPct val="100000"/>
+              </a:lnSpc>
+              <a:spcBef>
+                <a:spcPts val="0"/>
+              </a:spcBef>
+              <a:spcAft>
+                <a:spcPts val="0"/>
+              </a:spcAft>
+              <a:buClrTx/>
+              <a:buSzTx/>
+              <a:buFontTx/>
+              <a:buNone/>
+              <a:defRPr/>
+            </a:pPr>
+            <a:r>
+              <a:rPr lang="en-US" altLang="zh-CN" sz="1400" dirty="0">
+                <a:solidFill>
+                  <a:prstClr val="white">
+                    <a:lumMod val="65000"/>
+                  </a:prstClr>
+                </a:solidFill>
+                <a:latin typeface="Calibri" panose="020F0502020204030204"/>
+                <a:ea typeface="微软雅黑" panose="020B0503020204020204" pitchFamily="34" charset="-122"/>
+              </a:rPr>
+              <a:t>Thank you</a:t>
+            </a:r>
+            <a:endParaRPr kumimoji="0" lang="zh-CN" altLang="en-US" sz="1400" b="0" i="0" u="none" strike="noStrike" kern="1200" cap="none" spc="0" normalizeH="0" baseline="0" noProof="0" dirty="0">
+              <a:ln>
+                <a:noFill/>
+              </a:ln>
+              <a:solidFill>
+                <a:prstClr val="white">
+                  <a:lumMod val="65000"/>
+                </a:prstClr>
+              </a:solidFill>
+              <a:effectLst/>
+              <a:uLnTx/>
+              <a:uFillTx/>
+              <a:latin typeface="Calibri" panose="020F0502020204030204"/>
+              <a:ea typeface="微软雅黑" panose="020B0503020204020204" pitchFamily="34" charset="-122"/>
+              <a:cs typeface="+mn-cs"/>
+            </a:endParaRPr>
+          </a:p>
+        </p:txBody>
+      </p:sp>
+    </p:spTree>
+  </p:cSld>
+  <p:clrMapOvr>
+    <a:masterClrMapping/>
+  </p:clrMapOvr>
+</p:sld>
+</file>
+
+<file path=ppt/slides/slide3.xml><?xml version="1.0" encoding="utf-8"?>
 <p:sld xmlns:a="http://schemas.openxmlformats.org/drawingml/2006/main" xmlns:r="http://schemas.openxmlformats.org/officeDocument/2006/relationships" xmlns:p="http://schemas.openxmlformats.org/presentationml/2006/main">
   <p:cSld>
     <p:bg>
@@ -14453,744 +18196,7 @@
 </p:sld>
 </file>
 
-<file path=ppt/slides/slide20.xml><?xml version="1.0" encoding="utf-8"?>
-<p:sld xmlns:a="http://schemas.openxmlformats.org/drawingml/2006/main" xmlns:r="http://schemas.openxmlformats.org/officeDocument/2006/relationships" xmlns:p="http://schemas.openxmlformats.org/presentationml/2006/main">
-  <p:cSld>
-    <p:spTree>
-      <p:nvGrpSpPr>
-        <p:cNvPr id="1" name=""/>
-        <p:cNvGrpSpPr/>
-        <p:nvPr/>
-      </p:nvGrpSpPr>
-      <p:grpSpPr>
-        <a:xfrm>
-          <a:off x="0" y="0"/>
-          <a:ext cx="0" cy="0"/>
-          <a:chOff x="0" y="0"/>
-          <a:chExt cx="0" cy="0"/>
-        </a:xfrm>
-      </p:grpSpPr>
-      <p:sp>
-        <p:nvSpPr>
-          <p:cNvPr id="6" name="矩形: 圆角 5"/>
-          <p:cNvSpPr/>
-          <p:nvPr/>
-        </p:nvSpPr>
-        <p:spPr>
-          <a:xfrm>
-            <a:off x="1127760" y="1381760"/>
-            <a:ext cx="9936480" cy="4752340"/>
-          </a:xfrm>
-          <a:prstGeom prst="roundRect">
-            <a:avLst>
-              <a:gd name="adj" fmla="val 1496"/>
-            </a:avLst>
-          </a:prstGeom>
-          <a:solidFill>
-            <a:schemeClr val="bg1"/>
-          </a:solidFill>
-          <a:ln w="38100">
-            <a:solidFill>
-              <a:schemeClr val="accent1"/>
-            </a:solidFill>
-          </a:ln>
-          <a:effectLst>
-            <a:outerShdw blurRad="381000" algn="ctr" rotWithShape="0">
-              <a:prstClr val="black">
-                <a:alpha val="20000"/>
-              </a:prstClr>
-            </a:outerShdw>
-          </a:effectLst>
-        </p:spPr>
-        <p:style>
-          <a:lnRef idx="2">
-            <a:schemeClr val="accent1">
-              <a:shade val="50000"/>
-            </a:schemeClr>
-          </a:lnRef>
-          <a:fillRef idx="1">
-            <a:schemeClr val="accent1"/>
-          </a:fillRef>
-          <a:effectRef idx="0">
-            <a:schemeClr val="accent1"/>
-          </a:effectRef>
-          <a:fontRef idx="minor">
-            <a:schemeClr val="lt1"/>
-          </a:fontRef>
-        </p:style>
-        <p:txBody>
-          <a:bodyPr rtlCol="0" anchor="ctr"/>
-          <a:lstStyle/>
-          <a:p>
-            <a:pPr algn="ctr"/>
-            <a:endParaRPr lang="zh-CN" altLang="en-US">
-              <a:ea typeface="微软雅黑" panose="020B0503020204020204" pitchFamily="34" charset="-122"/>
-            </a:endParaRPr>
-          </a:p>
-        </p:txBody>
-      </p:sp>
-      <p:sp>
-        <p:nvSpPr>
-          <p:cNvPr id="10" name="文本框 9"/>
-          <p:cNvSpPr txBox="1"/>
-          <p:nvPr/>
-        </p:nvSpPr>
-        <p:spPr>
-          <a:xfrm>
-            <a:off x="823449" y="135317"/>
-            <a:ext cx="6632661" cy="1322221"/>
-          </a:xfrm>
-          <a:prstGeom prst="rect">
-            <a:avLst/>
-          </a:prstGeom>
-          <a:noFill/>
-        </p:spPr>
-        <p:txBody>
-          <a:bodyPr wrap="square" rtlCol="0">
-            <a:spAutoFit/>
-          </a:bodyPr>
-          <a:lstStyle/>
-          <a:p>
-            <a:pPr>
-              <a:lnSpc>
-                <a:spcPct val="130000"/>
-              </a:lnSpc>
-            </a:pPr>
-            <a:r>
-              <a:rPr lang="zh-CN" altLang="en-US" sz="3200" b="1" dirty="0">
-                <a:ea typeface="微软雅黑" panose="020B0503020204020204" pitchFamily="34" charset="-122"/>
-              </a:rPr>
-              <a:t>思考</a:t>
-            </a:r>
-            <a:r>
-              <a:rPr lang="en-US" altLang="zh-CN" sz="3200" b="1" dirty="0">
-                <a:ea typeface="微软雅黑" panose="020B0503020204020204" pitchFamily="34" charset="-122"/>
-              </a:rPr>
-              <a:t>——</a:t>
-            </a:r>
-            <a:r>
-              <a:rPr lang="zh-CN" altLang="en-US" sz="3200" b="1" dirty="0">
-                <a:ea typeface="微软雅黑" panose="020B0503020204020204" pitchFamily="34" charset="-122"/>
-              </a:rPr>
-              <a:t>基于模板匹配的问答系统</a:t>
-            </a:r>
-          </a:p>
-          <a:p>
-            <a:pPr>
-              <a:lnSpc>
-                <a:spcPct val="130000"/>
-              </a:lnSpc>
-            </a:pPr>
-            <a:endParaRPr lang="zh-CN" altLang="en-US" sz="3200" b="1" dirty="0">
-              <a:ea typeface="微软雅黑" panose="020B0503020204020204" pitchFamily="34" charset="-122"/>
-            </a:endParaRPr>
-          </a:p>
-        </p:txBody>
-      </p:sp>
-      <p:sp>
-        <p:nvSpPr>
-          <p:cNvPr id="13" name="矩形 12"/>
-          <p:cNvSpPr/>
-          <p:nvPr/>
-        </p:nvSpPr>
-        <p:spPr>
-          <a:xfrm>
-            <a:off x="1350893" y="1486410"/>
-            <a:ext cx="9490214" cy="4018985"/>
-          </a:xfrm>
-          <a:prstGeom prst="rect">
-            <a:avLst/>
-          </a:prstGeom>
-        </p:spPr>
-        <p:txBody>
-          <a:bodyPr wrap="square">
-            <a:spAutoFit/>
-          </a:bodyPr>
-          <a:lstStyle/>
-          <a:p>
-            <a:pPr marL="342900" indent="-342900">
-              <a:lnSpc>
-                <a:spcPct val="150000"/>
-              </a:lnSpc>
-              <a:spcBef>
-                <a:spcPts val="600"/>
-              </a:spcBef>
-              <a:buFont typeface="Arial" panose="020B0604020202020204" pitchFamily="34" charset="0"/>
-              <a:buChar char="•"/>
-            </a:pPr>
-            <a:r>
-              <a:rPr lang="zh-CN" altLang="en-US" b="1" spc="100" dirty="0">
-                <a:ea typeface="微软雅黑" panose="020B0503020204020204" pitchFamily="34" charset="-122"/>
-              </a:rPr>
-              <a:t>缺乏灵活性</a:t>
-            </a:r>
-            <a:r>
-              <a:rPr lang="zh-CN" altLang="en-US" spc="100" dirty="0">
-                <a:ea typeface="微软雅黑" panose="020B0503020204020204" pitchFamily="34" charset="-122"/>
-              </a:rPr>
-              <a:t>：模板的问答系统通常是基于预先定义的固定模板，因此只能回答事先设定的问题，对于未知或新颖的问题无法进行有效回应。这限制了其适用范围，无法应对复杂或多样化的查询。</a:t>
-            </a:r>
-          </a:p>
-          <a:p>
-            <a:pPr marL="342900" indent="-342900">
-              <a:lnSpc>
-                <a:spcPct val="150000"/>
-              </a:lnSpc>
-              <a:spcBef>
-                <a:spcPts val="600"/>
-              </a:spcBef>
-              <a:buFont typeface="Arial" panose="020B0604020202020204" pitchFamily="34" charset="0"/>
-              <a:buChar char="•"/>
-            </a:pPr>
-            <a:r>
-              <a:rPr lang="zh-CN" altLang="en-US" b="1" spc="100" dirty="0">
-                <a:ea typeface="微软雅黑" panose="020B0503020204020204" pitchFamily="34" charset="-122"/>
-              </a:rPr>
-              <a:t>难以扩展</a:t>
-            </a:r>
-            <a:r>
-              <a:rPr lang="zh-CN" altLang="en-US" spc="100" dirty="0">
-                <a:ea typeface="微软雅黑" panose="020B0503020204020204" pitchFamily="34" charset="-122"/>
-              </a:rPr>
-              <a:t>：由于模板问答系统是静态的，要添加新的问题或支持更多的话题，需要手动编辑和更新模板，而且随着问题数量增加，维护模板会变得繁琐和耗时。</a:t>
-            </a:r>
-          </a:p>
-          <a:p>
-            <a:pPr marL="342900" indent="-342900">
-              <a:lnSpc>
-                <a:spcPct val="150000"/>
-              </a:lnSpc>
-              <a:spcBef>
-                <a:spcPts val="600"/>
-              </a:spcBef>
-              <a:buFont typeface="Arial" panose="020B0604020202020204" pitchFamily="34" charset="0"/>
-              <a:buChar char="•"/>
-            </a:pPr>
-            <a:r>
-              <a:rPr lang="zh-CN" altLang="en-US" b="1" spc="100" dirty="0">
-                <a:ea typeface="微软雅黑" panose="020B0503020204020204" pitchFamily="34" charset="-122"/>
-              </a:rPr>
-              <a:t>语义理解有限</a:t>
-            </a:r>
-            <a:r>
-              <a:rPr lang="zh-CN" altLang="en-US" spc="100" dirty="0">
-                <a:ea typeface="微软雅黑" panose="020B0503020204020204" pitchFamily="34" charset="-122"/>
-              </a:rPr>
-              <a:t>：模板问答系统通常是基于关键词匹配，缺乏深层语义理解。这导致系统对于复杂问题的理解能力有限，容易出现错误的匹配和回答，降低了用户体验。</a:t>
-            </a:r>
-          </a:p>
-          <a:p>
-            <a:pPr marL="342900" indent="-342900">
-              <a:lnSpc>
-                <a:spcPct val="150000"/>
-              </a:lnSpc>
-              <a:spcBef>
-                <a:spcPts val="600"/>
-              </a:spcBef>
-              <a:buFont typeface="Arial" panose="020B0604020202020204" pitchFamily="34" charset="0"/>
-              <a:buChar char="•"/>
-            </a:pPr>
-            <a:r>
-              <a:rPr lang="zh-CN" altLang="en-US" b="1" spc="100" dirty="0">
-                <a:ea typeface="微软雅黑" panose="020B0503020204020204" pitchFamily="34" charset="-122"/>
-              </a:rPr>
-              <a:t>上下文处理困难</a:t>
-            </a:r>
-            <a:r>
-              <a:rPr lang="zh-CN" altLang="en-US" spc="100" dirty="0">
-                <a:ea typeface="微软雅黑" panose="020B0503020204020204" pitchFamily="34" charset="-122"/>
-              </a:rPr>
-              <a:t>：模板问答系统很难进行上下文的持续理解，不能根据之前的对话内容进行准确回答。这在复杂对话场景下表现不佳，无法提供连贯的交互体验。</a:t>
-            </a:r>
-          </a:p>
-        </p:txBody>
-      </p:sp>
-    </p:spTree>
-    <p:extLst>
-      <p:ext uri="{BB962C8B-B14F-4D97-AF65-F5344CB8AC3E}">
-        <p14:creationId xmlns:p14="http://schemas.microsoft.com/office/powerpoint/2010/main" val="363813986"/>
-      </p:ext>
-    </p:extLst>
-  </p:cSld>
-  <p:clrMapOvr>
-    <a:masterClrMapping/>
-  </p:clrMapOvr>
-</p:sld>
-</file>
-
-<file path=ppt/slides/slide21.xml><?xml version="1.0" encoding="utf-8"?>
-<p:sld xmlns:a="http://schemas.openxmlformats.org/drawingml/2006/main" xmlns:r="http://schemas.openxmlformats.org/officeDocument/2006/relationships" xmlns:p="http://schemas.openxmlformats.org/presentationml/2006/main">
-  <p:cSld>
-    <p:spTree>
-      <p:nvGrpSpPr>
-        <p:cNvPr id="1" name=""/>
-        <p:cNvGrpSpPr/>
-        <p:nvPr/>
-      </p:nvGrpSpPr>
-      <p:grpSpPr>
-        <a:xfrm>
-          <a:off x="0" y="0"/>
-          <a:ext cx="0" cy="0"/>
-          <a:chOff x="0" y="0"/>
-          <a:chExt cx="0" cy="0"/>
-        </a:xfrm>
-      </p:grpSpPr>
-      <p:pic>
-        <p:nvPicPr>
-          <p:cNvPr id="5" name="图片占位符 4"/>
-          <p:cNvPicPr>
-            <a:picLocks noGrp="1" noChangeAspect="1"/>
-          </p:cNvPicPr>
-          <p:nvPr>
-            <p:ph type="pic" sz="quarter" idx="13"/>
-          </p:nvPr>
-        </p:nvPicPr>
-        <p:blipFill>
-          <a:blip r:embed="rId3">
-            <a:extLst>
-              <a:ext uri="{28A0092B-C50C-407E-A947-70E740481C1C}">
-                <a14:useLocalDpi xmlns:a14="http://schemas.microsoft.com/office/drawing/2010/main" val="0"/>
-              </a:ext>
-            </a:extLst>
-          </a:blip>
-          <a:srcRect t="24296" b="24296"/>
-          <a:stretch>
-            <a:fillRect/>
-          </a:stretch>
-        </p:blipFill>
-        <p:spPr/>
-      </p:pic>
-      <p:sp>
-        <p:nvSpPr>
-          <p:cNvPr id="11" name="任意多边形: 形状 10"/>
-          <p:cNvSpPr/>
-          <p:nvPr/>
-        </p:nvSpPr>
-        <p:spPr>
-          <a:xfrm>
-            <a:off x="0" y="0"/>
-            <a:ext cx="12192000" cy="4164610"/>
-          </a:xfrm>
-          <a:custGeom>
-            <a:avLst/>
-            <a:gdLst>
-              <a:gd name="connsiteX0" fmla="*/ 0 w 12192000"/>
-              <a:gd name="connsiteY0" fmla="*/ 0 h 4164610"/>
-              <a:gd name="connsiteX1" fmla="*/ 12192000 w 12192000"/>
-              <a:gd name="connsiteY1" fmla="*/ 0 h 4164610"/>
-              <a:gd name="connsiteX2" fmla="*/ 12192000 w 12192000"/>
-              <a:gd name="connsiteY2" fmla="*/ 4164610 h 4164610"/>
-              <a:gd name="connsiteX3" fmla="*/ 12059273 w 12192000"/>
-              <a:gd name="connsiteY3" fmla="*/ 4101500 h 4164610"/>
-              <a:gd name="connsiteX4" fmla="*/ 6096000 w 12192000"/>
-              <a:gd name="connsiteY4" fmla="*/ 3288540 h 4164610"/>
-              <a:gd name="connsiteX5" fmla="*/ 132727 w 12192000"/>
-              <a:gd name="connsiteY5" fmla="*/ 4101500 h 4164610"/>
-              <a:gd name="connsiteX6" fmla="*/ 0 w 12192000"/>
-              <a:gd name="connsiteY6" fmla="*/ 4164610 h 4164610"/>
-            </a:gdLst>
-            <a:ahLst/>
-            <a:cxnLst>
-              <a:cxn ang="0">
-                <a:pos x="connsiteX0" y="connsiteY0"/>
-              </a:cxn>
-              <a:cxn ang="0">
-                <a:pos x="connsiteX1" y="connsiteY1"/>
-              </a:cxn>
-              <a:cxn ang="0">
-                <a:pos x="connsiteX2" y="connsiteY2"/>
-              </a:cxn>
-              <a:cxn ang="0">
-                <a:pos x="connsiteX3" y="connsiteY3"/>
-              </a:cxn>
-              <a:cxn ang="0">
-                <a:pos x="connsiteX4" y="connsiteY4"/>
-              </a:cxn>
-              <a:cxn ang="0">
-                <a:pos x="connsiteX5" y="connsiteY5"/>
-              </a:cxn>
-              <a:cxn ang="0">
-                <a:pos x="connsiteX6" y="connsiteY6"/>
-              </a:cxn>
-            </a:cxnLst>
-            <a:rect l="l" t="t" r="r" b="b"/>
-            <a:pathLst>
-              <a:path w="12192000" h="4164610">
-                <a:moveTo>
-                  <a:pt x="0" y="0"/>
-                </a:moveTo>
-                <a:lnTo>
-                  <a:pt x="12192000" y="0"/>
-                </a:lnTo>
-                <a:lnTo>
-                  <a:pt x="12192000" y="4164610"/>
-                </a:lnTo>
-                <a:lnTo>
-                  <a:pt x="12059273" y="4101500"/>
-                </a:lnTo>
-                <a:cubicBezTo>
-                  <a:pt x="10910848" y="3617265"/>
-                  <a:pt x="8671021" y="3288540"/>
-                  <a:pt x="6096000" y="3288540"/>
-                </a:cubicBezTo>
-                <a:cubicBezTo>
-                  <a:pt x="3520979" y="3288540"/>
-                  <a:pt x="1281152" y="3617265"/>
-                  <a:pt x="132727" y="4101500"/>
-                </a:cubicBezTo>
-                <a:lnTo>
-                  <a:pt x="0" y="4164610"/>
-                </a:lnTo>
-                <a:close/>
-              </a:path>
-            </a:pathLst>
-          </a:custGeom>
-          <a:gradFill>
-            <a:gsLst>
-              <a:gs pos="25000">
-                <a:schemeClr val="accent1">
-                  <a:alpha val="95000"/>
-                </a:schemeClr>
-              </a:gs>
-              <a:gs pos="100000">
-                <a:schemeClr val="accent1">
-                  <a:lumMod val="75000"/>
-                </a:schemeClr>
-              </a:gs>
-            </a:gsLst>
-            <a:lin ang="5400000" scaled="1"/>
-          </a:gradFill>
-        </p:spPr>
-        <p:style>
-          <a:lnRef idx="2">
-            <a:schemeClr val="accent1">
-              <a:shade val="50000"/>
-            </a:schemeClr>
-          </a:lnRef>
-          <a:fillRef idx="1">
-            <a:schemeClr val="accent1"/>
-          </a:fillRef>
-          <a:effectRef idx="0">
-            <a:schemeClr val="accent1"/>
-          </a:effectRef>
-          <a:fontRef idx="minor">
-            <a:schemeClr val="lt1"/>
-          </a:fontRef>
-        </p:style>
-        <p:txBody>
-          <a:bodyPr rtlCol="0" anchor="ctr"/>
-          <a:lstStyle/>
-          <a:p>
-            <a:pPr marL="0" marR="0" lvl="0" indent="0" algn="ctr" defTabSz="914400" rtl="0" eaLnBrk="1" fontAlgn="auto" latinLnBrk="0" hangingPunct="1">
-              <a:lnSpc>
-                <a:spcPct val="100000"/>
-              </a:lnSpc>
-              <a:spcBef>
-                <a:spcPts val="0"/>
-              </a:spcBef>
-              <a:spcAft>
-                <a:spcPts val="0"/>
-              </a:spcAft>
-              <a:buClrTx/>
-              <a:buSzTx/>
-              <a:buFontTx/>
-              <a:buNone/>
-              <a:defRPr/>
-            </a:pPr>
-            <a:endParaRPr kumimoji="0" lang="zh-CN" altLang="en-US" sz="1800" b="0" i="0" u="none" strike="noStrike" kern="1200" cap="none" spc="0" normalizeH="0" baseline="0" noProof="0" dirty="0">
-              <a:ln>
-                <a:noFill/>
-              </a:ln>
-              <a:solidFill>
-                <a:prstClr val="white"/>
-              </a:solidFill>
-              <a:effectLst/>
-              <a:uLnTx/>
-              <a:uFillTx/>
-              <a:latin typeface="Calibri" panose="020F0502020204030204"/>
-              <a:ea typeface="微软雅黑" panose="020B0503020204020204" pitchFamily="34" charset="-122"/>
-              <a:cs typeface="+mn-cs"/>
-            </a:endParaRPr>
-          </a:p>
-        </p:txBody>
-      </p:sp>
-      <p:sp>
-        <p:nvSpPr>
-          <p:cNvPr id="10" name="椭圆 9"/>
-          <p:cNvSpPr/>
-          <p:nvPr/>
-        </p:nvSpPr>
-        <p:spPr>
-          <a:xfrm>
-            <a:off x="-692150" y="3128893"/>
-            <a:ext cx="13563600" cy="3106807"/>
-          </a:xfrm>
-          <a:prstGeom prst="ellipse">
-            <a:avLst/>
-          </a:prstGeom>
-          <a:noFill/>
-          <a:ln w="38100">
-            <a:solidFill>
-              <a:schemeClr val="bg1"/>
-            </a:solidFill>
-          </a:ln>
-        </p:spPr>
-        <p:style>
-          <a:lnRef idx="2">
-            <a:schemeClr val="accent1">
-              <a:shade val="50000"/>
-            </a:schemeClr>
-          </a:lnRef>
-          <a:fillRef idx="1">
-            <a:schemeClr val="accent1"/>
-          </a:fillRef>
-          <a:effectRef idx="0">
-            <a:schemeClr val="accent1"/>
-          </a:effectRef>
-          <a:fontRef idx="minor">
-            <a:schemeClr val="lt1"/>
-          </a:fontRef>
-        </p:style>
-        <p:txBody>
-          <a:bodyPr rtlCol="0" anchor="ctr"/>
-          <a:lstStyle/>
-          <a:p>
-            <a:pPr marL="0" marR="0" lvl="0" indent="0" algn="ctr" defTabSz="914400" rtl="0" eaLnBrk="1" fontAlgn="auto" latinLnBrk="0" hangingPunct="1">
-              <a:lnSpc>
-                <a:spcPct val="100000"/>
-              </a:lnSpc>
-              <a:spcBef>
-                <a:spcPts val="0"/>
-              </a:spcBef>
-              <a:spcAft>
-                <a:spcPts val="0"/>
-              </a:spcAft>
-              <a:buClrTx/>
-              <a:buSzTx/>
-              <a:buFontTx/>
-              <a:buNone/>
-              <a:defRPr/>
-            </a:pPr>
-            <a:endParaRPr kumimoji="0" lang="zh-CN" altLang="en-US" sz="1800" b="0" i="0" u="none" strike="noStrike" kern="1200" cap="none" spc="0" normalizeH="0" baseline="0" noProof="0" dirty="0">
-              <a:ln>
-                <a:noFill/>
-              </a:ln>
-              <a:solidFill>
-                <a:prstClr val="white"/>
-              </a:solidFill>
-              <a:effectLst/>
-              <a:uLnTx/>
-              <a:uFillTx/>
-              <a:latin typeface="Calibri" panose="020F0502020204030204"/>
-              <a:ea typeface="微软雅黑" panose="020B0503020204020204" pitchFamily="34" charset="-122"/>
-              <a:cs typeface="+mn-cs"/>
-            </a:endParaRPr>
-          </a:p>
-        </p:txBody>
-      </p:sp>
-      <p:pic>
-        <p:nvPicPr>
-          <p:cNvPr id="16" name="图片 15"/>
-          <p:cNvPicPr>
-            <a:picLocks noChangeAspect="1"/>
-          </p:cNvPicPr>
-          <p:nvPr/>
-        </p:nvPicPr>
-        <p:blipFill>
-          <a:blip r:embed="rId4">
-            <a:lum bright="70000" contrast="-70000"/>
-          </a:blip>
-          <a:stretch>
-            <a:fillRect/>
-          </a:stretch>
-        </p:blipFill>
-        <p:spPr>
-          <a:xfrm>
-            <a:off x="4297270" y="1564100"/>
-            <a:ext cx="3584759" cy="1036410"/>
-          </a:xfrm>
-          <a:prstGeom prst="rect">
-            <a:avLst/>
-          </a:prstGeom>
-        </p:spPr>
-      </p:pic>
-      <p:pic>
-        <p:nvPicPr>
-          <p:cNvPr id="19" name="图片 18"/>
-          <p:cNvPicPr>
-            <a:picLocks noChangeAspect="1"/>
-          </p:cNvPicPr>
-          <p:nvPr/>
-        </p:nvPicPr>
-        <p:blipFill rotWithShape="1">
-          <a:blip r:embed="rId5" cstate="print">
-            <a:clrChange>
-              <a:clrFrom>
-                <a:srgbClr val="FFFFFF"/>
-              </a:clrFrom>
-              <a:clrTo>
-                <a:srgbClr val="FFFFFF">
-                  <a:alpha val="0"/>
-                </a:srgbClr>
-              </a:clrTo>
-            </a:clrChange>
-            <a:extLst>
-              <a:ext uri="{28A0092B-C50C-407E-A947-70E740481C1C}">
-                <a14:useLocalDpi xmlns:a14="http://schemas.microsoft.com/office/drawing/2010/main" val="0"/>
-              </a:ext>
-            </a:extLst>
-          </a:blip>
-          <a:srcRect l="10920" t="28018" r="7039" b="53899"/>
-          <a:stretch>
-            <a:fillRect/>
-          </a:stretch>
-        </p:blipFill>
-        <p:spPr>
-          <a:xfrm>
-            <a:off x="9299642" y="6332860"/>
-            <a:ext cx="2709553" cy="443887"/>
-          </a:xfrm>
-          <a:prstGeom prst="rect">
-            <a:avLst/>
-          </a:prstGeom>
-        </p:spPr>
-      </p:pic>
-      <p:sp>
-        <p:nvSpPr>
-          <p:cNvPr id="22" name="文本框 21"/>
-          <p:cNvSpPr txBox="1"/>
-          <p:nvPr/>
-        </p:nvSpPr>
-        <p:spPr>
-          <a:xfrm>
-            <a:off x="4216069" y="4049329"/>
-            <a:ext cx="3759862" cy="769441"/>
-          </a:xfrm>
-          <a:prstGeom prst="rect">
-            <a:avLst/>
-          </a:prstGeom>
-          <a:noFill/>
-        </p:spPr>
-        <p:txBody>
-          <a:bodyPr wrap="square" rtlCol="0">
-            <a:spAutoFit/>
-          </a:bodyPr>
-          <a:lstStyle/>
-          <a:p>
-            <a:pPr marL="0" marR="0" lvl="0" indent="0" algn="dist" defTabSz="914400" rtl="0" eaLnBrk="1" fontAlgn="auto" latinLnBrk="0" hangingPunct="1">
-              <a:lnSpc>
-                <a:spcPct val="100000"/>
-              </a:lnSpc>
-              <a:spcBef>
-                <a:spcPts val="0"/>
-              </a:spcBef>
-              <a:spcAft>
-                <a:spcPts val="0"/>
-              </a:spcAft>
-              <a:buClrTx/>
-              <a:buSzTx/>
-              <a:buFontTx/>
-              <a:buNone/>
-              <a:defRPr/>
-            </a:pPr>
-            <a:r>
-              <a:rPr kumimoji="0" lang="zh-CN" altLang="en-US" sz="4400" b="1" i="0" u="none" strike="noStrike" kern="1200" cap="none" spc="0" normalizeH="0" baseline="0" noProof="0" dirty="0">
-                <a:ln>
-                  <a:noFill/>
-                </a:ln>
-                <a:solidFill>
-                  <a:srgbClr val="7E0C6E"/>
-                </a:solidFill>
-                <a:effectLst/>
-                <a:uLnTx/>
-                <a:uFillTx/>
-                <a:latin typeface="Calibri" panose="020F0502020204030204"/>
-                <a:ea typeface="微软雅黑" panose="020B0503020204020204" pitchFamily="34" charset="-122"/>
-                <a:cs typeface="+mn-cs"/>
-              </a:rPr>
-              <a:t>谢谢大家</a:t>
-            </a:r>
-          </a:p>
-        </p:txBody>
-      </p:sp>
-      <p:sp>
-        <p:nvSpPr>
-          <p:cNvPr id="23" name="文本框 22"/>
-          <p:cNvSpPr txBox="1"/>
-          <p:nvPr/>
-        </p:nvSpPr>
-        <p:spPr>
-          <a:xfrm>
-            <a:off x="4848439" y="4818770"/>
-            <a:ext cx="2482419" cy="307777"/>
-          </a:xfrm>
-          <a:prstGeom prst="rect">
-            <a:avLst/>
-          </a:prstGeom>
-          <a:noFill/>
-        </p:spPr>
-        <p:txBody>
-          <a:bodyPr wrap="square" rtlCol="0">
-            <a:spAutoFit/>
-          </a:bodyPr>
-          <a:lstStyle/>
-          <a:p>
-            <a:pPr marL="0" marR="0" lvl="0" indent="0" algn="dist" defTabSz="914400" rtl="0" eaLnBrk="1" fontAlgn="auto" latinLnBrk="0" hangingPunct="1">
-              <a:lnSpc>
-                <a:spcPct val="100000"/>
-              </a:lnSpc>
-              <a:spcBef>
-                <a:spcPts val="0"/>
-              </a:spcBef>
-              <a:spcAft>
-                <a:spcPts val="0"/>
-              </a:spcAft>
-              <a:buClrTx/>
-              <a:buSzTx/>
-              <a:buFontTx/>
-              <a:buNone/>
-              <a:defRPr/>
-            </a:pPr>
-            <a:r>
-              <a:rPr lang="en-US" altLang="zh-CN" sz="1400" dirty="0">
-                <a:solidFill>
-                  <a:prstClr val="white">
-                    <a:lumMod val="65000"/>
-                  </a:prstClr>
-                </a:solidFill>
-                <a:latin typeface="Calibri" panose="020F0502020204030204"/>
-                <a:ea typeface="微软雅黑" panose="020B0503020204020204" pitchFamily="34" charset="-122"/>
-              </a:rPr>
-              <a:t>Thank you</a:t>
-            </a:r>
-            <a:endParaRPr kumimoji="0" lang="zh-CN" altLang="en-US" sz="1400" b="0" i="0" u="none" strike="noStrike" kern="1200" cap="none" spc="0" normalizeH="0" baseline="0" noProof="0" dirty="0">
-              <a:ln>
-                <a:noFill/>
-              </a:ln>
-              <a:solidFill>
-                <a:prstClr val="white">
-                  <a:lumMod val="65000"/>
-                </a:prstClr>
-              </a:solidFill>
-              <a:effectLst/>
-              <a:uLnTx/>
-              <a:uFillTx/>
-              <a:latin typeface="Calibri" panose="020F0502020204030204"/>
-              <a:ea typeface="微软雅黑" panose="020B0503020204020204" pitchFamily="34" charset="-122"/>
-              <a:cs typeface="+mn-cs"/>
-            </a:endParaRPr>
-          </a:p>
-        </p:txBody>
-      </p:sp>
-    </p:spTree>
-  </p:cSld>
-  <p:clrMapOvr>
-    <a:masterClrMapping/>
-  </p:clrMapOvr>
-</p:sld>
-</file>
-
-<file path=ppt/slides/slide3.xml><?xml version="1.0" encoding="utf-8"?>
+<file path=ppt/slides/slide4.xml><?xml version="1.0" encoding="utf-8"?>
 <p:sld xmlns:a="http://schemas.openxmlformats.org/drawingml/2006/main" xmlns:r="http://schemas.openxmlformats.org/officeDocument/2006/relationships" xmlns:p="http://schemas.openxmlformats.org/presentationml/2006/main">
   <p:cSld>
     <p:spTree>
@@ -15519,7 +18525,7 @@
 </p:sld>
 </file>
 
-<file path=ppt/slides/slide4.xml><?xml version="1.0" encoding="utf-8"?>
+<file path=ppt/slides/slide5.xml><?xml version="1.0" encoding="utf-8"?>
 <p:sld xmlns:a="http://schemas.openxmlformats.org/drawingml/2006/main" xmlns:r="http://schemas.openxmlformats.org/officeDocument/2006/relationships" xmlns:p="http://schemas.openxmlformats.org/presentationml/2006/main">
   <p:cSld>
     <p:spTree>
@@ -16132,7 +19138,7 @@
 </p:sld>
 </file>
 
-<file path=ppt/slides/slide5.xml><?xml version="1.0" encoding="utf-8"?>
+<file path=ppt/slides/slide6.xml><?xml version="1.0" encoding="utf-8"?>
 <p:sld xmlns:a="http://schemas.openxmlformats.org/drawingml/2006/main" xmlns:r="http://schemas.openxmlformats.org/officeDocument/2006/relationships" xmlns:p="http://schemas.openxmlformats.org/presentationml/2006/main">
   <p:cSld>
     <p:spTree>
@@ -16857,7 +19863,7 @@
 </p:sld>
 </file>
 
-<file path=ppt/slides/slide6.xml><?xml version="1.0" encoding="utf-8"?>
+<file path=ppt/slides/slide7.xml><?xml version="1.0" encoding="utf-8"?>
 <p:sld xmlns:a="http://schemas.openxmlformats.org/drawingml/2006/main" xmlns:r="http://schemas.openxmlformats.org/officeDocument/2006/relationships" xmlns:p="http://schemas.openxmlformats.org/presentationml/2006/main">
   <p:cSld>
     <p:spTree>
@@ -17181,7 +20187,7 @@
 </p:sld>
 </file>
 
-<file path=ppt/slides/slide7.xml><?xml version="1.0" encoding="utf-8"?>
+<file path=ppt/slides/slide8.xml><?xml version="1.0" encoding="utf-8"?>
 <p:sld xmlns:a="http://schemas.openxmlformats.org/drawingml/2006/main" xmlns:r="http://schemas.openxmlformats.org/officeDocument/2006/relationships" xmlns:p="http://schemas.openxmlformats.org/presentationml/2006/main">
   <p:cSld>
     <p:spTree>
@@ -17680,7 +20686,7 @@
 </p:sld>
 </file>
 
-<file path=ppt/slides/slide8.xml><?xml version="1.0" encoding="utf-8"?>
+<file path=ppt/slides/slide9.xml><?xml version="1.0" encoding="utf-8"?>
 <p:sld xmlns:a="http://schemas.openxmlformats.org/drawingml/2006/main" xmlns:r="http://schemas.openxmlformats.org/officeDocument/2006/relationships" xmlns:p="http://schemas.openxmlformats.org/presentationml/2006/main">
   <p:cSld>
     <p:spTree>
@@ -17994,784 +21000,6 @@
           </a:p>
         </p:txBody>
       </p:sp>
-    </p:spTree>
-  </p:cSld>
-  <p:clrMapOvr>
-    <a:masterClrMapping/>
-  </p:clrMapOvr>
-</p:sld>
-</file>
-
-<file path=ppt/slides/slide9.xml><?xml version="1.0" encoding="utf-8"?>
-<p:sld xmlns:a="http://schemas.openxmlformats.org/drawingml/2006/main" xmlns:r="http://schemas.openxmlformats.org/officeDocument/2006/relationships" xmlns:p="http://schemas.openxmlformats.org/presentationml/2006/main">
-  <p:cSld>
-    <p:spTree>
-      <p:nvGrpSpPr>
-        <p:cNvPr id="1" name=""/>
-        <p:cNvGrpSpPr/>
-        <p:nvPr/>
-      </p:nvGrpSpPr>
-      <p:grpSpPr>
-        <a:xfrm>
-          <a:off x="0" y="0"/>
-          <a:ext cx="0" cy="0"/>
-          <a:chOff x="0" y="0"/>
-          <a:chExt cx="0" cy="0"/>
-        </a:xfrm>
-      </p:grpSpPr>
-      <p:sp>
-        <p:nvSpPr>
-          <p:cNvPr id="2" name="文本框 1"/>
-          <p:cNvSpPr txBox="1"/>
-          <p:nvPr/>
-        </p:nvSpPr>
-        <p:spPr>
-          <a:xfrm>
-            <a:off x="823449" y="135317"/>
-            <a:ext cx="6632661" cy="678519"/>
-          </a:xfrm>
-          <a:prstGeom prst="rect">
-            <a:avLst/>
-          </a:prstGeom>
-          <a:noFill/>
-        </p:spPr>
-        <p:txBody>
-          <a:bodyPr wrap="square" rtlCol="0">
-            <a:spAutoFit/>
-          </a:bodyPr>
-          <a:lstStyle/>
-          <a:p>
-            <a:pPr>
-              <a:lnSpc>
-                <a:spcPct val="130000"/>
-              </a:lnSpc>
-            </a:pPr>
-            <a:r>
-              <a:rPr lang="zh-CN" altLang="en-US" sz="3200" b="1" dirty="0">
-                <a:ea typeface="微软雅黑" panose="020B0503020204020204" pitchFamily="34" charset="-122"/>
-              </a:rPr>
-              <a:t>方法</a:t>
-            </a:r>
-          </a:p>
-        </p:txBody>
-      </p:sp>
-      <p:grpSp>
-        <p:nvGrpSpPr>
-          <p:cNvPr id="16" name="组合 15"/>
-          <p:cNvGrpSpPr/>
-          <p:nvPr/>
-        </p:nvGrpSpPr>
-        <p:grpSpPr>
-          <a:xfrm>
-            <a:off x="1767840" y="1088225"/>
-            <a:ext cx="8643620" cy="5087949"/>
-            <a:chOff x="1275080" y="1299308"/>
-            <a:chExt cx="9443338" cy="5558692"/>
-          </a:xfrm>
-        </p:grpSpPr>
-        <p:grpSp>
-          <p:nvGrpSpPr>
-            <p:cNvPr id="6" name="组合 5"/>
-            <p:cNvGrpSpPr/>
-            <p:nvPr/>
-          </p:nvGrpSpPr>
-          <p:grpSpPr>
-            <a:xfrm>
-              <a:off x="1275080" y="1299308"/>
-              <a:ext cx="9443338" cy="1638300"/>
-              <a:chOff x="1275080" y="1299308"/>
-              <a:chExt cx="9443338" cy="1638300"/>
-            </a:xfrm>
-          </p:grpSpPr>
-          <p:sp>
-            <p:nvSpPr>
-              <p:cNvPr id="3" name="矩形: 圆角 2"/>
-              <p:cNvSpPr/>
-              <p:nvPr/>
-            </p:nvSpPr>
-            <p:spPr>
-              <a:xfrm rot="5400000" flipV="1">
-                <a:off x="5396230" y="-2503960"/>
-                <a:ext cx="1399540" cy="9244836"/>
-              </a:xfrm>
-              <a:prstGeom prst="roundRect">
-                <a:avLst>
-                  <a:gd name="adj" fmla="val 2148"/>
-                </a:avLst>
-              </a:prstGeom>
-              <a:solidFill>
-                <a:schemeClr val="bg1"/>
-              </a:solidFill>
-              <a:ln>
-                <a:noFill/>
-              </a:ln>
-              <a:effectLst>
-                <a:outerShdw blurRad="381000" algn="ctr" rotWithShape="0">
-                  <a:prstClr val="black">
-                    <a:alpha val="20000"/>
-                  </a:prstClr>
-                </a:outerShdw>
-              </a:effectLst>
-            </p:spPr>
-            <p:style>
-              <a:lnRef idx="2">
-                <a:schemeClr val="accent1">
-                  <a:shade val="50000"/>
-                </a:schemeClr>
-              </a:lnRef>
-              <a:fillRef idx="1">
-                <a:schemeClr val="accent1"/>
-              </a:fillRef>
-              <a:effectRef idx="0">
-                <a:schemeClr val="accent1"/>
-              </a:effectRef>
-              <a:fontRef idx="minor">
-                <a:schemeClr val="lt1"/>
-              </a:fontRef>
-            </p:style>
-            <p:txBody>
-              <a:bodyPr rtlCol="0" anchor="ctr"/>
-              <a:lstStyle/>
-              <a:p>
-                <a:pPr algn="ctr"/>
-                <a:endParaRPr lang="zh-CN" altLang="en-US">
-                  <a:ea typeface="微软雅黑" panose="020B0503020204020204" pitchFamily="34" charset="-122"/>
-                </a:endParaRPr>
-              </a:p>
-            </p:txBody>
-          </p:sp>
-          <p:sp>
-            <p:nvSpPr>
-              <p:cNvPr id="5" name="流程图: 离页连接符 4"/>
-              <p:cNvSpPr/>
-              <p:nvPr/>
-            </p:nvSpPr>
-            <p:spPr>
-              <a:xfrm rot="16200000">
-                <a:off x="758190" y="1816198"/>
-                <a:ext cx="1638300" cy="604520"/>
-              </a:xfrm>
-              <a:prstGeom prst="flowChartOffpageConnector">
-                <a:avLst/>
-              </a:prstGeom>
-              <a:solidFill>
-                <a:schemeClr val="accent1"/>
-              </a:solidFill>
-            </p:spPr>
-            <p:style>
-              <a:lnRef idx="2">
-                <a:schemeClr val="accent1">
-                  <a:shade val="50000"/>
-                </a:schemeClr>
-              </a:lnRef>
-              <a:fillRef idx="1">
-                <a:schemeClr val="accent1"/>
-              </a:fillRef>
-              <a:effectRef idx="0">
-                <a:schemeClr val="accent1"/>
-              </a:effectRef>
-              <a:fontRef idx="minor">
-                <a:schemeClr val="lt1"/>
-              </a:fontRef>
-            </p:style>
-            <p:txBody>
-              <a:bodyPr rtlCol="0" anchor="ctr"/>
-              <a:lstStyle/>
-              <a:p>
-                <a:pPr algn="ctr"/>
-                <a:endParaRPr lang="zh-CN" altLang="en-US" sz="3600" b="1" dirty="0">
-                  <a:ea typeface="微软雅黑" panose="020B0503020204020204" pitchFamily="34" charset="-122"/>
-                </a:endParaRPr>
-              </a:p>
-            </p:txBody>
-          </p:sp>
-        </p:grpSp>
-        <p:grpSp>
-          <p:nvGrpSpPr>
-            <p:cNvPr id="7" name="组合 6"/>
-            <p:cNvGrpSpPr/>
-            <p:nvPr/>
-          </p:nvGrpSpPr>
-          <p:grpSpPr>
-            <a:xfrm>
-              <a:off x="1275080" y="3259504"/>
-              <a:ext cx="9443338" cy="1638300"/>
-              <a:chOff x="1275080" y="1299308"/>
-              <a:chExt cx="9443338" cy="1638300"/>
-            </a:xfrm>
-          </p:grpSpPr>
-          <p:sp>
-            <p:nvSpPr>
-              <p:cNvPr id="8" name="矩形: 圆角 7"/>
-              <p:cNvSpPr/>
-              <p:nvPr/>
-            </p:nvSpPr>
-            <p:spPr>
-              <a:xfrm rot="5400000" flipV="1">
-                <a:off x="5396230" y="-2503960"/>
-                <a:ext cx="1399540" cy="9244836"/>
-              </a:xfrm>
-              <a:prstGeom prst="roundRect">
-                <a:avLst>
-                  <a:gd name="adj" fmla="val 2148"/>
-                </a:avLst>
-              </a:prstGeom>
-              <a:solidFill>
-                <a:schemeClr val="bg1"/>
-              </a:solidFill>
-              <a:ln>
-                <a:noFill/>
-              </a:ln>
-              <a:effectLst>
-                <a:outerShdw blurRad="381000" algn="ctr" rotWithShape="0">
-                  <a:prstClr val="black">
-                    <a:alpha val="20000"/>
-                  </a:prstClr>
-                </a:outerShdw>
-              </a:effectLst>
-            </p:spPr>
-            <p:style>
-              <a:lnRef idx="2">
-                <a:schemeClr val="accent1">
-                  <a:shade val="50000"/>
-                </a:schemeClr>
-              </a:lnRef>
-              <a:fillRef idx="1">
-                <a:schemeClr val="accent1"/>
-              </a:fillRef>
-              <a:effectRef idx="0">
-                <a:schemeClr val="accent1"/>
-              </a:effectRef>
-              <a:fontRef idx="minor">
-                <a:schemeClr val="lt1"/>
-              </a:fontRef>
-            </p:style>
-            <p:txBody>
-              <a:bodyPr rtlCol="0" anchor="ctr"/>
-              <a:lstStyle/>
-              <a:p>
-                <a:pPr algn="ctr"/>
-                <a:endParaRPr lang="zh-CN" altLang="en-US" dirty="0">
-                  <a:ea typeface="微软雅黑" panose="020B0503020204020204" pitchFamily="34" charset="-122"/>
-                </a:endParaRPr>
-              </a:p>
-            </p:txBody>
-          </p:sp>
-          <p:sp>
-            <p:nvSpPr>
-              <p:cNvPr id="9" name="流程图: 离页连接符 8"/>
-              <p:cNvSpPr/>
-              <p:nvPr/>
-            </p:nvSpPr>
-            <p:spPr>
-              <a:xfrm rot="16200000">
-                <a:off x="758190" y="1816198"/>
-                <a:ext cx="1638300" cy="604520"/>
-              </a:xfrm>
-              <a:prstGeom prst="flowChartOffpageConnector">
-                <a:avLst/>
-              </a:prstGeom>
-              <a:solidFill>
-                <a:schemeClr val="accent1"/>
-              </a:solidFill>
-            </p:spPr>
-            <p:style>
-              <a:lnRef idx="2">
-                <a:schemeClr val="accent1">
-                  <a:shade val="50000"/>
-                </a:schemeClr>
-              </a:lnRef>
-              <a:fillRef idx="1">
-                <a:schemeClr val="accent1"/>
-              </a:fillRef>
-              <a:effectRef idx="0">
-                <a:schemeClr val="accent1"/>
-              </a:effectRef>
-              <a:fontRef idx="minor">
-                <a:schemeClr val="lt1"/>
-              </a:fontRef>
-            </p:style>
-            <p:txBody>
-              <a:bodyPr rtlCol="0" anchor="ctr"/>
-              <a:lstStyle/>
-              <a:p>
-                <a:pPr algn="ctr"/>
-                <a:endParaRPr lang="zh-CN" altLang="en-US" sz="3600" b="1" dirty="0">
-                  <a:ea typeface="微软雅黑" panose="020B0503020204020204" pitchFamily="34" charset="-122"/>
-                </a:endParaRPr>
-              </a:p>
-            </p:txBody>
-          </p:sp>
-        </p:grpSp>
-        <p:grpSp>
-          <p:nvGrpSpPr>
-            <p:cNvPr id="13" name="组合 12"/>
-            <p:cNvGrpSpPr/>
-            <p:nvPr/>
-          </p:nvGrpSpPr>
-          <p:grpSpPr>
-            <a:xfrm>
-              <a:off x="1275080" y="5219700"/>
-              <a:ext cx="9443338" cy="1638300"/>
-              <a:chOff x="1275080" y="1299308"/>
-              <a:chExt cx="9443338" cy="1638300"/>
-            </a:xfrm>
-          </p:grpSpPr>
-          <p:sp>
-            <p:nvSpPr>
-              <p:cNvPr id="14" name="矩形: 圆角 13"/>
-              <p:cNvSpPr/>
-              <p:nvPr/>
-            </p:nvSpPr>
-            <p:spPr>
-              <a:xfrm rot="5400000" flipV="1">
-                <a:off x="5396230" y="-2503960"/>
-                <a:ext cx="1399540" cy="9244836"/>
-              </a:xfrm>
-              <a:prstGeom prst="roundRect">
-                <a:avLst>
-                  <a:gd name="adj" fmla="val 2148"/>
-                </a:avLst>
-              </a:prstGeom>
-              <a:solidFill>
-                <a:schemeClr val="bg1"/>
-              </a:solidFill>
-              <a:ln>
-                <a:noFill/>
-              </a:ln>
-              <a:effectLst>
-                <a:outerShdw blurRad="381000" algn="ctr" rotWithShape="0">
-                  <a:prstClr val="black">
-                    <a:alpha val="20000"/>
-                  </a:prstClr>
-                </a:outerShdw>
-              </a:effectLst>
-            </p:spPr>
-            <p:style>
-              <a:lnRef idx="2">
-                <a:schemeClr val="accent1">
-                  <a:shade val="50000"/>
-                </a:schemeClr>
-              </a:lnRef>
-              <a:fillRef idx="1">
-                <a:schemeClr val="accent1"/>
-              </a:fillRef>
-              <a:effectRef idx="0">
-                <a:schemeClr val="accent1"/>
-              </a:effectRef>
-              <a:fontRef idx="minor">
-                <a:schemeClr val="lt1"/>
-              </a:fontRef>
-            </p:style>
-            <p:txBody>
-              <a:bodyPr rtlCol="0" anchor="ctr"/>
-              <a:lstStyle/>
-              <a:p>
-                <a:pPr algn="ctr"/>
-                <a:endParaRPr lang="zh-CN" altLang="en-US">
-                  <a:ea typeface="微软雅黑" panose="020B0503020204020204" pitchFamily="34" charset="-122"/>
-                </a:endParaRPr>
-              </a:p>
-            </p:txBody>
-          </p:sp>
-          <p:sp>
-            <p:nvSpPr>
-              <p:cNvPr id="15" name="流程图: 离页连接符 14"/>
-              <p:cNvSpPr/>
-              <p:nvPr/>
-            </p:nvSpPr>
-            <p:spPr>
-              <a:xfrm rot="16200000">
-                <a:off x="758190" y="1816198"/>
-                <a:ext cx="1638300" cy="604520"/>
-              </a:xfrm>
-              <a:prstGeom prst="flowChartOffpageConnector">
-                <a:avLst/>
-              </a:prstGeom>
-              <a:solidFill>
-                <a:schemeClr val="accent1"/>
-              </a:solidFill>
-            </p:spPr>
-            <p:style>
-              <a:lnRef idx="2">
-                <a:schemeClr val="accent1">
-                  <a:shade val="50000"/>
-                </a:schemeClr>
-              </a:lnRef>
-              <a:fillRef idx="1">
-                <a:schemeClr val="accent1"/>
-              </a:fillRef>
-              <a:effectRef idx="0">
-                <a:schemeClr val="accent1"/>
-              </a:effectRef>
-              <a:fontRef idx="minor">
-                <a:schemeClr val="lt1"/>
-              </a:fontRef>
-            </p:style>
-            <p:txBody>
-              <a:bodyPr rtlCol="0" anchor="ctr"/>
-              <a:lstStyle/>
-              <a:p>
-                <a:pPr algn="ctr"/>
-                <a:endParaRPr lang="zh-CN" altLang="en-US" sz="3600" b="1" dirty="0">
-                  <a:ea typeface="微软雅黑" panose="020B0503020204020204" pitchFamily="34" charset="-122"/>
-                </a:endParaRPr>
-              </a:p>
-            </p:txBody>
-          </p:sp>
-        </p:grpSp>
-      </p:grpSp>
-      <p:grpSp>
-        <p:nvGrpSpPr>
-          <p:cNvPr id="25" name="组合 24"/>
-          <p:cNvGrpSpPr/>
-          <p:nvPr/>
-        </p:nvGrpSpPr>
-        <p:grpSpPr>
-          <a:xfrm>
-            <a:off x="2502858" y="1380539"/>
-            <a:ext cx="7908603" cy="913327"/>
-            <a:chOff x="2502858" y="1380539"/>
-            <a:chExt cx="7908603" cy="913327"/>
-          </a:xfrm>
-        </p:grpSpPr>
-        <p:sp>
-          <p:nvSpPr>
-            <p:cNvPr id="17" name="矩形 16"/>
-            <p:cNvSpPr/>
-            <p:nvPr/>
-          </p:nvSpPr>
-          <p:spPr>
-            <a:xfrm>
-              <a:off x="4333017" y="1380539"/>
-              <a:ext cx="6078444" cy="913327"/>
-            </a:xfrm>
-            <a:prstGeom prst="rect">
-              <a:avLst/>
-            </a:prstGeom>
-          </p:spPr>
-          <p:txBody>
-            <a:bodyPr wrap="square">
-              <a:spAutoFit/>
-            </a:bodyPr>
-            <a:lstStyle/>
-            <a:p>
-              <a:pPr>
-                <a:lnSpc>
-                  <a:spcPct val="140000"/>
-                </a:lnSpc>
-              </a:pPr>
-              <a:r>
-                <a:rPr lang="zh-CN" altLang="en-US" sz="2000" dirty="0">
-                  <a:ea typeface="微软雅黑" panose="020B0503020204020204" pitchFamily="34" charset="-122"/>
-                </a:rPr>
-                <a:t>通过使用</a:t>
-              </a:r>
-              <a:r>
-                <a:rPr lang="en-US" altLang="zh-CN" sz="2000" dirty="0">
-                  <a:ea typeface="微软雅黑" panose="020B0503020204020204" pitchFamily="34" charset="-122"/>
-                </a:rPr>
-                <a:t>D3.js</a:t>
-              </a:r>
-              <a:r>
-                <a:rPr lang="zh-CN" altLang="en-US" sz="2000" dirty="0">
-                  <a:ea typeface="微软雅黑" panose="020B0503020204020204" pitchFamily="34" charset="-122"/>
-                </a:rPr>
-                <a:t>库实现了对</a:t>
-              </a:r>
-              <a:r>
-                <a:rPr lang="en-US" altLang="zh-CN" sz="2000" dirty="0">
-                  <a:ea typeface="微软雅黑" panose="020B0503020204020204" pitchFamily="34" charset="-122"/>
-                </a:rPr>
-                <a:t>Neo4j</a:t>
-              </a:r>
-              <a:r>
-                <a:rPr lang="zh-CN" altLang="en-US" sz="2000" dirty="0">
-                  <a:ea typeface="微软雅黑" panose="020B0503020204020204" pitchFamily="34" charset="-122"/>
-                </a:rPr>
-                <a:t>图数据库中数据的查询和可视化展示。</a:t>
-              </a:r>
-            </a:p>
-          </p:txBody>
-        </p:sp>
-        <p:sp>
-          <p:nvSpPr>
-            <p:cNvPr id="18" name="文本框 17"/>
-            <p:cNvSpPr txBox="1"/>
-            <p:nvPr/>
-          </p:nvSpPr>
-          <p:spPr>
-            <a:xfrm>
-              <a:off x="2502858" y="1607171"/>
-              <a:ext cx="2204427" cy="461665"/>
-            </a:xfrm>
-            <a:prstGeom prst="rect">
-              <a:avLst/>
-            </a:prstGeom>
-            <a:noFill/>
-          </p:spPr>
-          <p:txBody>
-            <a:bodyPr wrap="square" rtlCol="0">
-              <a:spAutoFit/>
-            </a:bodyPr>
-            <a:lstStyle/>
-            <a:p>
-              <a:r>
-                <a:rPr lang="zh-CN" altLang="en-US" sz="2400" b="1" spc="200" dirty="0">
-                  <a:solidFill>
-                    <a:schemeClr val="tx2">
-                      <a:lumMod val="50000"/>
-                    </a:schemeClr>
-                  </a:solidFill>
-                  <a:ea typeface="微软雅黑" panose="020B0503020204020204" pitchFamily="34" charset="-122"/>
-                </a:rPr>
-                <a:t>前端</a:t>
-              </a:r>
-              <a:r>
-                <a:rPr lang="zh-CN" altLang="en-US" sz="2400" spc="100" dirty="0">
-                  <a:solidFill>
-                    <a:schemeClr val="accent4"/>
-                  </a:solidFill>
-                  <a:ea typeface="微软雅黑" panose="020B0503020204020204" pitchFamily="34" charset="-122"/>
-                </a:rPr>
-                <a:t></a:t>
-              </a:r>
-              <a:endParaRPr lang="zh-CN" altLang="en-US" sz="2400" b="1" spc="200" dirty="0">
-                <a:solidFill>
-                  <a:schemeClr val="accent4"/>
-                </a:solidFill>
-                <a:ea typeface="微软雅黑" panose="020B0503020204020204" pitchFamily="34" charset="-122"/>
-              </a:endParaRPr>
-            </a:p>
-          </p:txBody>
-        </p:sp>
-      </p:grpSp>
-      <p:grpSp>
-        <p:nvGrpSpPr>
-          <p:cNvPr id="21" name="组合 20"/>
-          <p:cNvGrpSpPr/>
-          <p:nvPr/>
-        </p:nvGrpSpPr>
-        <p:grpSpPr>
-          <a:xfrm>
-            <a:off x="2502859" y="4969730"/>
-            <a:ext cx="7908602" cy="913327"/>
-            <a:chOff x="2515559" y="4969730"/>
-            <a:chExt cx="7908602" cy="913327"/>
-          </a:xfrm>
-        </p:grpSpPr>
-        <p:sp>
-          <p:nvSpPr>
-            <p:cNvPr id="19" name="矩形 18"/>
-            <p:cNvSpPr/>
-            <p:nvPr/>
-          </p:nvSpPr>
-          <p:spPr>
-            <a:xfrm>
-              <a:off x="4345717" y="4969730"/>
-              <a:ext cx="6078444" cy="913327"/>
-            </a:xfrm>
-            <a:prstGeom prst="rect">
-              <a:avLst/>
-            </a:prstGeom>
-          </p:spPr>
-          <p:txBody>
-            <a:bodyPr wrap="square">
-              <a:spAutoFit/>
-            </a:bodyPr>
-            <a:lstStyle/>
-            <a:p>
-              <a:pPr>
-                <a:lnSpc>
-                  <a:spcPct val="140000"/>
-                </a:lnSpc>
-              </a:pPr>
-              <a:r>
-                <a:rPr lang="zh-CN" altLang="en-US" sz="2000" dirty="0">
-                  <a:ea typeface="微软雅黑" panose="020B0503020204020204" pitchFamily="34" charset="-122"/>
-                </a:rPr>
-                <a:t>使用</a:t>
-              </a:r>
-              <a:r>
-                <a:rPr lang="en-US" altLang="zh-CN" sz="2000" dirty="0">
-                  <a:ea typeface="微软雅黑" panose="020B0503020204020204" pitchFamily="34" charset="-122"/>
-                </a:rPr>
-                <a:t>neo4j</a:t>
-              </a:r>
-              <a:r>
-                <a:rPr lang="zh-CN" altLang="en-US" sz="2000" dirty="0">
-                  <a:ea typeface="微软雅黑" panose="020B0503020204020204" pitchFamily="34" charset="-122"/>
-                </a:rPr>
-                <a:t>构建图数据库，数据为经过处理的爬虫得到的数据。</a:t>
-              </a:r>
-            </a:p>
-          </p:txBody>
-        </p:sp>
-        <p:sp>
-          <p:nvSpPr>
-            <p:cNvPr id="20" name="文本框 19"/>
-            <p:cNvSpPr txBox="1"/>
-            <p:nvPr/>
-          </p:nvSpPr>
-          <p:spPr>
-            <a:xfrm>
-              <a:off x="2515559" y="5198841"/>
-              <a:ext cx="2204427" cy="461665"/>
-            </a:xfrm>
-            <a:prstGeom prst="rect">
-              <a:avLst/>
-            </a:prstGeom>
-            <a:noFill/>
-          </p:spPr>
-          <p:txBody>
-            <a:bodyPr wrap="square" rtlCol="0">
-              <a:spAutoFit/>
-            </a:bodyPr>
-            <a:lstStyle/>
-            <a:p>
-              <a:r>
-                <a:rPr lang="zh-CN" altLang="en-US" sz="2400" b="1" spc="200" dirty="0">
-                  <a:solidFill>
-                    <a:schemeClr val="tx2">
-                      <a:lumMod val="50000"/>
-                    </a:schemeClr>
-                  </a:solidFill>
-                  <a:ea typeface="微软雅黑" panose="020B0503020204020204" pitchFamily="34" charset="-122"/>
-                </a:rPr>
-                <a:t>数据库</a:t>
-              </a:r>
-              <a:r>
-                <a:rPr lang="zh-CN" altLang="en-US" sz="2400" spc="100" dirty="0">
-                  <a:solidFill>
-                    <a:schemeClr val="accent4"/>
-                  </a:solidFill>
-                  <a:ea typeface="微软雅黑" panose="020B0503020204020204" pitchFamily="34" charset="-122"/>
-                </a:rPr>
-                <a:t></a:t>
-              </a:r>
-              <a:endParaRPr lang="zh-CN" altLang="en-US" sz="2400" b="1" spc="200" dirty="0">
-                <a:solidFill>
-                  <a:schemeClr val="accent4"/>
-                </a:solidFill>
-                <a:ea typeface="微软雅黑" panose="020B0503020204020204" pitchFamily="34" charset="-122"/>
-              </a:endParaRPr>
-            </a:p>
-          </p:txBody>
-        </p:sp>
-      </p:grpSp>
-      <p:grpSp>
-        <p:nvGrpSpPr>
-          <p:cNvPr id="22" name="组合 21"/>
-          <p:cNvGrpSpPr/>
-          <p:nvPr/>
-        </p:nvGrpSpPr>
-        <p:grpSpPr>
-          <a:xfrm>
-            <a:off x="2502858" y="3174734"/>
-            <a:ext cx="7908603" cy="913327"/>
-            <a:chOff x="2515558" y="5012294"/>
-            <a:chExt cx="7908603" cy="913327"/>
-          </a:xfrm>
-        </p:grpSpPr>
-        <p:sp>
-          <p:nvSpPr>
-            <p:cNvPr id="23" name="矩形 22"/>
-            <p:cNvSpPr/>
-            <p:nvPr/>
-          </p:nvSpPr>
-          <p:spPr>
-            <a:xfrm>
-              <a:off x="4345717" y="5012294"/>
-              <a:ext cx="6078444" cy="913327"/>
-            </a:xfrm>
-            <a:prstGeom prst="rect">
-              <a:avLst/>
-            </a:prstGeom>
-          </p:spPr>
-          <p:txBody>
-            <a:bodyPr wrap="square">
-              <a:spAutoFit/>
-            </a:bodyPr>
-            <a:lstStyle/>
-            <a:p>
-              <a:pPr>
-                <a:lnSpc>
-                  <a:spcPct val="140000"/>
-                </a:lnSpc>
-              </a:pPr>
-              <a:r>
-                <a:rPr lang="zh-CN" altLang="en-US" sz="2000" dirty="0">
-                  <a:ea typeface="微软雅黑" panose="020B0503020204020204" pitchFamily="34" charset="-122"/>
-                </a:rPr>
-                <a:t>使用</a:t>
-              </a:r>
-              <a:r>
-                <a:rPr lang="en-US" altLang="zh-CN" sz="2000" dirty="0">
-                  <a:ea typeface="微软雅黑" panose="020B0503020204020204" pitchFamily="34" charset="-122"/>
-                </a:rPr>
-                <a:t>Python</a:t>
-              </a:r>
-              <a:r>
-                <a:rPr lang="zh-CN" altLang="en-US" sz="2000" dirty="0">
-                  <a:ea typeface="微软雅黑" panose="020B0503020204020204" pitchFamily="34" charset="-122"/>
-                </a:rPr>
-                <a:t>经行实体识别，再通过问题向模板的映射，生成图数据库查询语句查答案，最后生成答案返回。</a:t>
-              </a:r>
-            </a:p>
-          </p:txBody>
-        </p:sp>
-        <p:sp>
-          <p:nvSpPr>
-            <p:cNvPr id="24" name="文本框 23"/>
-            <p:cNvSpPr txBox="1"/>
-            <p:nvPr/>
-          </p:nvSpPr>
-          <p:spPr>
-            <a:xfrm>
-              <a:off x="2515558" y="5238926"/>
-              <a:ext cx="2204427" cy="461665"/>
-            </a:xfrm>
-            <a:prstGeom prst="rect">
-              <a:avLst/>
-            </a:prstGeom>
-            <a:noFill/>
-          </p:spPr>
-          <p:txBody>
-            <a:bodyPr wrap="square" rtlCol="0">
-              <a:spAutoFit/>
-            </a:bodyPr>
-            <a:lstStyle/>
-            <a:p>
-              <a:r>
-                <a:rPr lang="zh-CN" altLang="en-US" sz="2400" b="1" spc="200" dirty="0">
-                  <a:solidFill>
-                    <a:schemeClr val="tx2">
-                      <a:lumMod val="50000"/>
-                    </a:schemeClr>
-                  </a:solidFill>
-                  <a:ea typeface="微软雅黑" panose="020B0503020204020204" pitchFamily="34" charset="-122"/>
-                </a:rPr>
-                <a:t>后端</a:t>
-              </a:r>
-              <a:r>
-                <a:rPr lang="zh-CN" altLang="en-US" sz="2400" spc="100" dirty="0">
-                  <a:solidFill>
-                    <a:schemeClr val="accent4"/>
-                  </a:solidFill>
-                  <a:ea typeface="微软雅黑" panose="020B0503020204020204" pitchFamily="34" charset="-122"/>
-                </a:rPr>
-                <a:t></a:t>
-              </a:r>
-              <a:endParaRPr lang="zh-CN" altLang="en-US" sz="2400" b="1" spc="200" dirty="0">
-                <a:solidFill>
-                  <a:schemeClr val="accent4"/>
-                </a:solidFill>
-                <a:ea typeface="微软雅黑" panose="020B0503020204020204" pitchFamily="34" charset="-122"/>
-              </a:endParaRPr>
-            </a:p>
-          </p:txBody>
-        </p:sp>
-      </p:grpSp>
     </p:spTree>
   </p:cSld>
   <p:clrMapOvr>
